--- a/Le_Bon_Potager.pptx
+++ b/Le_Bon_Potager.pptx
@@ -196,7 +196,7 @@
           <a:noFill/>
           <a:extLst>
             <a:ext uri="{909E8E84-426E-40dd-AFC4-6F175D3DCCD1}">
-              <a14:hiddenFill xmlns:a14="http://schemas.microsoft.com/office/drawing/2010/main" xmlns="">
+              <a14:hiddenFill xmlns="" xmlns:a14="http://schemas.microsoft.com/office/drawing/2010/main">
                 <a:solidFill>
                   <a:srgbClr val="FFFFFF"/>
                 </a:solidFill>
@@ -256,7 +256,7 @@
             </a:ln>
             <a:extLst>
               <a:ext uri="{91240B29-F687-4f45-9708-019B960494DF}">
-                <a14:hiddenLine xmlns:a14="http://schemas.microsoft.com/office/drawing/2010/main" xmlns="" w="9525">
+                <a14:hiddenLine xmlns="" xmlns:a14="http://schemas.microsoft.com/office/drawing/2010/main" w="9525">
                   <a:solidFill>
                     <a:srgbClr val="000000"/>
                   </a:solidFill>
@@ -346,7 +346,7 @@
             </a:ln>
             <a:extLst>
               <a:ext uri="{91240B29-F687-4f45-9708-019B960494DF}">
-                <a14:hiddenLine xmlns:a14="http://schemas.microsoft.com/office/drawing/2010/main" xmlns="" w="9525">
+                <a14:hiddenLine xmlns="" xmlns:a14="http://schemas.microsoft.com/office/drawing/2010/main" w="9525">
                   <a:solidFill>
                     <a:srgbClr val="000000"/>
                   </a:solidFill>
@@ -436,7 +436,7 @@
             </a:ln>
             <a:extLst>
               <a:ext uri="{91240B29-F687-4f45-9708-019B960494DF}">
-                <a14:hiddenLine xmlns:a14="http://schemas.microsoft.com/office/drawing/2010/main" xmlns="" w="9525">
+                <a14:hiddenLine xmlns="" xmlns:a14="http://schemas.microsoft.com/office/drawing/2010/main" w="9525">
                   <a:solidFill>
                     <a:srgbClr val="000000"/>
                   </a:solidFill>
@@ -470,7 +470,7 @@
             </a:ln>
             <a:extLst>
               <a:ext uri="{91240B29-F687-4f45-9708-019B960494DF}">
-                <a14:hiddenLine xmlns:a14="http://schemas.microsoft.com/office/drawing/2010/main" xmlns="" w="9525">
+                <a14:hiddenLine xmlns="" xmlns:a14="http://schemas.microsoft.com/office/drawing/2010/main" w="9525">
                   <a:solidFill>
                     <a:srgbClr val="000000"/>
                   </a:solidFill>
@@ -560,7 +560,7 @@
             </a:ln>
             <a:extLst>
               <a:ext uri="{91240B29-F687-4f45-9708-019B960494DF}">
-                <a14:hiddenLine xmlns:a14="http://schemas.microsoft.com/office/drawing/2010/main" xmlns="" w="9525">
+                <a14:hiddenLine xmlns="" xmlns:a14="http://schemas.microsoft.com/office/drawing/2010/main" w="9525">
                   <a:solidFill>
                     <a:srgbClr val="000000"/>
                   </a:solidFill>
@@ -622,7 +622,7 @@
             </a:ln>
             <a:extLst>
               <a:ext uri="{91240B29-F687-4f45-9708-019B960494DF}">
-                <a14:hiddenLine xmlns:a14="http://schemas.microsoft.com/office/drawing/2010/main" xmlns="" w="9525">
+                <a14:hiddenLine xmlns="" xmlns:a14="http://schemas.microsoft.com/office/drawing/2010/main" w="9525">
                   <a:solidFill>
                     <a:srgbClr val="000000"/>
                   </a:solidFill>
@@ -684,7 +684,7 @@
             </a:ln>
             <a:extLst>
               <a:ext uri="{91240B29-F687-4f45-9708-019B960494DF}">
-                <a14:hiddenLine xmlns:a14="http://schemas.microsoft.com/office/drawing/2010/main" xmlns="" w="9525">
+                <a14:hiddenLine xmlns="" xmlns:a14="http://schemas.microsoft.com/office/drawing/2010/main" w="9525">
                   <a:solidFill>
                     <a:srgbClr val="000000"/>
                   </a:solidFill>
@@ -774,7 +774,7 @@
             </a:ln>
             <a:extLst>
               <a:ext uri="{91240B29-F687-4f45-9708-019B960494DF}">
-                <a14:hiddenLine xmlns:a14="http://schemas.microsoft.com/office/drawing/2010/main" xmlns="" w="9525">
+                <a14:hiddenLine xmlns="" xmlns:a14="http://schemas.microsoft.com/office/drawing/2010/main" w="9525">
                   <a:solidFill>
                     <a:srgbClr val="000000"/>
                   </a:solidFill>
@@ -836,7 +836,7 @@
             </a:ln>
             <a:extLst>
               <a:ext uri="{91240B29-F687-4f45-9708-019B960494DF}">
-                <a14:hiddenLine xmlns:a14="http://schemas.microsoft.com/office/drawing/2010/main" xmlns="" w="9525">
+                <a14:hiddenLine xmlns="" xmlns:a14="http://schemas.microsoft.com/office/drawing/2010/main" w="9525">
                   <a:solidFill>
                     <a:srgbClr val="000000"/>
                   </a:solidFill>
@@ -898,7 +898,7 @@
             </a:ln>
             <a:extLst>
               <a:ext uri="{91240B29-F687-4f45-9708-019B960494DF}">
-                <a14:hiddenLine xmlns:a14="http://schemas.microsoft.com/office/drawing/2010/main" xmlns="" w="9525">
+                <a14:hiddenLine xmlns="" xmlns:a14="http://schemas.microsoft.com/office/drawing/2010/main" w="9525">
                   <a:solidFill>
                     <a:srgbClr val="000000"/>
                   </a:solidFill>
@@ -988,7 +988,7 @@
             </a:ln>
             <a:extLst>
               <a:ext uri="{91240B29-F687-4f45-9708-019B960494DF}">
-                <a14:hiddenLine xmlns:a14="http://schemas.microsoft.com/office/drawing/2010/main" xmlns="" w="9525">
+                <a14:hiddenLine xmlns="" xmlns:a14="http://schemas.microsoft.com/office/drawing/2010/main" w="9525">
                   <a:solidFill>
                     <a:srgbClr val="000000"/>
                   </a:solidFill>
@@ -1078,7 +1078,7 @@
             </a:ln>
             <a:extLst>
               <a:ext uri="{91240B29-F687-4f45-9708-019B960494DF}">
-                <a14:hiddenLine xmlns:a14="http://schemas.microsoft.com/office/drawing/2010/main" xmlns="" w="9525">
+                <a14:hiddenLine xmlns="" xmlns:a14="http://schemas.microsoft.com/office/drawing/2010/main" w="9525">
                   <a:solidFill>
                     <a:srgbClr val="000000"/>
                   </a:solidFill>
@@ -1140,7 +1140,7 @@
             </a:ln>
             <a:extLst>
               <a:ext uri="{91240B29-F687-4f45-9708-019B960494DF}">
-                <a14:hiddenLine xmlns:a14="http://schemas.microsoft.com/office/drawing/2010/main" xmlns="" w="9525">
+                <a14:hiddenLine xmlns="" xmlns:a14="http://schemas.microsoft.com/office/drawing/2010/main" w="9525">
                   <a:solidFill>
                     <a:srgbClr val="000000"/>
                   </a:solidFill>
@@ -1250,7 +1250,7 @@
             </a:ln>
             <a:extLst>
               <a:ext uri="{91240B29-F687-4f45-9708-019B960494DF}">
-                <a14:hiddenLine xmlns:a14="http://schemas.microsoft.com/office/drawing/2010/main" xmlns="" w="9525">
+                <a14:hiddenLine xmlns="" xmlns:a14="http://schemas.microsoft.com/office/drawing/2010/main" w="9525">
                   <a:solidFill>
                     <a:srgbClr val="000000"/>
                   </a:solidFill>
@@ -1312,7 +1312,7 @@
             </a:ln>
             <a:extLst>
               <a:ext uri="{91240B29-F687-4f45-9708-019B960494DF}">
-                <a14:hiddenLine xmlns:a14="http://schemas.microsoft.com/office/drawing/2010/main" xmlns="" w="9525">
+                <a14:hiddenLine xmlns="" xmlns:a14="http://schemas.microsoft.com/office/drawing/2010/main" w="9525">
                   <a:solidFill>
                     <a:srgbClr val="000000"/>
                   </a:solidFill>
@@ -1402,7 +1402,7 @@
             </a:ln>
             <a:extLst>
               <a:ext uri="{91240B29-F687-4f45-9708-019B960494DF}">
-                <a14:hiddenLine xmlns:a14="http://schemas.microsoft.com/office/drawing/2010/main" xmlns="" w="9525">
+                <a14:hiddenLine xmlns="" xmlns:a14="http://schemas.microsoft.com/office/drawing/2010/main" w="9525">
                   <a:solidFill>
                     <a:srgbClr val="000000"/>
                   </a:solidFill>
@@ -1492,7 +1492,7 @@
             </a:ln>
             <a:extLst>
               <a:ext uri="{91240B29-F687-4f45-9708-019B960494DF}">
-                <a14:hiddenLine xmlns:a14="http://schemas.microsoft.com/office/drawing/2010/main" xmlns="" w="9525">
+                <a14:hiddenLine xmlns="" xmlns:a14="http://schemas.microsoft.com/office/drawing/2010/main" w="9525">
                   <a:solidFill>
                     <a:srgbClr val="000000"/>
                   </a:solidFill>
@@ -1554,7 +1554,7 @@
             </a:ln>
             <a:extLst>
               <a:ext uri="{91240B29-F687-4f45-9708-019B960494DF}">
-                <a14:hiddenLine xmlns:a14="http://schemas.microsoft.com/office/drawing/2010/main" xmlns="" w="9525">
+                <a14:hiddenLine xmlns="" xmlns:a14="http://schemas.microsoft.com/office/drawing/2010/main" w="9525">
                   <a:solidFill>
                     <a:srgbClr val="000000"/>
                   </a:solidFill>
@@ -1644,7 +1644,7 @@
             </a:ln>
             <a:extLst>
               <a:ext uri="{91240B29-F687-4f45-9708-019B960494DF}">
-                <a14:hiddenLine xmlns:a14="http://schemas.microsoft.com/office/drawing/2010/main" xmlns="" w="9525">
+                <a14:hiddenLine xmlns="" xmlns:a14="http://schemas.microsoft.com/office/drawing/2010/main" w="9525">
                   <a:solidFill>
                     <a:srgbClr val="000000"/>
                   </a:solidFill>
@@ -1734,7 +1734,7 @@
             </a:ln>
             <a:extLst>
               <a:ext uri="{91240B29-F687-4f45-9708-019B960494DF}">
-                <a14:hiddenLine xmlns:a14="http://schemas.microsoft.com/office/drawing/2010/main" xmlns="" w="9525">
+                <a14:hiddenLine xmlns="" xmlns:a14="http://schemas.microsoft.com/office/drawing/2010/main" w="9525">
                   <a:solidFill>
                     <a:srgbClr val="000000"/>
                   </a:solidFill>
@@ -1790,7 +1790,7 @@
             </a:ln>
             <a:extLst>
               <a:ext uri="{91240B29-F687-4f45-9708-019B960494DF}">
-                <a14:hiddenLine xmlns:a14="http://schemas.microsoft.com/office/drawing/2010/main" xmlns="" w="9525">
+                <a14:hiddenLine xmlns="" xmlns:a14="http://schemas.microsoft.com/office/drawing/2010/main" w="9525">
                   <a:solidFill>
                     <a:srgbClr val="000000"/>
                   </a:solidFill>
@@ -1880,7 +1880,7 @@
             </a:ln>
             <a:extLst>
               <a:ext uri="{91240B29-F687-4f45-9708-019B960494DF}">
-                <a14:hiddenLine xmlns:a14="http://schemas.microsoft.com/office/drawing/2010/main" xmlns="" w="9525">
+                <a14:hiddenLine xmlns="" xmlns:a14="http://schemas.microsoft.com/office/drawing/2010/main" w="9525">
                   <a:solidFill>
                     <a:srgbClr val="000000"/>
                   </a:solidFill>
@@ -1936,7 +1936,7 @@
             </a:ln>
             <a:extLst>
               <a:ext uri="{91240B29-F687-4f45-9708-019B960494DF}">
-                <a14:hiddenLine xmlns:a14="http://schemas.microsoft.com/office/drawing/2010/main" xmlns="" w="9525">
+                <a14:hiddenLine xmlns="" xmlns:a14="http://schemas.microsoft.com/office/drawing/2010/main" w="9525">
                   <a:solidFill>
                     <a:srgbClr val="000000"/>
                   </a:solidFill>
@@ -2026,7 +2026,7 @@
             </a:ln>
             <a:extLst>
               <a:ext uri="{91240B29-F687-4f45-9708-019B960494DF}">
-                <a14:hiddenLine xmlns:a14="http://schemas.microsoft.com/office/drawing/2010/main" xmlns="" w="9525">
+                <a14:hiddenLine xmlns="" xmlns:a14="http://schemas.microsoft.com/office/drawing/2010/main" w="9525">
                   <a:solidFill>
                     <a:srgbClr val="000000"/>
                   </a:solidFill>
@@ -2094,7 +2094,7 @@
             </a:ln>
             <a:extLst>
               <a:ext uri="{91240B29-F687-4f45-9708-019B960494DF}">
-                <a14:hiddenLine xmlns:a14="http://schemas.microsoft.com/office/drawing/2010/main" xmlns="" w="9525">
+                <a14:hiddenLine xmlns="" xmlns:a14="http://schemas.microsoft.com/office/drawing/2010/main" w="9525">
                   <a:solidFill>
                     <a:srgbClr val="000000"/>
                   </a:solidFill>
@@ -2184,7 +2184,7 @@
             </a:ln>
             <a:extLst>
               <a:ext uri="{91240B29-F687-4f45-9708-019B960494DF}">
-                <a14:hiddenLine xmlns:a14="http://schemas.microsoft.com/office/drawing/2010/main" xmlns="" w="9525">
+                <a14:hiddenLine xmlns="" xmlns:a14="http://schemas.microsoft.com/office/drawing/2010/main" w="9525">
                   <a:solidFill>
                     <a:srgbClr val="000000"/>
                   </a:solidFill>
@@ -2252,7 +2252,7 @@
             </a:ln>
             <a:extLst>
               <a:ext uri="{91240B29-F687-4f45-9708-019B960494DF}">
-                <a14:hiddenLine xmlns:a14="http://schemas.microsoft.com/office/drawing/2010/main" xmlns="" w="9525">
+                <a14:hiddenLine xmlns="" xmlns:a14="http://schemas.microsoft.com/office/drawing/2010/main" w="9525">
                   <a:solidFill>
                     <a:srgbClr val="000000"/>
                   </a:solidFill>
@@ -2342,7 +2342,7 @@
             </a:ln>
             <a:extLst>
               <a:ext uri="{91240B29-F687-4f45-9708-019B960494DF}">
-                <a14:hiddenLine xmlns:a14="http://schemas.microsoft.com/office/drawing/2010/main" xmlns="" w="9525">
+                <a14:hiddenLine xmlns="" xmlns:a14="http://schemas.microsoft.com/office/drawing/2010/main" w="9525">
                   <a:solidFill>
                     <a:srgbClr val="000000"/>
                   </a:solidFill>
@@ -2376,7 +2376,7 @@
             </a:ln>
             <a:extLst>
               <a:ext uri="{91240B29-F687-4f45-9708-019B960494DF}">
-                <a14:hiddenLine xmlns:a14="http://schemas.microsoft.com/office/drawing/2010/main" xmlns="" w="9525">
+                <a14:hiddenLine xmlns="" xmlns:a14="http://schemas.microsoft.com/office/drawing/2010/main" w="9525">
                   <a:solidFill>
                     <a:srgbClr val="000000"/>
                   </a:solidFill>
@@ -2466,7 +2466,7 @@
             </a:ln>
             <a:extLst>
               <a:ext uri="{91240B29-F687-4f45-9708-019B960494DF}">
-                <a14:hiddenLine xmlns:a14="http://schemas.microsoft.com/office/drawing/2010/main" xmlns="" w="9525">
+                <a14:hiddenLine xmlns="" xmlns:a14="http://schemas.microsoft.com/office/drawing/2010/main" w="9525">
                   <a:solidFill>
                     <a:srgbClr val="000000"/>
                   </a:solidFill>
@@ -2528,7 +2528,7 @@
             </a:ln>
             <a:extLst>
               <a:ext uri="{91240B29-F687-4f45-9708-019B960494DF}">
-                <a14:hiddenLine xmlns:a14="http://schemas.microsoft.com/office/drawing/2010/main" xmlns="" w="9525">
+                <a14:hiddenLine xmlns="" xmlns:a14="http://schemas.microsoft.com/office/drawing/2010/main" w="9525">
                   <a:solidFill>
                     <a:srgbClr val="000000"/>
                   </a:solidFill>
@@ -2590,7 +2590,7 @@
             </a:ln>
             <a:extLst>
               <a:ext uri="{91240B29-F687-4f45-9708-019B960494DF}">
-                <a14:hiddenLine xmlns:a14="http://schemas.microsoft.com/office/drawing/2010/main" xmlns="" w="9525">
+                <a14:hiddenLine xmlns="" xmlns:a14="http://schemas.microsoft.com/office/drawing/2010/main" w="9525">
                   <a:solidFill>
                     <a:srgbClr val="000000"/>
                   </a:solidFill>
@@ -2680,7 +2680,7 @@
             </a:ln>
             <a:extLst>
               <a:ext uri="{91240B29-F687-4f45-9708-019B960494DF}">
-                <a14:hiddenLine xmlns:a14="http://schemas.microsoft.com/office/drawing/2010/main" xmlns="" w="9525">
+                <a14:hiddenLine xmlns="" xmlns:a14="http://schemas.microsoft.com/office/drawing/2010/main" w="9525">
                   <a:solidFill>
                     <a:srgbClr val="000000"/>
                   </a:solidFill>
@@ -2748,7 +2748,7 @@
             </a:ln>
             <a:extLst>
               <a:ext uri="{91240B29-F687-4f45-9708-019B960494DF}">
-                <a14:hiddenLine xmlns:a14="http://schemas.microsoft.com/office/drawing/2010/main" xmlns="" w="9525">
+                <a14:hiddenLine xmlns="" xmlns:a14="http://schemas.microsoft.com/office/drawing/2010/main" w="9525">
                   <a:solidFill>
                     <a:srgbClr val="000000"/>
                   </a:solidFill>
@@ -2810,7 +2810,7 @@
             </a:ln>
             <a:extLst>
               <a:ext uri="{91240B29-F687-4f45-9708-019B960494DF}">
-                <a14:hiddenLine xmlns:a14="http://schemas.microsoft.com/office/drawing/2010/main" xmlns="" w="9525">
+                <a14:hiddenLine xmlns="" xmlns:a14="http://schemas.microsoft.com/office/drawing/2010/main" w="9525">
                   <a:solidFill>
                     <a:srgbClr val="000000"/>
                   </a:solidFill>
@@ -2900,7 +2900,7 @@
             </a:ln>
             <a:extLst>
               <a:ext uri="{91240B29-F687-4f45-9708-019B960494DF}">
-                <a14:hiddenLine xmlns:a14="http://schemas.microsoft.com/office/drawing/2010/main" xmlns="" w="9525">
+                <a14:hiddenLine xmlns="" xmlns:a14="http://schemas.microsoft.com/office/drawing/2010/main" w="9525">
                   <a:solidFill>
                     <a:srgbClr val="000000"/>
                   </a:solidFill>
@@ -2962,7 +2962,7 @@
             </a:ln>
             <a:extLst>
               <a:ext uri="{91240B29-F687-4f45-9708-019B960494DF}">
-                <a14:hiddenLine xmlns:a14="http://schemas.microsoft.com/office/drawing/2010/main" xmlns="" w="9525">
+                <a14:hiddenLine xmlns="" xmlns:a14="http://schemas.microsoft.com/office/drawing/2010/main" w="9525">
                   <a:solidFill>
                     <a:srgbClr val="000000"/>
                   </a:solidFill>
@@ -3052,7 +3052,7 @@
             </a:ln>
             <a:extLst>
               <a:ext uri="{91240B29-F687-4f45-9708-019B960494DF}">
-                <a14:hiddenLine xmlns:a14="http://schemas.microsoft.com/office/drawing/2010/main" xmlns="" w="9525">
+                <a14:hiddenLine xmlns="" xmlns:a14="http://schemas.microsoft.com/office/drawing/2010/main" w="9525">
                   <a:solidFill>
                     <a:srgbClr val="000000"/>
                   </a:solidFill>
@@ -3114,7 +3114,7 @@
             </a:ln>
             <a:extLst>
               <a:ext uri="{91240B29-F687-4f45-9708-019B960494DF}">
-                <a14:hiddenLine xmlns:a14="http://schemas.microsoft.com/office/drawing/2010/main" xmlns="" w="9525">
+                <a14:hiddenLine xmlns="" xmlns:a14="http://schemas.microsoft.com/office/drawing/2010/main" w="9525">
                   <a:solidFill>
                     <a:srgbClr val="000000"/>
                   </a:solidFill>
@@ -3204,7 +3204,7 @@
             </a:ln>
             <a:extLst>
               <a:ext uri="{91240B29-F687-4f45-9708-019B960494DF}">
-                <a14:hiddenLine xmlns:a14="http://schemas.microsoft.com/office/drawing/2010/main" xmlns="" w="9525">
+                <a14:hiddenLine xmlns="" xmlns:a14="http://schemas.microsoft.com/office/drawing/2010/main" w="9525">
                   <a:solidFill>
                     <a:srgbClr val="000000"/>
                   </a:solidFill>
@@ -3238,7 +3238,7 @@
             </a:ln>
             <a:extLst>
               <a:ext uri="{91240B29-F687-4f45-9708-019B960494DF}">
-                <a14:hiddenLine xmlns:a14="http://schemas.microsoft.com/office/drawing/2010/main" xmlns="" w="9525">
+                <a14:hiddenLine xmlns="" xmlns:a14="http://schemas.microsoft.com/office/drawing/2010/main" w="9525">
                   <a:solidFill>
                     <a:srgbClr val="000000"/>
                   </a:solidFill>
@@ -3303,7 +3303,7 @@
             </a:ln>
             <a:extLst>
               <a:ext uri="{91240B29-F687-4f45-9708-019B960494DF}">
-                <a14:hiddenLine xmlns:a14="http://schemas.microsoft.com/office/drawing/2010/main" xmlns="" w="9525">
+                <a14:hiddenLine xmlns="" xmlns:a14="http://schemas.microsoft.com/office/drawing/2010/main" w="9525">
                   <a:solidFill>
                     <a:srgbClr val="000000"/>
                   </a:solidFill>
@@ -3393,7 +3393,7 @@
             </a:ln>
             <a:extLst>
               <a:ext uri="{91240B29-F687-4f45-9708-019B960494DF}">
-                <a14:hiddenLine xmlns:a14="http://schemas.microsoft.com/office/drawing/2010/main" xmlns="" w="9525">
+                <a14:hiddenLine xmlns="" xmlns:a14="http://schemas.microsoft.com/office/drawing/2010/main" w="9525">
                   <a:solidFill>
                     <a:srgbClr val="000000"/>
                   </a:solidFill>
@@ -3455,7 +3455,7 @@
             </a:ln>
             <a:extLst>
               <a:ext uri="{91240B29-F687-4f45-9708-019B960494DF}">
-                <a14:hiddenLine xmlns:a14="http://schemas.microsoft.com/office/drawing/2010/main" xmlns="" w="9525">
+                <a14:hiddenLine xmlns="" xmlns:a14="http://schemas.microsoft.com/office/drawing/2010/main" w="9525">
                   <a:solidFill>
                     <a:srgbClr val="000000"/>
                   </a:solidFill>
@@ -3545,7 +3545,7 @@
             </a:ln>
             <a:extLst>
               <a:ext uri="{91240B29-F687-4f45-9708-019B960494DF}">
-                <a14:hiddenLine xmlns:a14="http://schemas.microsoft.com/office/drawing/2010/main" xmlns="" w="9525">
+                <a14:hiddenLine xmlns="" xmlns:a14="http://schemas.microsoft.com/office/drawing/2010/main" w="9525">
                   <a:solidFill>
                     <a:srgbClr val="000000"/>
                   </a:solidFill>
@@ -3635,7 +3635,7 @@
             </a:ln>
             <a:extLst>
               <a:ext uri="{91240B29-F687-4f45-9708-019B960494DF}">
-                <a14:hiddenLine xmlns:a14="http://schemas.microsoft.com/office/drawing/2010/main" xmlns="" w="9525">
+                <a14:hiddenLine xmlns="" xmlns:a14="http://schemas.microsoft.com/office/drawing/2010/main" w="9525">
                   <a:solidFill>
                     <a:srgbClr val="000000"/>
                   </a:solidFill>
@@ -3700,7 +3700,7 @@
             </a:ln>
             <a:extLst>
               <a:ext uri="{91240B29-F687-4f45-9708-019B960494DF}">
-                <a14:hiddenLine xmlns:a14="http://schemas.microsoft.com/office/drawing/2010/main" xmlns="" w="9525">
+                <a14:hiddenLine xmlns="" xmlns:a14="http://schemas.microsoft.com/office/drawing/2010/main" w="9525">
                   <a:solidFill>
                     <a:srgbClr val="000000"/>
                   </a:solidFill>
@@ -3762,7 +3762,7 @@
             </a:ln>
             <a:extLst>
               <a:ext uri="{91240B29-F687-4f45-9708-019B960494DF}">
-                <a14:hiddenLine xmlns:a14="http://schemas.microsoft.com/office/drawing/2010/main" xmlns="" w="9525">
+                <a14:hiddenLine xmlns="" xmlns:a14="http://schemas.microsoft.com/office/drawing/2010/main" w="9525">
                   <a:solidFill>
                     <a:srgbClr val="000000"/>
                   </a:solidFill>
@@ -3852,7 +3852,7 @@
             </a:ln>
             <a:extLst>
               <a:ext uri="{91240B29-F687-4f45-9708-019B960494DF}">
-                <a14:hiddenLine xmlns:a14="http://schemas.microsoft.com/office/drawing/2010/main" xmlns="" w="9525">
+                <a14:hiddenLine xmlns="" xmlns:a14="http://schemas.microsoft.com/office/drawing/2010/main" w="9525">
                   <a:solidFill>
                     <a:srgbClr val="000000"/>
                   </a:solidFill>
@@ -3942,7 +3942,7 @@
             </a:ln>
             <a:extLst>
               <a:ext uri="{91240B29-F687-4f45-9708-019B960494DF}">
-                <a14:hiddenLine xmlns:a14="http://schemas.microsoft.com/office/drawing/2010/main" xmlns="" w="9525">
+                <a14:hiddenLine xmlns="" xmlns:a14="http://schemas.microsoft.com/office/drawing/2010/main" w="9525">
                   <a:solidFill>
                     <a:srgbClr val="000000"/>
                   </a:solidFill>
@@ -4004,7 +4004,7 @@
             </a:ln>
             <a:extLst>
               <a:ext uri="{91240B29-F687-4f45-9708-019B960494DF}">
-                <a14:hiddenLine xmlns:a14="http://schemas.microsoft.com/office/drawing/2010/main" xmlns="" w="9525">
+                <a14:hiddenLine xmlns="" xmlns:a14="http://schemas.microsoft.com/office/drawing/2010/main" w="9525">
                   <a:solidFill>
                     <a:srgbClr val="000000"/>
                   </a:solidFill>
@@ -4124,7 +4124,7 @@
             </a:ln>
             <a:extLst>
               <a:ext uri="{91240B29-F687-4f45-9708-019B960494DF}">
-                <a14:hiddenLine xmlns:a14="http://schemas.microsoft.com/office/drawing/2010/main" xmlns="" w="9525">
+                <a14:hiddenLine xmlns="" xmlns:a14="http://schemas.microsoft.com/office/drawing/2010/main" w="9525">
                   <a:solidFill>
                     <a:srgbClr val="000000"/>
                   </a:solidFill>
@@ -4192,7 +4192,7 @@
             </a:ln>
             <a:extLst>
               <a:ext uri="{91240B29-F687-4f45-9708-019B960494DF}">
-                <a14:hiddenLine xmlns:a14="http://schemas.microsoft.com/office/drawing/2010/main" xmlns="" w="9525">
+                <a14:hiddenLine xmlns="" xmlns:a14="http://schemas.microsoft.com/office/drawing/2010/main" w="9525">
                   <a:solidFill>
                     <a:srgbClr val="000000"/>
                   </a:solidFill>
@@ -4282,7 +4282,7 @@
             </a:ln>
             <a:extLst>
               <a:ext uri="{91240B29-F687-4f45-9708-019B960494DF}">
-                <a14:hiddenLine xmlns:a14="http://schemas.microsoft.com/office/drawing/2010/main" xmlns="" w="9525">
+                <a14:hiddenLine xmlns="" xmlns:a14="http://schemas.microsoft.com/office/drawing/2010/main" w="9525">
                   <a:solidFill>
                     <a:srgbClr val="000000"/>
                   </a:solidFill>
@@ -9011,7 +9011,7 @@
           <a:noFill/>
           <a:extLst>
             <a:ext uri="{909E8E84-426E-40dd-AFC4-6F175D3DCCD1}">
-              <a14:hiddenFill xmlns:a14="http://schemas.microsoft.com/office/drawing/2010/main" xmlns="">
+              <a14:hiddenFill xmlns="" xmlns:a14="http://schemas.microsoft.com/office/drawing/2010/main">
                 <a:solidFill>
                   <a:srgbClr val="FFFFFF"/>
                 </a:solidFill>
@@ -9085,7 +9085,7 @@
               </a:ln>
               <a:extLst>
                 <a:ext uri="{91240B29-F687-4f45-9708-019B960494DF}">
-                  <a14:hiddenLine xmlns:a14="http://schemas.microsoft.com/office/drawing/2010/main" xmlns="" w="9525">
+                  <a14:hiddenLine xmlns="" xmlns:a14="http://schemas.microsoft.com/office/drawing/2010/main" w="9525">
                     <a:solidFill>
                       <a:srgbClr val="000000"/>
                     </a:solidFill>
@@ -9175,7 +9175,7 @@
               </a:ln>
               <a:extLst>
                 <a:ext uri="{91240B29-F687-4f45-9708-019B960494DF}">
-                  <a14:hiddenLine xmlns:a14="http://schemas.microsoft.com/office/drawing/2010/main" xmlns="" w="9525">
+                  <a14:hiddenLine xmlns="" xmlns:a14="http://schemas.microsoft.com/office/drawing/2010/main" w="9525">
                     <a:solidFill>
                       <a:srgbClr val="000000"/>
                     </a:solidFill>
@@ -9265,7 +9265,7 @@
               </a:ln>
               <a:extLst>
                 <a:ext uri="{91240B29-F687-4f45-9708-019B960494DF}">
-                  <a14:hiddenLine xmlns:a14="http://schemas.microsoft.com/office/drawing/2010/main" xmlns="" w="9525">
+                  <a14:hiddenLine xmlns="" xmlns:a14="http://schemas.microsoft.com/office/drawing/2010/main" w="9525">
                     <a:solidFill>
                       <a:srgbClr val="000000"/>
                     </a:solidFill>
@@ -9327,7 +9327,7 @@
               </a:ln>
               <a:extLst>
                 <a:ext uri="{91240B29-F687-4f45-9708-019B960494DF}">
-                  <a14:hiddenLine xmlns:a14="http://schemas.microsoft.com/office/drawing/2010/main" xmlns="" w="9525">
+                  <a14:hiddenLine xmlns="" xmlns:a14="http://schemas.microsoft.com/office/drawing/2010/main" w="9525">
                     <a:solidFill>
                       <a:srgbClr val="000000"/>
                     </a:solidFill>
@@ -9417,7 +9417,7 @@
               </a:ln>
               <a:extLst>
                 <a:ext uri="{91240B29-F687-4f45-9708-019B960494DF}">
-                  <a14:hiddenLine xmlns:a14="http://schemas.microsoft.com/office/drawing/2010/main" xmlns="" w="9525">
+                  <a14:hiddenLine xmlns="" xmlns:a14="http://schemas.microsoft.com/office/drawing/2010/main" w="9525">
                     <a:solidFill>
                       <a:srgbClr val="000000"/>
                     </a:solidFill>
@@ -9479,7 +9479,7 @@
               </a:ln>
               <a:extLst>
                 <a:ext uri="{91240B29-F687-4f45-9708-019B960494DF}">
-                  <a14:hiddenLine xmlns:a14="http://schemas.microsoft.com/office/drawing/2010/main" xmlns="" w="9525">
+                  <a14:hiddenLine xmlns="" xmlns:a14="http://schemas.microsoft.com/office/drawing/2010/main" w="9525">
                     <a:solidFill>
                       <a:srgbClr val="000000"/>
                     </a:solidFill>
@@ -9541,7 +9541,7 @@
               </a:ln>
               <a:extLst>
                 <a:ext uri="{91240B29-F687-4f45-9708-019B960494DF}">
-                  <a14:hiddenLine xmlns:a14="http://schemas.microsoft.com/office/drawing/2010/main" xmlns="" w="9525">
+                  <a14:hiddenLine xmlns="" xmlns:a14="http://schemas.microsoft.com/office/drawing/2010/main" w="9525">
                     <a:solidFill>
                       <a:srgbClr val="000000"/>
                     </a:solidFill>
@@ -9631,7 +9631,7 @@
               </a:ln>
               <a:extLst>
                 <a:ext uri="{91240B29-F687-4f45-9708-019B960494DF}">
-                  <a14:hiddenLine xmlns:a14="http://schemas.microsoft.com/office/drawing/2010/main" xmlns="" w="9525">
+                  <a14:hiddenLine xmlns="" xmlns:a14="http://schemas.microsoft.com/office/drawing/2010/main" w="9525">
                     <a:solidFill>
                       <a:srgbClr val="000000"/>
                     </a:solidFill>
@@ -9721,7 +9721,7 @@
               </a:ln>
               <a:extLst>
                 <a:ext uri="{91240B29-F687-4f45-9708-019B960494DF}">
-                  <a14:hiddenLine xmlns:a14="http://schemas.microsoft.com/office/drawing/2010/main" xmlns="" w="9525">
+                  <a14:hiddenLine xmlns="" xmlns:a14="http://schemas.microsoft.com/office/drawing/2010/main" w="9525">
                     <a:solidFill>
                       <a:srgbClr val="000000"/>
                     </a:solidFill>
@@ -9783,7 +9783,7 @@
               </a:ln>
               <a:extLst>
                 <a:ext uri="{91240B29-F687-4f45-9708-019B960494DF}">
-                  <a14:hiddenLine xmlns:a14="http://schemas.microsoft.com/office/drawing/2010/main" xmlns="" w="9525">
+                  <a14:hiddenLine xmlns="" xmlns:a14="http://schemas.microsoft.com/office/drawing/2010/main" w="9525">
                     <a:solidFill>
                       <a:srgbClr val="000000"/>
                     </a:solidFill>
@@ -9893,7 +9893,7 @@
               </a:ln>
               <a:extLst>
                 <a:ext uri="{91240B29-F687-4f45-9708-019B960494DF}">
-                  <a14:hiddenLine xmlns:a14="http://schemas.microsoft.com/office/drawing/2010/main" xmlns="" w="9525">
+                  <a14:hiddenLine xmlns="" xmlns:a14="http://schemas.microsoft.com/office/drawing/2010/main" w="9525">
                     <a:solidFill>
                       <a:srgbClr val="000000"/>
                     </a:solidFill>
@@ -9977,7 +9977,7 @@
               </a:ln>
               <a:extLst>
                 <a:ext uri="{91240B29-F687-4f45-9708-019B960494DF}">
-                  <a14:hiddenLine xmlns:a14="http://schemas.microsoft.com/office/drawing/2010/main" xmlns="" w="9525">
+                  <a14:hiddenLine xmlns="" xmlns:a14="http://schemas.microsoft.com/office/drawing/2010/main" w="9525">
                     <a:solidFill>
                       <a:srgbClr val="000000"/>
                     </a:solidFill>
@@ -10039,7 +10039,7 @@
               </a:ln>
               <a:extLst>
                 <a:ext uri="{91240B29-F687-4f45-9708-019B960494DF}">
-                  <a14:hiddenLine xmlns:a14="http://schemas.microsoft.com/office/drawing/2010/main" xmlns="" w="9525">
+                  <a14:hiddenLine xmlns="" xmlns:a14="http://schemas.microsoft.com/office/drawing/2010/main" w="9525">
                     <a:solidFill>
                       <a:srgbClr val="000000"/>
                     </a:solidFill>
@@ -10101,7 +10101,7 @@
               </a:ln>
               <a:extLst>
                 <a:ext uri="{91240B29-F687-4f45-9708-019B960494DF}">
-                  <a14:hiddenLine xmlns:a14="http://schemas.microsoft.com/office/drawing/2010/main" xmlns="" w="9525">
+                  <a14:hiddenLine xmlns="" xmlns:a14="http://schemas.microsoft.com/office/drawing/2010/main" w="9525">
                     <a:solidFill>
                       <a:srgbClr val="000000"/>
                     </a:solidFill>
@@ -10191,7 +10191,7 @@
               </a:ln>
               <a:extLst>
                 <a:ext uri="{91240B29-F687-4f45-9708-019B960494DF}">
-                  <a14:hiddenLine xmlns:a14="http://schemas.microsoft.com/office/drawing/2010/main" xmlns="" w="9525">
+                  <a14:hiddenLine xmlns="" xmlns:a14="http://schemas.microsoft.com/office/drawing/2010/main" w="9525">
                     <a:solidFill>
                       <a:srgbClr val="000000"/>
                     </a:solidFill>
@@ -10225,7 +10225,7 @@
               </a:ln>
               <a:extLst>
                 <a:ext uri="{91240B29-F687-4f45-9708-019B960494DF}">
-                  <a14:hiddenLine xmlns:a14="http://schemas.microsoft.com/office/drawing/2010/main" xmlns="" w="9525">
+                  <a14:hiddenLine xmlns="" xmlns:a14="http://schemas.microsoft.com/office/drawing/2010/main" w="9525">
                     <a:solidFill>
                       <a:srgbClr val="000000"/>
                     </a:solidFill>
@@ -10290,7 +10290,7 @@
               </a:ln>
               <a:extLst>
                 <a:ext uri="{91240B29-F687-4f45-9708-019B960494DF}">
-                  <a14:hiddenLine xmlns:a14="http://schemas.microsoft.com/office/drawing/2010/main" xmlns="" w="9525">
+                  <a14:hiddenLine xmlns="" xmlns:a14="http://schemas.microsoft.com/office/drawing/2010/main" w="9525">
                     <a:solidFill>
                       <a:srgbClr val="000000"/>
                     </a:solidFill>
@@ -10380,7 +10380,7 @@
               </a:ln>
               <a:extLst>
                 <a:ext uri="{91240B29-F687-4f45-9708-019B960494DF}">
-                  <a14:hiddenLine xmlns:a14="http://schemas.microsoft.com/office/drawing/2010/main" xmlns="" w="9525">
+                  <a14:hiddenLine xmlns="" xmlns:a14="http://schemas.microsoft.com/office/drawing/2010/main" w="9525">
                     <a:solidFill>
                       <a:srgbClr val="000000"/>
                     </a:solidFill>
@@ -10442,7 +10442,7 @@
               </a:ln>
               <a:extLst>
                 <a:ext uri="{91240B29-F687-4f45-9708-019B960494DF}">
-                  <a14:hiddenLine xmlns:a14="http://schemas.microsoft.com/office/drawing/2010/main" xmlns="" w="9525">
+                  <a14:hiddenLine xmlns="" xmlns:a14="http://schemas.microsoft.com/office/drawing/2010/main" w="9525">
                     <a:solidFill>
                       <a:srgbClr val="000000"/>
                     </a:solidFill>
@@ -10532,7 +10532,7 @@
               </a:ln>
               <a:extLst>
                 <a:ext uri="{91240B29-F687-4f45-9708-019B960494DF}">
-                  <a14:hiddenLine xmlns:a14="http://schemas.microsoft.com/office/drawing/2010/main" xmlns="" w="9525">
+                  <a14:hiddenLine xmlns="" xmlns:a14="http://schemas.microsoft.com/office/drawing/2010/main" w="9525">
                     <a:solidFill>
                       <a:srgbClr val="000000"/>
                     </a:solidFill>
@@ -10597,7 +10597,7 @@
               </a:ln>
               <a:extLst>
                 <a:ext uri="{91240B29-F687-4f45-9708-019B960494DF}">
-                  <a14:hiddenLine xmlns:a14="http://schemas.microsoft.com/office/drawing/2010/main" xmlns="" w="9525">
+                  <a14:hiddenLine xmlns="" xmlns:a14="http://schemas.microsoft.com/office/drawing/2010/main" w="9525">
                     <a:solidFill>
                       <a:srgbClr val="000000"/>
                     </a:solidFill>
@@ -10659,7 +10659,7 @@
               </a:ln>
               <a:extLst>
                 <a:ext uri="{91240B29-F687-4f45-9708-019B960494DF}">
-                  <a14:hiddenLine xmlns:a14="http://schemas.microsoft.com/office/drawing/2010/main" xmlns="" w="9525">
+                  <a14:hiddenLine xmlns="" xmlns:a14="http://schemas.microsoft.com/office/drawing/2010/main" w="9525">
                     <a:solidFill>
                       <a:srgbClr val="000000"/>
                     </a:solidFill>
@@ -10749,7 +10749,7 @@
               </a:ln>
               <a:extLst>
                 <a:ext uri="{91240B29-F687-4f45-9708-019B960494DF}">
-                  <a14:hiddenLine xmlns:a14="http://schemas.microsoft.com/office/drawing/2010/main" xmlns="" w="9525">
+                  <a14:hiddenLine xmlns="" xmlns:a14="http://schemas.microsoft.com/office/drawing/2010/main" w="9525">
                     <a:solidFill>
                       <a:srgbClr val="000000"/>
                     </a:solidFill>
@@ -10839,7 +10839,7 @@
               </a:ln>
               <a:extLst>
                 <a:ext uri="{91240B29-F687-4f45-9708-019B960494DF}">
-                  <a14:hiddenLine xmlns:a14="http://schemas.microsoft.com/office/drawing/2010/main" xmlns="" w="9525">
+                  <a14:hiddenLine xmlns="" xmlns:a14="http://schemas.microsoft.com/office/drawing/2010/main" w="9525">
                     <a:solidFill>
                       <a:srgbClr val="000000"/>
                     </a:solidFill>
@@ -10904,7 +10904,7 @@
               </a:ln>
               <a:extLst>
                 <a:ext uri="{91240B29-F687-4f45-9708-019B960494DF}">
-                  <a14:hiddenLine xmlns:a14="http://schemas.microsoft.com/office/drawing/2010/main" xmlns="" w="9525">
+                  <a14:hiddenLine xmlns="" xmlns:a14="http://schemas.microsoft.com/office/drawing/2010/main" w="9525">
                     <a:solidFill>
                       <a:srgbClr val="000000"/>
                     </a:solidFill>
@@ -11024,7 +11024,7 @@
               </a:ln>
               <a:extLst>
                 <a:ext uri="{91240B29-F687-4f45-9708-019B960494DF}">
-                  <a14:hiddenLine xmlns:a14="http://schemas.microsoft.com/office/drawing/2010/main" xmlns="" w="9525">
+                  <a14:hiddenLine xmlns="" xmlns:a14="http://schemas.microsoft.com/office/drawing/2010/main" w="9525">
                     <a:solidFill>
                       <a:srgbClr val="000000"/>
                     </a:solidFill>
@@ -11122,7 +11122,7 @@
               </a:ln>
               <a:extLst>
                 <a:ext uri="{91240B29-F687-4f45-9708-019B960494DF}">
-                  <a14:hiddenLine xmlns:a14="http://schemas.microsoft.com/office/drawing/2010/main" xmlns="" w="9525">
+                  <a14:hiddenLine xmlns="" xmlns:a14="http://schemas.microsoft.com/office/drawing/2010/main" w="9525">
                     <a:solidFill>
                       <a:srgbClr val="000000"/>
                     </a:solidFill>
@@ -11237,7 +11237,7 @@
               </a:ln>
               <a:extLst>
                 <a:ext uri="{91240B29-F687-4f45-9708-019B960494DF}">
-                  <a14:hiddenLine xmlns:a14="http://schemas.microsoft.com/office/drawing/2010/main" xmlns="" w="9525">
+                  <a14:hiddenLine xmlns="" xmlns:a14="http://schemas.microsoft.com/office/drawing/2010/main" w="9525">
                     <a:solidFill>
                       <a:srgbClr val="000000"/>
                     </a:solidFill>
@@ -11327,7 +11327,7 @@
               </a:ln>
               <a:extLst>
                 <a:ext uri="{91240B29-F687-4f45-9708-019B960494DF}">
-                  <a14:hiddenLine xmlns:a14="http://schemas.microsoft.com/office/drawing/2010/main" xmlns="" w="9525">
+                  <a14:hiddenLine xmlns="" xmlns:a14="http://schemas.microsoft.com/office/drawing/2010/main" w="9525">
                     <a:solidFill>
                       <a:srgbClr val="000000"/>
                     </a:solidFill>
@@ -11392,7 +11392,7 @@
               </a:ln>
               <a:extLst>
                 <a:ext uri="{91240B29-F687-4f45-9708-019B960494DF}">
-                  <a14:hiddenLine xmlns:a14="http://schemas.microsoft.com/office/drawing/2010/main" xmlns="" w="9525">
+                  <a14:hiddenLine xmlns="" xmlns:a14="http://schemas.microsoft.com/office/drawing/2010/main" w="9525">
                     <a:solidFill>
                       <a:srgbClr val="000000"/>
                     </a:solidFill>
@@ -11482,7 +11482,7 @@
               </a:ln>
               <a:extLst>
                 <a:ext uri="{91240B29-F687-4f45-9708-019B960494DF}">
-                  <a14:hiddenLine xmlns:a14="http://schemas.microsoft.com/office/drawing/2010/main" xmlns="" w="9525">
+                  <a14:hiddenLine xmlns="" xmlns:a14="http://schemas.microsoft.com/office/drawing/2010/main" w="9525">
                     <a:solidFill>
                       <a:srgbClr val="000000"/>
                     </a:solidFill>
@@ -11550,7 +11550,7 @@
               </a:ln>
               <a:extLst>
                 <a:ext uri="{91240B29-F687-4f45-9708-019B960494DF}">
-                  <a14:hiddenLine xmlns:a14="http://schemas.microsoft.com/office/drawing/2010/main" xmlns="" w="9525">
+                  <a14:hiddenLine xmlns="" xmlns:a14="http://schemas.microsoft.com/office/drawing/2010/main" w="9525">
                     <a:solidFill>
                       <a:srgbClr val="000000"/>
                     </a:solidFill>
@@ -11640,7 +11640,7 @@
               </a:ln>
               <a:extLst>
                 <a:ext uri="{91240B29-F687-4f45-9708-019B960494DF}">
-                  <a14:hiddenLine xmlns:a14="http://schemas.microsoft.com/office/drawing/2010/main" xmlns="" w="9525">
+                  <a14:hiddenLine xmlns="" xmlns:a14="http://schemas.microsoft.com/office/drawing/2010/main" w="9525">
                     <a:solidFill>
                       <a:srgbClr val="000000"/>
                     </a:solidFill>
@@ -11708,7 +11708,7 @@
               </a:ln>
               <a:extLst>
                 <a:ext uri="{91240B29-F687-4f45-9708-019B960494DF}">
-                  <a14:hiddenLine xmlns:a14="http://schemas.microsoft.com/office/drawing/2010/main" xmlns="" w="9525">
+                  <a14:hiddenLine xmlns="" xmlns:a14="http://schemas.microsoft.com/office/drawing/2010/main" w="9525">
                     <a:solidFill>
                       <a:srgbClr val="000000"/>
                     </a:solidFill>
@@ -11798,7 +11798,7 @@
               </a:ln>
               <a:extLst>
                 <a:ext uri="{91240B29-F687-4f45-9708-019B960494DF}">
-                  <a14:hiddenLine xmlns:a14="http://schemas.microsoft.com/office/drawing/2010/main" xmlns="" w="9525">
+                  <a14:hiddenLine xmlns="" xmlns:a14="http://schemas.microsoft.com/office/drawing/2010/main" w="9525">
                     <a:solidFill>
                       <a:srgbClr val="000000"/>
                     </a:solidFill>
@@ -11832,7 +11832,7 @@
               </a:ln>
               <a:extLst>
                 <a:ext uri="{91240B29-F687-4f45-9708-019B960494DF}">
-                  <a14:hiddenLine xmlns:a14="http://schemas.microsoft.com/office/drawing/2010/main" xmlns="" w="9525">
+                  <a14:hiddenLine xmlns="" xmlns:a14="http://schemas.microsoft.com/office/drawing/2010/main" w="9525">
                     <a:solidFill>
                       <a:srgbClr val="000000"/>
                     </a:solidFill>
@@ -13149,7 +13149,7 @@
             </a:pPr>
             <a:r>
               <a:rPr lang="fr-FR" dirty="0"/>
-              <a:t>BDD et Dev back : Alexandre BACA</a:t>
+              <a:t>BDD , Dev back, Gestion de projet : Alexandre BACA</a:t>
             </a:r>
           </a:p>
           <a:p>
@@ -13200,7 +13200,7 @@
             </a:pPr>
             <a:r>
               <a:rPr lang="fr-FR" dirty="0"/>
-              <a:t>Formulaires : Christophe COUERBE</a:t>
+              <a:t>Dev front : Christophe COUERBE</a:t>
             </a:r>
           </a:p>
           <a:p>
@@ -13217,7 +13217,7 @@
             </a:pPr>
             <a:r>
               <a:rPr lang="fr-FR" dirty="0"/>
-              <a:t>Maquettes et des livrables : Nicolas KAMPHAUS</a:t>
+              <a:t>Maquettes, des livrables et Gestion de projet : Nicolas KAMPHAUS</a:t>
             </a:r>
           </a:p>
           <a:p>
@@ -13249,8 +13249,38 @@
         </p:blipFill>
         <p:spPr>
           <a:xfrm>
-            <a:off x="7533314" y="5162188"/>
+            <a:off x="9085277" y="5071465"/>
             <a:ext cx="1340187" cy="1491313"/>
+          </a:xfrm>
+          <a:prstGeom prst="rect">
+            <a:avLst/>
+          </a:prstGeom>
+        </p:spPr>
+      </p:pic>
+      <p:pic>
+        <p:nvPicPr>
+          <p:cNvPr id="6" name="Image 5">
+            <a:extLst>
+              <a:ext uri="{FF2B5EF4-FFF2-40B4-BE49-F238E27FC236}">
+                <a16:creationId xmlns:a16="http://schemas.microsoft.com/office/drawing/2014/main" id="{AE3C90A0-7F3A-4EBB-9327-01652850617F}"/>
+              </a:ext>
+            </a:extLst>
+          </p:cNvPr>
+          <p:cNvPicPr>
+            <a:picLocks noChangeAspect="1"/>
+          </p:cNvPicPr>
+          <p:nvPr/>
+        </p:nvPicPr>
+        <p:blipFill>
+          <a:blip r:embed="rId3"/>
+          <a:stretch>
+            <a:fillRect/>
+          </a:stretch>
+        </p:blipFill>
+        <p:spPr>
+          <a:xfrm>
+            <a:off x="9085277" y="1693225"/>
+            <a:ext cx="1491313" cy="1491313"/>
           </a:xfrm>
           <a:prstGeom prst="rect">
             <a:avLst/>
@@ -13774,6 +13804,36 @@
           <a:xfrm rot="533324">
             <a:off x="9202722" y="874085"/>
             <a:ext cx="1491577" cy="1103767"/>
+          </a:xfrm>
+          <a:prstGeom prst="rect">
+            <a:avLst/>
+          </a:prstGeom>
+        </p:spPr>
+      </p:pic>
+      <p:pic>
+        <p:nvPicPr>
+          <p:cNvPr id="8" name="Image 7">
+            <a:extLst>
+              <a:ext uri="{FF2B5EF4-FFF2-40B4-BE49-F238E27FC236}">
+                <a16:creationId xmlns:a16="http://schemas.microsoft.com/office/drawing/2014/main" id="{DF558FD0-9C47-4DDC-907C-ADC95B510DA7}"/>
+              </a:ext>
+            </a:extLst>
+          </p:cNvPr>
+          <p:cNvPicPr>
+            <a:picLocks noChangeAspect="1"/>
+          </p:cNvPicPr>
+          <p:nvPr/>
+        </p:nvPicPr>
+        <p:blipFill>
+          <a:blip r:embed="rId3"/>
+          <a:stretch>
+            <a:fillRect/>
+          </a:stretch>
+        </p:blipFill>
+        <p:spPr>
+          <a:xfrm>
+            <a:off x="8748712" y="4595812"/>
+            <a:ext cx="2543175" cy="1800225"/>
           </a:xfrm>
           <a:prstGeom prst="rect">
             <a:avLst/>

--- a/Le_Bon_Potager.pptx
+++ b/Le_Bon_Potager.pptx
@@ -1,9 +1,12 @@
 
 <file path=ppt/presentation.xml><?xml version="1.0" encoding="utf-8"?>
-<p:presentation xmlns:a="http://schemas.openxmlformats.org/drawingml/2006/main" xmlns:r="http://schemas.openxmlformats.org/officeDocument/2006/relationships" xmlns:p="http://schemas.openxmlformats.org/presentationml/2006/main" autoCompressPictures="0">
+<p:presentation xmlns:a="http://schemas.openxmlformats.org/drawingml/2006/main" xmlns:r="http://schemas.openxmlformats.org/officeDocument/2006/relationships" xmlns:p="http://schemas.openxmlformats.org/presentationml/2006/main" showSpecialPlsOnTitleSld="0" autoCompressPictures="0">
   <p:sldMasterIdLst>
     <p:sldMasterId id="2147483648" r:id="rId1"/>
   </p:sldMasterIdLst>
+  <p:notesMasterIdLst>
+    <p:notesMasterId r:id="rId12"/>
+  </p:notesMasterIdLst>
   <p:sldIdLst>
     <p:sldId id="256" r:id="rId2"/>
     <p:sldId id="257" r:id="rId3"/>
@@ -139,6 +142,355 @@
 </p:presentation>
 </file>
 
+<file path=ppt/notesMasters/notesMaster1.xml><?xml version="1.0" encoding="utf-8"?>
+<p:notesMaster xmlns:a="http://schemas.openxmlformats.org/drawingml/2006/main" xmlns:r="http://schemas.openxmlformats.org/officeDocument/2006/relationships" xmlns:p="http://schemas.openxmlformats.org/presentationml/2006/main">
+  <p:cSld>
+    <p:bg>
+      <p:bgRef idx="1001">
+        <a:schemeClr val="bg1"/>
+      </p:bgRef>
+    </p:bg>
+    <p:spTree>
+      <p:nvGrpSpPr>
+        <p:cNvPr id="1" name=""/>
+        <p:cNvGrpSpPr/>
+        <p:nvPr/>
+      </p:nvGrpSpPr>
+      <p:grpSpPr>
+        <a:xfrm>
+          <a:off x="0" y="0"/>
+          <a:ext cx="0" cy="0"/>
+          <a:chOff x="0" y="0"/>
+          <a:chExt cx="0" cy="0"/>
+        </a:xfrm>
+      </p:grpSpPr>
+      <p:sp>
+        <p:nvSpPr>
+          <p:cNvPr id="2" name="Espace réservé de l'en-tête 1"/>
+          <p:cNvSpPr>
+            <a:spLocks noGrp="1"/>
+          </p:cNvSpPr>
+          <p:nvPr>
+            <p:ph type="hdr" sz="quarter"/>
+          </p:nvPr>
+        </p:nvSpPr>
+        <p:spPr>
+          <a:xfrm>
+            <a:off x="0" y="0"/>
+            <a:ext cx="2971800" cy="458788"/>
+          </a:xfrm>
+          <a:prstGeom prst="rect">
+            <a:avLst/>
+          </a:prstGeom>
+        </p:spPr>
+        <p:txBody>
+          <a:bodyPr vert="horz" lIns="91440" tIns="45720" rIns="91440" bIns="45720" rtlCol="0"/>
+          <a:lstStyle>
+            <a:lvl1pPr algn="l">
+              <a:defRPr sz="1200"/>
+            </a:lvl1pPr>
+          </a:lstStyle>
+          <a:p>
+            <a:endParaRPr lang="fr-FR"/>
+          </a:p>
+        </p:txBody>
+      </p:sp>
+      <p:sp>
+        <p:nvSpPr>
+          <p:cNvPr id="3" name="Espace réservé de la date 2"/>
+          <p:cNvSpPr>
+            <a:spLocks noGrp="1"/>
+          </p:cNvSpPr>
+          <p:nvPr>
+            <p:ph type="dt" idx="1"/>
+          </p:nvPr>
+        </p:nvSpPr>
+        <p:spPr>
+          <a:xfrm>
+            <a:off x="3884613" y="0"/>
+            <a:ext cx="2971800" cy="458788"/>
+          </a:xfrm>
+          <a:prstGeom prst="rect">
+            <a:avLst/>
+          </a:prstGeom>
+        </p:spPr>
+        <p:txBody>
+          <a:bodyPr vert="horz" lIns="91440" tIns="45720" rIns="91440" bIns="45720" rtlCol="0"/>
+          <a:lstStyle>
+            <a:lvl1pPr algn="r">
+              <a:defRPr sz="1200"/>
+            </a:lvl1pPr>
+          </a:lstStyle>
+          <a:p>
+            <a:fld id="{B37074D2-1154-4E21-849D-9DCC1A8677AB}" type="datetimeFigureOut">
+              <a:rPr lang="fr-FR" smtClean="0"/>
+              <a:t>14/04/2018</a:t>
+            </a:fld>
+            <a:endParaRPr lang="fr-FR"/>
+          </a:p>
+        </p:txBody>
+      </p:sp>
+      <p:sp>
+        <p:nvSpPr>
+          <p:cNvPr id="4" name="Espace réservé de l'image des diapositives 3"/>
+          <p:cNvSpPr>
+            <a:spLocks noGrp="1" noRot="1" noChangeAspect="1"/>
+          </p:cNvSpPr>
+          <p:nvPr>
+            <p:ph type="sldImg" idx="2"/>
+          </p:nvPr>
+        </p:nvSpPr>
+        <p:spPr>
+          <a:xfrm>
+            <a:off x="685800" y="1143000"/>
+            <a:ext cx="5486400" cy="3086100"/>
+          </a:xfrm>
+          <a:prstGeom prst="rect">
+            <a:avLst/>
+          </a:prstGeom>
+          <a:noFill/>
+          <a:ln w="12700">
+            <a:solidFill>
+              <a:prstClr val="black"/>
+            </a:solidFill>
+          </a:ln>
+        </p:spPr>
+        <p:txBody>
+          <a:bodyPr vert="horz" lIns="91440" tIns="45720" rIns="91440" bIns="45720" rtlCol="0" anchor="ctr"/>
+          <a:lstStyle/>
+          <a:p>
+            <a:endParaRPr lang="fr-FR"/>
+          </a:p>
+        </p:txBody>
+      </p:sp>
+      <p:sp>
+        <p:nvSpPr>
+          <p:cNvPr id="5" name="Espace réservé des notes 4"/>
+          <p:cNvSpPr>
+            <a:spLocks noGrp="1"/>
+          </p:cNvSpPr>
+          <p:nvPr>
+            <p:ph type="body" sz="quarter" idx="3"/>
+          </p:nvPr>
+        </p:nvSpPr>
+        <p:spPr>
+          <a:xfrm>
+            <a:off x="685800" y="4400550"/>
+            <a:ext cx="5486400" cy="3600450"/>
+          </a:xfrm>
+          <a:prstGeom prst="rect">
+            <a:avLst/>
+          </a:prstGeom>
+        </p:spPr>
+        <p:txBody>
+          <a:bodyPr vert="horz" lIns="91440" tIns="45720" rIns="91440" bIns="45720" rtlCol="0"/>
+          <a:lstStyle/>
+          <a:p>
+            <a:pPr lvl="0"/>
+            <a:r>
+              <a:rPr lang="fr-FR"/>
+              <a:t>Modifier les styles du texte du masque</a:t>
+            </a:r>
+          </a:p>
+          <a:p>
+            <a:pPr lvl="1"/>
+            <a:r>
+              <a:rPr lang="fr-FR"/>
+              <a:t>Deuxième niveau</a:t>
+            </a:r>
+          </a:p>
+          <a:p>
+            <a:pPr lvl="2"/>
+            <a:r>
+              <a:rPr lang="fr-FR"/>
+              <a:t>Troisième niveau</a:t>
+            </a:r>
+          </a:p>
+          <a:p>
+            <a:pPr lvl="3"/>
+            <a:r>
+              <a:rPr lang="fr-FR"/>
+              <a:t>Quatrième niveau</a:t>
+            </a:r>
+          </a:p>
+          <a:p>
+            <a:pPr lvl="4"/>
+            <a:r>
+              <a:rPr lang="fr-FR"/>
+              <a:t>Cinquième niveau</a:t>
+            </a:r>
+          </a:p>
+        </p:txBody>
+      </p:sp>
+      <p:sp>
+        <p:nvSpPr>
+          <p:cNvPr id="6" name="Espace réservé du pied de page 5"/>
+          <p:cNvSpPr>
+            <a:spLocks noGrp="1"/>
+          </p:cNvSpPr>
+          <p:nvPr>
+            <p:ph type="ftr" sz="quarter" idx="4"/>
+          </p:nvPr>
+        </p:nvSpPr>
+        <p:spPr>
+          <a:xfrm>
+            <a:off x="0" y="8685213"/>
+            <a:ext cx="2971800" cy="458787"/>
+          </a:xfrm>
+          <a:prstGeom prst="rect">
+            <a:avLst/>
+          </a:prstGeom>
+        </p:spPr>
+        <p:txBody>
+          <a:bodyPr vert="horz" lIns="91440" tIns="45720" rIns="91440" bIns="45720" rtlCol="0" anchor="b"/>
+          <a:lstStyle>
+            <a:lvl1pPr algn="l">
+              <a:defRPr sz="1200"/>
+            </a:lvl1pPr>
+          </a:lstStyle>
+          <a:p>
+            <a:endParaRPr lang="fr-FR"/>
+          </a:p>
+        </p:txBody>
+      </p:sp>
+      <p:sp>
+        <p:nvSpPr>
+          <p:cNvPr id="7" name="Espace réservé du numéro de diapositive 6"/>
+          <p:cNvSpPr>
+            <a:spLocks noGrp="1"/>
+          </p:cNvSpPr>
+          <p:nvPr>
+            <p:ph type="sldNum" sz="quarter" idx="5"/>
+          </p:nvPr>
+        </p:nvSpPr>
+        <p:spPr>
+          <a:xfrm>
+            <a:off x="3884613" y="8685213"/>
+            <a:ext cx="2971800" cy="458787"/>
+          </a:xfrm>
+          <a:prstGeom prst="rect">
+            <a:avLst/>
+          </a:prstGeom>
+        </p:spPr>
+        <p:txBody>
+          <a:bodyPr vert="horz" lIns="91440" tIns="45720" rIns="91440" bIns="45720" rtlCol="0" anchor="b"/>
+          <a:lstStyle>
+            <a:lvl1pPr algn="r">
+              <a:defRPr sz="1200"/>
+            </a:lvl1pPr>
+          </a:lstStyle>
+          <a:p>
+            <a:fld id="{E8E09006-D239-4BCE-911A-83D6A987DA4F}" type="slidenum">
+              <a:rPr lang="fr-FR" smtClean="0"/>
+              <a:t>‹N°›</a:t>
+            </a:fld>
+            <a:endParaRPr lang="fr-FR"/>
+          </a:p>
+        </p:txBody>
+      </p:sp>
+    </p:spTree>
+    <p:extLst>
+      <p:ext uri="{BB962C8B-B14F-4D97-AF65-F5344CB8AC3E}">
+        <p14:creationId xmlns:p14="http://schemas.microsoft.com/office/powerpoint/2010/main" val="1299069294"/>
+      </p:ext>
+    </p:extLst>
+  </p:cSld>
+  <p:clrMap bg1="lt1" tx1="dk1" bg2="lt2" tx2="dk2" accent1="accent1" accent2="accent2" accent3="accent3" accent4="accent4" accent5="accent5" accent6="accent6" hlink="hlink" folHlink="folHlink"/>
+  <p:notesStyle>
+    <a:lvl1pPr marL="0" algn="l" defTabSz="914400" rtl="0" eaLnBrk="1" latinLnBrk="0" hangingPunct="1">
+      <a:defRPr sz="1200" kern="1200">
+        <a:solidFill>
+          <a:schemeClr val="tx1"/>
+        </a:solidFill>
+        <a:latin typeface="+mn-lt"/>
+        <a:ea typeface="+mn-ea"/>
+        <a:cs typeface="+mn-cs"/>
+      </a:defRPr>
+    </a:lvl1pPr>
+    <a:lvl2pPr marL="457200" algn="l" defTabSz="914400" rtl="0" eaLnBrk="1" latinLnBrk="0" hangingPunct="1">
+      <a:defRPr sz="1200" kern="1200">
+        <a:solidFill>
+          <a:schemeClr val="tx1"/>
+        </a:solidFill>
+        <a:latin typeface="+mn-lt"/>
+        <a:ea typeface="+mn-ea"/>
+        <a:cs typeface="+mn-cs"/>
+      </a:defRPr>
+    </a:lvl2pPr>
+    <a:lvl3pPr marL="914400" algn="l" defTabSz="914400" rtl="0" eaLnBrk="1" latinLnBrk="0" hangingPunct="1">
+      <a:defRPr sz="1200" kern="1200">
+        <a:solidFill>
+          <a:schemeClr val="tx1"/>
+        </a:solidFill>
+        <a:latin typeface="+mn-lt"/>
+        <a:ea typeface="+mn-ea"/>
+        <a:cs typeface="+mn-cs"/>
+      </a:defRPr>
+    </a:lvl3pPr>
+    <a:lvl4pPr marL="1371600" algn="l" defTabSz="914400" rtl="0" eaLnBrk="1" latinLnBrk="0" hangingPunct="1">
+      <a:defRPr sz="1200" kern="1200">
+        <a:solidFill>
+          <a:schemeClr val="tx1"/>
+        </a:solidFill>
+        <a:latin typeface="+mn-lt"/>
+        <a:ea typeface="+mn-ea"/>
+        <a:cs typeface="+mn-cs"/>
+      </a:defRPr>
+    </a:lvl4pPr>
+    <a:lvl5pPr marL="1828800" algn="l" defTabSz="914400" rtl="0" eaLnBrk="1" latinLnBrk="0" hangingPunct="1">
+      <a:defRPr sz="1200" kern="1200">
+        <a:solidFill>
+          <a:schemeClr val="tx1"/>
+        </a:solidFill>
+        <a:latin typeface="+mn-lt"/>
+        <a:ea typeface="+mn-ea"/>
+        <a:cs typeface="+mn-cs"/>
+      </a:defRPr>
+    </a:lvl5pPr>
+    <a:lvl6pPr marL="2286000" algn="l" defTabSz="914400" rtl="0" eaLnBrk="1" latinLnBrk="0" hangingPunct="1">
+      <a:defRPr sz="1200" kern="1200">
+        <a:solidFill>
+          <a:schemeClr val="tx1"/>
+        </a:solidFill>
+        <a:latin typeface="+mn-lt"/>
+        <a:ea typeface="+mn-ea"/>
+        <a:cs typeface="+mn-cs"/>
+      </a:defRPr>
+    </a:lvl6pPr>
+    <a:lvl7pPr marL="2743200" algn="l" defTabSz="914400" rtl="0" eaLnBrk="1" latinLnBrk="0" hangingPunct="1">
+      <a:defRPr sz="1200" kern="1200">
+        <a:solidFill>
+          <a:schemeClr val="tx1"/>
+        </a:solidFill>
+        <a:latin typeface="+mn-lt"/>
+        <a:ea typeface="+mn-ea"/>
+        <a:cs typeface="+mn-cs"/>
+      </a:defRPr>
+    </a:lvl7pPr>
+    <a:lvl8pPr marL="3200400" algn="l" defTabSz="914400" rtl="0" eaLnBrk="1" latinLnBrk="0" hangingPunct="1">
+      <a:defRPr sz="1200" kern="1200">
+        <a:solidFill>
+          <a:schemeClr val="tx1"/>
+        </a:solidFill>
+        <a:latin typeface="+mn-lt"/>
+        <a:ea typeface="+mn-ea"/>
+        <a:cs typeface="+mn-cs"/>
+      </a:defRPr>
+    </a:lvl8pPr>
+    <a:lvl9pPr marL="3657600" algn="l" defTabSz="914400" rtl="0" eaLnBrk="1" latinLnBrk="0" hangingPunct="1">
+      <a:defRPr sz="1200" kern="1200">
+        <a:solidFill>
+          <a:schemeClr val="tx1"/>
+        </a:solidFill>
+        <a:latin typeface="+mn-lt"/>
+        <a:ea typeface="+mn-ea"/>
+        <a:cs typeface="+mn-cs"/>
+      </a:defRPr>
+    </a:lvl9pPr>
+  </p:notesStyle>
+</p:notesMaster>
+</file>
+
 <file path=ppt/slideLayouts/slideLayout1.xml><?xml version="1.0" encoding="utf-8"?>
 <p:sldLayout xmlns:a="http://schemas.openxmlformats.org/drawingml/2006/main" xmlns:r="http://schemas.openxmlformats.org/officeDocument/2006/relationships" xmlns:p="http://schemas.openxmlformats.org/presentationml/2006/main" showMasterSp="0" type="title" preserve="1">
   <p:cSld name="Diapositive de titre">
@@ -196,7 +548,7 @@
           <a:noFill/>
           <a:extLst>
             <a:ext uri="{909E8E84-426E-40dd-AFC4-6F175D3DCCD1}">
-              <a14:hiddenFill xmlns="" xmlns:a14="http://schemas.microsoft.com/office/drawing/2010/main">
+              <a14:hiddenFill xmlns:a14="http://schemas.microsoft.com/office/drawing/2010/main" xmlns="">
                 <a:solidFill>
                   <a:srgbClr val="FFFFFF"/>
                 </a:solidFill>
@@ -256,7 +608,7 @@
             </a:ln>
             <a:extLst>
               <a:ext uri="{91240B29-F687-4f45-9708-019B960494DF}">
-                <a14:hiddenLine xmlns="" xmlns:a14="http://schemas.microsoft.com/office/drawing/2010/main" w="9525">
+                <a14:hiddenLine xmlns:a14="http://schemas.microsoft.com/office/drawing/2010/main" xmlns="" w="9525">
                   <a:solidFill>
                     <a:srgbClr val="000000"/>
                   </a:solidFill>
@@ -346,7 +698,7 @@
             </a:ln>
             <a:extLst>
               <a:ext uri="{91240B29-F687-4f45-9708-019B960494DF}">
-                <a14:hiddenLine xmlns="" xmlns:a14="http://schemas.microsoft.com/office/drawing/2010/main" w="9525">
+                <a14:hiddenLine xmlns:a14="http://schemas.microsoft.com/office/drawing/2010/main" xmlns="" w="9525">
                   <a:solidFill>
                     <a:srgbClr val="000000"/>
                   </a:solidFill>
@@ -436,7 +788,7 @@
             </a:ln>
             <a:extLst>
               <a:ext uri="{91240B29-F687-4f45-9708-019B960494DF}">
-                <a14:hiddenLine xmlns="" xmlns:a14="http://schemas.microsoft.com/office/drawing/2010/main" w="9525">
+                <a14:hiddenLine xmlns:a14="http://schemas.microsoft.com/office/drawing/2010/main" xmlns="" w="9525">
                   <a:solidFill>
                     <a:srgbClr val="000000"/>
                   </a:solidFill>
@@ -470,7 +822,7 @@
             </a:ln>
             <a:extLst>
               <a:ext uri="{91240B29-F687-4f45-9708-019B960494DF}">
-                <a14:hiddenLine xmlns="" xmlns:a14="http://schemas.microsoft.com/office/drawing/2010/main" w="9525">
+                <a14:hiddenLine xmlns:a14="http://schemas.microsoft.com/office/drawing/2010/main" xmlns="" w="9525">
                   <a:solidFill>
                     <a:srgbClr val="000000"/>
                   </a:solidFill>
@@ -560,7 +912,7 @@
             </a:ln>
             <a:extLst>
               <a:ext uri="{91240B29-F687-4f45-9708-019B960494DF}">
-                <a14:hiddenLine xmlns="" xmlns:a14="http://schemas.microsoft.com/office/drawing/2010/main" w="9525">
+                <a14:hiddenLine xmlns:a14="http://schemas.microsoft.com/office/drawing/2010/main" xmlns="" w="9525">
                   <a:solidFill>
                     <a:srgbClr val="000000"/>
                   </a:solidFill>
@@ -622,7 +974,7 @@
             </a:ln>
             <a:extLst>
               <a:ext uri="{91240B29-F687-4f45-9708-019B960494DF}">
-                <a14:hiddenLine xmlns="" xmlns:a14="http://schemas.microsoft.com/office/drawing/2010/main" w="9525">
+                <a14:hiddenLine xmlns:a14="http://schemas.microsoft.com/office/drawing/2010/main" xmlns="" w="9525">
                   <a:solidFill>
                     <a:srgbClr val="000000"/>
                   </a:solidFill>
@@ -684,7 +1036,7 @@
             </a:ln>
             <a:extLst>
               <a:ext uri="{91240B29-F687-4f45-9708-019B960494DF}">
-                <a14:hiddenLine xmlns="" xmlns:a14="http://schemas.microsoft.com/office/drawing/2010/main" w="9525">
+                <a14:hiddenLine xmlns:a14="http://schemas.microsoft.com/office/drawing/2010/main" xmlns="" w="9525">
                   <a:solidFill>
                     <a:srgbClr val="000000"/>
                   </a:solidFill>
@@ -774,7 +1126,7 @@
             </a:ln>
             <a:extLst>
               <a:ext uri="{91240B29-F687-4f45-9708-019B960494DF}">
-                <a14:hiddenLine xmlns="" xmlns:a14="http://schemas.microsoft.com/office/drawing/2010/main" w="9525">
+                <a14:hiddenLine xmlns:a14="http://schemas.microsoft.com/office/drawing/2010/main" xmlns="" w="9525">
                   <a:solidFill>
                     <a:srgbClr val="000000"/>
                   </a:solidFill>
@@ -836,7 +1188,7 @@
             </a:ln>
             <a:extLst>
               <a:ext uri="{91240B29-F687-4f45-9708-019B960494DF}">
-                <a14:hiddenLine xmlns="" xmlns:a14="http://schemas.microsoft.com/office/drawing/2010/main" w="9525">
+                <a14:hiddenLine xmlns:a14="http://schemas.microsoft.com/office/drawing/2010/main" xmlns="" w="9525">
                   <a:solidFill>
                     <a:srgbClr val="000000"/>
                   </a:solidFill>
@@ -898,7 +1250,7 @@
             </a:ln>
             <a:extLst>
               <a:ext uri="{91240B29-F687-4f45-9708-019B960494DF}">
-                <a14:hiddenLine xmlns="" xmlns:a14="http://schemas.microsoft.com/office/drawing/2010/main" w="9525">
+                <a14:hiddenLine xmlns:a14="http://schemas.microsoft.com/office/drawing/2010/main" xmlns="" w="9525">
                   <a:solidFill>
                     <a:srgbClr val="000000"/>
                   </a:solidFill>
@@ -988,7 +1340,7 @@
             </a:ln>
             <a:extLst>
               <a:ext uri="{91240B29-F687-4f45-9708-019B960494DF}">
-                <a14:hiddenLine xmlns="" xmlns:a14="http://schemas.microsoft.com/office/drawing/2010/main" w="9525">
+                <a14:hiddenLine xmlns:a14="http://schemas.microsoft.com/office/drawing/2010/main" xmlns="" w="9525">
                   <a:solidFill>
                     <a:srgbClr val="000000"/>
                   </a:solidFill>
@@ -1078,7 +1430,7 @@
             </a:ln>
             <a:extLst>
               <a:ext uri="{91240B29-F687-4f45-9708-019B960494DF}">
-                <a14:hiddenLine xmlns="" xmlns:a14="http://schemas.microsoft.com/office/drawing/2010/main" w="9525">
+                <a14:hiddenLine xmlns:a14="http://schemas.microsoft.com/office/drawing/2010/main" xmlns="" w="9525">
                   <a:solidFill>
                     <a:srgbClr val="000000"/>
                   </a:solidFill>
@@ -1140,7 +1492,7 @@
             </a:ln>
             <a:extLst>
               <a:ext uri="{91240B29-F687-4f45-9708-019B960494DF}">
-                <a14:hiddenLine xmlns="" xmlns:a14="http://schemas.microsoft.com/office/drawing/2010/main" w="9525">
+                <a14:hiddenLine xmlns:a14="http://schemas.microsoft.com/office/drawing/2010/main" xmlns="" w="9525">
                   <a:solidFill>
                     <a:srgbClr val="000000"/>
                   </a:solidFill>
@@ -1250,7 +1602,7 @@
             </a:ln>
             <a:extLst>
               <a:ext uri="{91240B29-F687-4f45-9708-019B960494DF}">
-                <a14:hiddenLine xmlns="" xmlns:a14="http://schemas.microsoft.com/office/drawing/2010/main" w="9525">
+                <a14:hiddenLine xmlns:a14="http://schemas.microsoft.com/office/drawing/2010/main" xmlns="" w="9525">
                   <a:solidFill>
                     <a:srgbClr val="000000"/>
                   </a:solidFill>
@@ -1312,7 +1664,7 @@
             </a:ln>
             <a:extLst>
               <a:ext uri="{91240B29-F687-4f45-9708-019B960494DF}">
-                <a14:hiddenLine xmlns="" xmlns:a14="http://schemas.microsoft.com/office/drawing/2010/main" w="9525">
+                <a14:hiddenLine xmlns:a14="http://schemas.microsoft.com/office/drawing/2010/main" xmlns="" w="9525">
                   <a:solidFill>
                     <a:srgbClr val="000000"/>
                   </a:solidFill>
@@ -1402,7 +1754,7 @@
             </a:ln>
             <a:extLst>
               <a:ext uri="{91240B29-F687-4f45-9708-019B960494DF}">
-                <a14:hiddenLine xmlns="" xmlns:a14="http://schemas.microsoft.com/office/drawing/2010/main" w="9525">
+                <a14:hiddenLine xmlns:a14="http://schemas.microsoft.com/office/drawing/2010/main" xmlns="" w="9525">
                   <a:solidFill>
                     <a:srgbClr val="000000"/>
                   </a:solidFill>
@@ -1492,7 +1844,7 @@
             </a:ln>
             <a:extLst>
               <a:ext uri="{91240B29-F687-4f45-9708-019B960494DF}">
-                <a14:hiddenLine xmlns="" xmlns:a14="http://schemas.microsoft.com/office/drawing/2010/main" w="9525">
+                <a14:hiddenLine xmlns:a14="http://schemas.microsoft.com/office/drawing/2010/main" xmlns="" w="9525">
                   <a:solidFill>
                     <a:srgbClr val="000000"/>
                   </a:solidFill>
@@ -1554,7 +1906,7 @@
             </a:ln>
             <a:extLst>
               <a:ext uri="{91240B29-F687-4f45-9708-019B960494DF}">
-                <a14:hiddenLine xmlns="" xmlns:a14="http://schemas.microsoft.com/office/drawing/2010/main" w="9525">
+                <a14:hiddenLine xmlns:a14="http://schemas.microsoft.com/office/drawing/2010/main" xmlns="" w="9525">
                   <a:solidFill>
                     <a:srgbClr val="000000"/>
                   </a:solidFill>
@@ -1644,7 +1996,7 @@
             </a:ln>
             <a:extLst>
               <a:ext uri="{91240B29-F687-4f45-9708-019B960494DF}">
-                <a14:hiddenLine xmlns="" xmlns:a14="http://schemas.microsoft.com/office/drawing/2010/main" w="9525">
+                <a14:hiddenLine xmlns:a14="http://schemas.microsoft.com/office/drawing/2010/main" xmlns="" w="9525">
                   <a:solidFill>
                     <a:srgbClr val="000000"/>
                   </a:solidFill>
@@ -1734,7 +2086,7 @@
             </a:ln>
             <a:extLst>
               <a:ext uri="{91240B29-F687-4f45-9708-019B960494DF}">
-                <a14:hiddenLine xmlns="" xmlns:a14="http://schemas.microsoft.com/office/drawing/2010/main" w="9525">
+                <a14:hiddenLine xmlns:a14="http://schemas.microsoft.com/office/drawing/2010/main" xmlns="" w="9525">
                   <a:solidFill>
                     <a:srgbClr val="000000"/>
                   </a:solidFill>
@@ -1790,7 +2142,7 @@
             </a:ln>
             <a:extLst>
               <a:ext uri="{91240B29-F687-4f45-9708-019B960494DF}">
-                <a14:hiddenLine xmlns="" xmlns:a14="http://schemas.microsoft.com/office/drawing/2010/main" w="9525">
+                <a14:hiddenLine xmlns:a14="http://schemas.microsoft.com/office/drawing/2010/main" xmlns="" w="9525">
                   <a:solidFill>
                     <a:srgbClr val="000000"/>
                   </a:solidFill>
@@ -1880,7 +2232,7 @@
             </a:ln>
             <a:extLst>
               <a:ext uri="{91240B29-F687-4f45-9708-019B960494DF}">
-                <a14:hiddenLine xmlns="" xmlns:a14="http://schemas.microsoft.com/office/drawing/2010/main" w="9525">
+                <a14:hiddenLine xmlns:a14="http://schemas.microsoft.com/office/drawing/2010/main" xmlns="" w="9525">
                   <a:solidFill>
                     <a:srgbClr val="000000"/>
                   </a:solidFill>
@@ -1936,7 +2288,7 @@
             </a:ln>
             <a:extLst>
               <a:ext uri="{91240B29-F687-4f45-9708-019B960494DF}">
-                <a14:hiddenLine xmlns="" xmlns:a14="http://schemas.microsoft.com/office/drawing/2010/main" w="9525">
+                <a14:hiddenLine xmlns:a14="http://schemas.microsoft.com/office/drawing/2010/main" xmlns="" w="9525">
                   <a:solidFill>
                     <a:srgbClr val="000000"/>
                   </a:solidFill>
@@ -2026,7 +2378,7 @@
             </a:ln>
             <a:extLst>
               <a:ext uri="{91240B29-F687-4f45-9708-019B960494DF}">
-                <a14:hiddenLine xmlns="" xmlns:a14="http://schemas.microsoft.com/office/drawing/2010/main" w="9525">
+                <a14:hiddenLine xmlns:a14="http://schemas.microsoft.com/office/drawing/2010/main" xmlns="" w="9525">
                   <a:solidFill>
                     <a:srgbClr val="000000"/>
                   </a:solidFill>
@@ -2094,7 +2446,7 @@
             </a:ln>
             <a:extLst>
               <a:ext uri="{91240B29-F687-4f45-9708-019B960494DF}">
-                <a14:hiddenLine xmlns="" xmlns:a14="http://schemas.microsoft.com/office/drawing/2010/main" w="9525">
+                <a14:hiddenLine xmlns:a14="http://schemas.microsoft.com/office/drawing/2010/main" xmlns="" w="9525">
                   <a:solidFill>
                     <a:srgbClr val="000000"/>
                   </a:solidFill>
@@ -2184,7 +2536,7 @@
             </a:ln>
             <a:extLst>
               <a:ext uri="{91240B29-F687-4f45-9708-019B960494DF}">
-                <a14:hiddenLine xmlns="" xmlns:a14="http://schemas.microsoft.com/office/drawing/2010/main" w="9525">
+                <a14:hiddenLine xmlns:a14="http://schemas.microsoft.com/office/drawing/2010/main" xmlns="" w="9525">
                   <a:solidFill>
                     <a:srgbClr val="000000"/>
                   </a:solidFill>
@@ -2252,7 +2604,7 @@
             </a:ln>
             <a:extLst>
               <a:ext uri="{91240B29-F687-4f45-9708-019B960494DF}">
-                <a14:hiddenLine xmlns="" xmlns:a14="http://schemas.microsoft.com/office/drawing/2010/main" w="9525">
+                <a14:hiddenLine xmlns:a14="http://schemas.microsoft.com/office/drawing/2010/main" xmlns="" w="9525">
                   <a:solidFill>
                     <a:srgbClr val="000000"/>
                   </a:solidFill>
@@ -2342,7 +2694,7 @@
             </a:ln>
             <a:extLst>
               <a:ext uri="{91240B29-F687-4f45-9708-019B960494DF}">
-                <a14:hiddenLine xmlns="" xmlns:a14="http://schemas.microsoft.com/office/drawing/2010/main" w="9525">
+                <a14:hiddenLine xmlns:a14="http://schemas.microsoft.com/office/drawing/2010/main" xmlns="" w="9525">
                   <a:solidFill>
                     <a:srgbClr val="000000"/>
                   </a:solidFill>
@@ -2376,7 +2728,7 @@
             </a:ln>
             <a:extLst>
               <a:ext uri="{91240B29-F687-4f45-9708-019B960494DF}">
-                <a14:hiddenLine xmlns="" xmlns:a14="http://schemas.microsoft.com/office/drawing/2010/main" w="9525">
+                <a14:hiddenLine xmlns:a14="http://schemas.microsoft.com/office/drawing/2010/main" xmlns="" w="9525">
                   <a:solidFill>
                     <a:srgbClr val="000000"/>
                   </a:solidFill>
@@ -2466,7 +2818,7 @@
             </a:ln>
             <a:extLst>
               <a:ext uri="{91240B29-F687-4f45-9708-019B960494DF}">
-                <a14:hiddenLine xmlns="" xmlns:a14="http://schemas.microsoft.com/office/drawing/2010/main" w="9525">
+                <a14:hiddenLine xmlns:a14="http://schemas.microsoft.com/office/drawing/2010/main" xmlns="" w="9525">
                   <a:solidFill>
                     <a:srgbClr val="000000"/>
                   </a:solidFill>
@@ -2528,7 +2880,7 @@
             </a:ln>
             <a:extLst>
               <a:ext uri="{91240B29-F687-4f45-9708-019B960494DF}">
-                <a14:hiddenLine xmlns="" xmlns:a14="http://schemas.microsoft.com/office/drawing/2010/main" w="9525">
+                <a14:hiddenLine xmlns:a14="http://schemas.microsoft.com/office/drawing/2010/main" xmlns="" w="9525">
                   <a:solidFill>
                     <a:srgbClr val="000000"/>
                   </a:solidFill>
@@ -2590,7 +2942,7 @@
             </a:ln>
             <a:extLst>
               <a:ext uri="{91240B29-F687-4f45-9708-019B960494DF}">
-                <a14:hiddenLine xmlns="" xmlns:a14="http://schemas.microsoft.com/office/drawing/2010/main" w="9525">
+                <a14:hiddenLine xmlns:a14="http://schemas.microsoft.com/office/drawing/2010/main" xmlns="" w="9525">
                   <a:solidFill>
                     <a:srgbClr val="000000"/>
                   </a:solidFill>
@@ -2680,7 +3032,7 @@
             </a:ln>
             <a:extLst>
               <a:ext uri="{91240B29-F687-4f45-9708-019B960494DF}">
-                <a14:hiddenLine xmlns="" xmlns:a14="http://schemas.microsoft.com/office/drawing/2010/main" w="9525">
+                <a14:hiddenLine xmlns:a14="http://schemas.microsoft.com/office/drawing/2010/main" xmlns="" w="9525">
                   <a:solidFill>
                     <a:srgbClr val="000000"/>
                   </a:solidFill>
@@ -2748,7 +3100,7 @@
             </a:ln>
             <a:extLst>
               <a:ext uri="{91240B29-F687-4f45-9708-019B960494DF}">
-                <a14:hiddenLine xmlns="" xmlns:a14="http://schemas.microsoft.com/office/drawing/2010/main" w="9525">
+                <a14:hiddenLine xmlns:a14="http://schemas.microsoft.com/office/drawing/2010/main" xmlns="" w="9525">
                   <a:solidFill>
                     <a:srgbClr val="000000"/>
                   </a:solidFill>
@@ -2810,7 +3162,7 @@
             </a:ln>
             <a:extLst>
               <a:ext uri="{91240B29-F687-4f45-9708-019B960494DF}">
-                <a14:hiddenLine xmlns="" xmlns:a14="http://schemas.microsoft.com/office/drawing/2010/main" w="9525">
+                <a14:hiddenLine xmlns:a14="http://schemas.microsoft.com/office/drawing/2010/main" xmlns="" w="9525">
                   <a:solidFill>
                     <a:srgbClr val="000000"/>
                   </a:solidFill>
@@ -2900,7 +3252,7 @@
             </a:ln>
             <a:extLst>
               <a:ext uri="{91240B29-F687-4f45-9708-019B960494DF}">
-                <a14:hiddenLine xmlns="" xmlns:a14="http://schemas.microsoft.com/office/drawing/2010/main" w="9525">
+                <a14:hiddenLine xmlns:a14="http://schemas.microsoft.com/office/drawing/2010/main" xmlns="" w="9525">
                   <a:solidFill>
                     <a:srgbClr val="000000"/>
                   </a:solidFill>
@@ -2962,7 +3314,7 @@
             </a:ln>
             <a:extLst>
               <a:ext uri="{91240B29-F687-4f45-9708-019B960494DF}">
-                <a14:hiddenLine xmlns="" xmlns:a14="http://schemas.microsoft.com/office/drawing/2010/main" w="9525">
+                <a14:hiddenLine xmlns:a14="http://schemas.microsoft.com/office/drawing/2010/main" xmlns="" w="9525">
                   <a:solidFill>
                     <a:srgbClr val="000000"/>
                   </a:solidFill>
@@ -3052,7 +3404,7 @@
             </a:ln>
             <a:extLst>
               <a:ext uri="{91240B29-F687-4f45-9708-019B960494DF}">
-                <a14:hiddenLine xmlns="" xmlns:a14="http://schemas.microsoft.com/office/drawing/2010/main" w="9525">
+                <a14:hiddenLine xmlns:a14="http://schemas.microsoft.com/office/drawing/2010/main" xmlns="" w="9525">
                   <a:solidFill>
                     <a:srgbClr val="000000"/>
                   </a:solidFill>
@@ -3114,7 +3466,7 @@
             </a:ln>
             <a:extLst>
               <a:ext uri="{91240B29-F687-4f45-9708-019B960494DF}">
-                <a14:hiddenLine xmlns="" xmlns:a14="http://schemas.microsoft.com/office/drawing/2010/main" w="9525">
+                <a14:hiddenLine xmlns:a14="http://schemas.microsoft.com/office/drawing/2010/main" xmlns="" w="9525">
                   <a:solidFill>
                     <a:srgbClr val="000000"/>
                   </a:solidFill>
@@ -3204,7 +3556,7 @@
             </a:ln>
             <a:extLst>
               <a:ext uri="{91240B29-F687-4f45-9708-019B960494DF}">
-                <a14:hiddenLine xmlns="" xmlns:a14="http://schemas.microsoft.com/office/drawing/2010/main" w="9525">
+                <a14:hiddenLine xmlns:a14="http://schemas.microsoft.com/office/drawing/2010/main" xmlns="" w="9525">
                   <a:solidFill>
                     <a:srgbClr val="000000"/>
                   </a:solidFill>
@@ -3238,7 +3590,7 @@
             </a:ln>
             <a:extLst>
               <a:ext uri="{91240B29-F687-4f45-9708-019B960494DF}">
-                <a14:hiddenLine xmlns="" xmlns:a14="http://schemas.microsoft.com/office/drawing/2010/main" w="9525">
+                <a14:hiddenLine xmlns:a14="http://schemas.microsoft.com/office/drawing/2010/main" xmlns="" w="9525">
                   <a:solidFill>
                     <a:srgbClr val="000000"/>
                   </a:solidFill>
@@ -3303,7 +3655,7 @@
             </a:ln>
             <a:extLst>
               <a:ext uri="{91240B29-F687-4f45-9708-019B960494DF}">
-                <a14:hiddenLine xmlns="" xmlns:a14="http://schemas.microsoft.com/office/drawing/2010/main" w="9525">
+                <a14:hiddenLine xmlns:a14="http://schemas.microsoft.com/office/drawing/2010/main" xmlns="" w="9525">
                   <a:solidFill>
                     <a:srgbClr val="000000"/>
                   </a:solidFill>
@@ -3393,7 +3745,7 @@
             </a:ln>
             <a:extLst>
               <a:ext uri="{91240B29-F687-4f45-9708-019B960494DF}">
-                <a14:hiddenLine xmlns="" xmlns:a14="http://schemas.microsoft.com/office/drawing/2010/main" w="9525">
+                <a14:hiddenLine xmlns:a14="http://schemas.microsoft.com/office/drawing/2010/main" xmlns="" w="9525">
                   <a:solidFill>
                     <a:srgbClr val="000000"/>
                   </a:solidFill>
@@ -3455,7 +3807,7 @@
             </a:ln>
             <a:extLst>
               <a:ext uri="{91240B29-F687-4f45-9708-019B960494DF}">
-                <a14:hiddenLine xmlns="" xmlns:a14="http://schemas.microsoft.com/office/drawing/2010/main" w="9525">
+                <a14:hiddenLine xmlns:a14="http://schemas.microsoft.com/office/drawing/2010/main" xmlns="" w="9525">
                   <a:solidFill>
                     <a:srgbClr val="000000"/>
                   </a:solidFill>
@@ -3545,7 +3897,7 @@
             </a:ln>
             <a:extLst>
               <a:ext uri="{91240B29-F687-4f45-9708-019B960494DF}">
-                <a14:hiddenLine xmlns="" xmlns:a14="http://schemas.microsoft.com/office/drawing/2010/main" w="9525">
+                <a14:hiddenLine xmlns:a14="http://schemas.microsoft.com/office/drawing/2010/main" xmlns="" w="9525">
                   <a:solidFill>
                     <a:srgbClr val="000000"/>
                   </a:solidFill>
@@ -3635,7 +3987,7 @@
             </a:ln>
             <a:extLst>
               <a:ext uri="{91240B29-F687-4f45-9708-019B960494DF}">
-                <a14:hiddenLine xmlns="" xmlns:a14="http://schemas.microsoft.com/office/drawing/2010/main" w="9525">
+                <a14:hiddenLine xmlns:a14="http://schemas.microsoft.com/office/drawing/2010/main" xmlns="" w="9525">
                   <a:solidFill>
                     <a:srgbClr val="000000"/>
                   </a:solidFill>
@@ -3700,7 +4052,7 @@
             </a:ln>
             <a:extLst>
               <a:ext uri="{91240B29-F687-4f45-9708-019B960494DF}">
-                <a14:hiddenLine xmlns="" xmlns:a14="http://schemas.microsoft.com/office/drawing/2010/main" w="9525">
+                <a14:hiddenLine xmlns:a14="http://schemas.microsoft.com/office/drawing/2010/main" xmlns="" w="9525">
                   <a:solidFill>
                     <a:srgbClr val="000000"/>
                   </a:solidFill>
@@ -3762,7 +4114,7 @@
             </a:ln>
             <a:extLst>
               <a:ext uri="{91240B29-F687-4f45-9708-019B960494DF}">
-                <a14:hiddenLine xmlns="" xmlns:a14="http://schemas.microsoft.com/office/drawing/2010/main" w="9525">
+                <a14:hiddenLine xmlns:a14="http://schemas.microsoft.com/office/drawing/2010/main" xmlns="" w="9525">
                   <a:solidFill>
                     <a:srgbClr val="000000"/>
                   </a:solidFill>
@@ -3852,7 +4204,7 @@
             </a:ln>
             <a:extLst>
               <a:ext uri="{91240B29-F687-4f45-9708-019B960494DF}">
-                <a14:hiddenLine xmlns="" xmlns:a14="http://schemas.microsoft.com/office/drawing/2010/main" w="9525">
+                <a14:hiddenLine xmlns:a14="http://schemas.microsoft.com/office/drawing/2010/main" xmlns="" w="9525">
                   <a:solidFill>
                     <a:srgbClr val="000000"/>
                   </a:solidFill>
@@ -3942,7 +4294,7 @@
             </a:ln>
             <a:extLst>
               <a:ext uri="{91240B29-F687-4f45-9708-019B960494DF}">
-                <a14:hiddenLine xmlns="" xmlns:a14="http://schemas.microsoft.com/office/drawing/2010/main" w="9525">
+                <a14:hiddenLine xmlns:a14="http://schemas.microsoft.com/office/drawing/2010/main" xmlns="" w="9525">
                   <a:solidFill>
                     <a:srgbClr val="000000"/>
                   </a:solidFill>
@@ -4004,7 +4356,7 @@
             </a:ln>
             <a:extLst>
               <a:ext uri="{91240B29-F687-4f45-9708-019B960494DF}">
-                <a14:hiddenLine xmlns="" xmlns:a14="http://schemas.microsoft.com/office/drawing/2010/main" w="9525">
+                <a14:hiddenLine xmlns:a14="http://schemas.microsoft.com/office/drawing/2010/main" xmlns="" w="9525">
                   <a:solidFill>
                     <a:srgbClr val="000000"/>
                   </a:solidFill>
@@ -4124,7 +4476,7 @@
             </a:ln>
             <a:extLst>
               <a:ext uri="{91240B29-F687-4f45-9708-019B960494DF}">
-                <a14:hiddenLine xmlns="" xmlns:a14="http://schemas.microsoft.com/office/drawing/2010/main" w="9525">
+                <a14:hiddenLine xmlns:a14="http://schemas.microsoft.com/office/drawing/2010/main" xmlns="" w="9525">
                   <a:solidFill>
                     <a:srgbClr val="000000"/>
                   </a:solidFill>
@@ -4192,7 +4544,7 @@
             </a:ln>
             <a:extLst>
               <a:ext uri="{91240B29-F687-4f45-9708-019B960494DF}">
-                <a14:hiddenLine xmlns="" xmlns:a14="http://schemas.microsoft.com/office/drawing/2010/main" w="9525">
+                <a14:hiddenLine xmlns:a14="http://schemas.microsoft.com/office/drawing/2010/main" xmlns="" w="9525">
                   <a:solidFill>
                     <a:srgbClr val="000000"/>
                   </a:solidFill>
@@ -4282,7 +4634,7 @@
             </a:ln>
             <a:extLst>
               <a:ext uri="{91240B29-F687-4f45-9708-019B960494DF}">
-                <a14:hiddenLine xmlns="" xmlns:a14="http://schemas.microsoft.com/office/drawing/2010/main" w="9525">
+                <a14:hiddenLine xmlns:a14="http://schemas.microsoft.com/office/drawing/2010/main" xmlns="" w="9525">
                   <a:solidFill>
                     <a:srgbClr val="000000"/>
                   </a:solidFill>
@@ -4420,8 +4772,8 @@
           <a:bodyPr/>
           <a:lstStyle/>
           <a:p>
-            <a:fld id="{48A87A34-81AB-432B-8DAE-1953F412C126}" type="datetimeFigureOut">
-              <a:rPr lang="en-US" dirty="0"/>
+            <a:fld id="{123D93BF-0E48-4806-ACDA-050F86EFFD02}" type="datetime1">
+              <a:rPr lang="en-US" smtClean="0"/>
               <a:t>4/14/2018</a:t>
             </a:fld>
             <a:endParaRPr lang="en-US" dirty="0"/>
@@ -4470,13 +4822,16 @@
         </p:spPr>
         <p:txBody>
           <a:bodyPr/>
-          <a:lstStyle/>
-          <a:p>
-            <a:fld id="{6D22F896-40B5-4ADD-8801-0D06FADFA095}" type="slidenum">
+          <a:lstStyle>
+            <a:lvl1pPr>
+              <a:defRPr/>
+            </a:lvl1pPr>
+          </a:lstStyle>
+          <a:p>
+            <a:r>
               <a:rPr lang="en-US" dirty="0"/>
-              <a:t>‹N°›</a:t>
-            </a:fld>
-            <a:endParaRPr lang="en-US" dirty="0"/>
+              <a:t>1</a:t>
+            </a:r>
           </a:p>
         </p:txBody>
       </p:sp>
@@ -4682,8 +5037,8 @@
           <a:bodyPr/>
           <a:lstStyle/>
           <a:p>
-            <a:fld id="{48A87A34-81AB-432B-8DAE-1953F412C126}" type="datetimeFigureOut">
-              <a:rPr lang="en-US" dirty="0"/>
+            <a:fld id="{E4D2E2F6-8FD2-4780-BF7C-448A004F96D2}" type="datetime1">
+              <a:rPr lang="en-US" smtClean="0"/>
               <a:t>4/14/2018</a:t>
             </a:fld>
             <a:endParaRPr lang="en-US" dirty="0"/>
@@ -4873,8 +5228,8 @@
           <a:bodyPr/>
           <a:lstStyle/>
           <a:p>
-            <a:fld id="{48A87A34-81AB-432B-8DAE-1953F412C126}" type="datetimeFigureOut">
-              <a:rPr lang="en-US" dirty="0"/>
+            <a:fld id="{4C33D9B3-CB9E-496F-9EAB-05FC982CBF68}" type="datetime1">
+              <a:rPr lang="en-US" smtClean="0"/>
               <a:t>4/14/2018</a:t>
             </a:fld>
             <a:endParaRPr lang="en-US" dirty="0"/>
@@ -5131,8 +5486,8 @@
           <a:bodyPr/>
           <a:lstStyle/>
           <a:p>
-            <a:fld id="{48A87A34-81AB-432B-8DAE-1953F412C126}" type="datetimeFigureOut">
-              <a:rPr lang="en-US" dirty="0"/>
+            <a:fld id="{3C50C79D-60FB-42D8-82E8-35BEE5823E12}" type="datetime1">
+              <a:rPr lang="en-US" smtClean="0"/>
               <a:t>4/14/2018</a:t>
             </a:fld>
             <a:endParaRPr lang="en-US" dirty="0"/>
@@ -5560,8 +5915,8 @@
           <a:bodyPr/>
           <a:lstStyle/>
           <a:p>
-            <a:fld id="{48A87A34-81AB-432B-8DAE-1953F412C126}" type="datetimeFigureOut">
-              <a:rPr lang="en-US" dirty="0"/>
+            <a:fld id="{F6622CDF-2677-4F9C-94FC-74E623BB587E}" type="datetime1">
+              <a:rPr lang="en-US" smtClean="0"/>
               <a:t>4/14/2018</a:t>
             </a:fld>
             <a:endParaRPr lang="en-US" dirty="0"/>
@@ -6101,8 +6456,8 @@
           <a:bodyPr/>
           <a:lstStyle/>
           <a:p>
-            <a:fld id="{48A87A34-81AB-432B-8DAE-1953F412C126}" type="datetimeFigureOut">
-              <a:rPr lang="en-US" dirty="0"/>
+            <a:fld id="{703AC204-77FA-45D5-99E4-1E572BDA2EF7}" type="datetime1">
+              <a:rPr lang="en-US" smtClean="0"/>
               <a:t>4/14/2018</a:t>
             </a:fld>
             <a:endParaRPr lang="en-US" dirty="0"/>
@@ -6816,8 +7171,8 @@
           <a:bodyPr/>
           <a:lstStyle/>
           <a:p>
-            <a:fld id="{48A87A34-81AB-432B-8DAE-1953F412C126}" type="datetimeFigureOut">
-              <a:rPr lang="en-US" dirty="0"/>
+            <a:fld id="{6B0B2836-F623-482F-8D9B-9268FECDA1F0}" type="datetime1">
+              <a:rPr lang="en-US" smtClean="0"/>
               <a:t>4/14/2018</a:t>
             </a:fld>
             <a:endParaRPr lang="en-US" dirty="0"/>
@@ -6981,8 +7336,8 @@
           <a:bodyPr/>
           <a:lstStyle/>
           <a:p>
-            <a:fld id="{48A87A34-81AB-432B-8DAE-1953F412C126}" type="datetimeFigureOut">
-              <a:rPr lang="en-US" dirty="0"/>
+            <a:fld id="{93CA96EA-5FEF-44DD-9242-B2C16548D4B7}" type="datetime1">
+              <a:rPr lang="en-US" smtClean="0"/>
               <a:t>4/14/2018</a:t>
             </a:fld>
             <a:endParaRPr lang="en-US" dirty="0"/>
@@ -7156,8 +7511,8 @@
           <a:bodyPr/>
           <a:lstStyle/>
           <a:p>
-            <a:fld id="{48A87A34-81AB-432B-8DAE-1953F412C126}" type="datetimeFigureOut">
-              <a:rPr lang="en-US" dirty="0"/>
+            <a:fld id="{064F3615-BA9C-44EC-ACF3-1101EC8E8C17}" type="datetime1">
+              <a:rPr lang="en-US" smtClean="0"/>
               <a:t>4/14/2018</a:t>
             </a:fld>
             <a:endParaRPr lang="en-US" dirty="0"/>
@@ -7321,8 +7676,8 @@
           <a:bodyPr/>
           <a:lstStyle/>
           <a:p>
-            <a:fld id="{48A87A34-81AB-432B-8DAE-1953F412C126}" type="datetimeFigureOut">
-              <a:rPr lang="en-US" dirty="0"/>
+            <a:fld id="{3E2D90C1-56A7-41FB-A8D0-E500925E43F2}" type="datetime1">
+              <a:rPr lang="en-US" smtClean="0"/>
               <a:t>4/14/2018</a:t>
             </a:fld>
             <a:endParaRPr lang="en-US" dirty="0"/>
@@ -7566,8 +7921,8 @@
           <a:bodyPr/>
           <a:lstStyle/>
           <a:p>
-            <a:fld id="{48A87A34-81AB-432B-8DAE-1953F412C126}" type="datetimeFigureOut">
-              <a:rPr lang="en-US" dirty="0"/>
+            <a:fld id="{9F1D243F-124E-4E30-8A16-93F0DB8A81C1}" type="datetime1">
+              <a:rPr lang="en-US" smtClean="0"/>
               <a:t>4/14/2018</a:t>
             </a:fld>
             <a:endParaRPr lang="en-US" dirty="0"/>
@@ -7793,8 +8148,8 @@
           <a:bodyPr/>
           <a:lstStyle/>
           <a:p>
-            <a:fld id="{48A87A34-81AB-432B-8DAE-1953F412C126}" type="datetimeFigureOut">
-              <a:rPr lang="en-US" dirty="0"/>
+            <a:fld id="{741F534B-592F-49E2-98C3-F771841B2568}" type="datetime1">
+              <a:rPr lang="en-US" smtClean="0"/>
               <a:t>4/14/2018</a:t>
             </a:fld>
             <a:endParaRPr lang="en-US" dirty="0"/>
@@ -8169,8 +8524,8 @@
           <a:bodyPr/>
           <a:lstStyle/>
           <a:p>
-            <a:fld id="{48A87A34-81AB-432B-8DAE-1953F412C126}" type="datetimeFigureOut">
-              <a:rPr lang="en-US" dirty="0"/>
+            <a:fld id="{24D0D35C-D667-4151-B64A-39AD5875BB3C}" type="datetime1">
+              <a:rPr lang="en-US" smtClean="0"/>
               <a:t>4/14/2018</a:t>
             </a:fld>
             <a:endParaRPr lang="en-US" dirty="0"/>
@@ -8282,8 +8637,8 @@
           <a:bodyPr/>
           <a:lstStyle/>
           <a:p>
-            <a:fld id="{48A87A34-81AB-432B-8DAE-1953F412C126}" type="datetimeFigureOut">
-              <a:rPr lang="en-US" dirty="0"/>
+            <a:fld id="{03C9ED46-37CD-441C-8FE1-2C042A964BD0}" type="datetime1">
+              <a:rPr lang="en-US" smtClean="0"/>
               <a:t>4/14/2018</a:t>
             </a:fld>
             <a:endParaRPr lang="en-US" dirty="0"/>
@@ -8372,8 +8727,8 @@
           <a:bodyPr/>
           <a:lstStyle/>
           <a:p>
-            <a:fld id="{48A87A34-81AB-432B-8DAE-1953F412C126}" type="datetimeFigureOut">
-              <a:rPr lang="en-US" dirty="0"/>
+            <a:fld id="{914D2B08-2345-4A0F-91EF-7583E9FBEDC8}" type="datetime1">
+              <a:rPr lang="en-US" smtClean="0"/>
               <a:t>4/14/2018</a:t>
             </a:fld>
             <a:endParaRPr lang="en-US" dirty="0"/>
@@ -8616,8 +8971,8 @@
           <a:bodyPr/>
           <a:lstStyle/>
           <a:p>
-            <a:fld id="{48A87A34-81AB-432B-8DAE-1953F412C126}" type="datetimeFigureOut">
-              <a:rPr lang="en-US" dirty="0"/>
+            <a:fld id="{5DBFF6E4-9C00-40E0-8888-0111B2450E24}" type="datetime1">
+              <a:rPr lang="en-US" smtClean="0"/>
               <a:t>4/14/2018</a:t>
             </a:fld>
             <a:endParaRPr lang="en-US" dirty="0"/>
@@ -8891,8 +9246,8 @@
           <a:bodyPr/>
           <a:lstStyle/>
           <a:p>
-            <a:fld id="{48A87A34-81AB-432B-8DAE-1953F412C126}" type="datetimeFigureOut">
-              <a:rPr lang="en-US" dirty="0"/>
+            <a:fld id="{817C564B-6585-4248-ABEB-B271FF2627E2}" type="datetime1">
+              <a:rPr lang="en-US" smtClean="0"/>
               <a:t>4/14/2018</a:t>
             </a:fld>
             <a:endParaRPr lang="en-US" dirty="0"/>
@@ -9011,7 +9366,7 @@
           <a:noFill/>
           <a:extLst>
             <a:ext uri="{909E8E84-426E-40dd-AFC4-6F175D3DCCD1}">
-              <a14:hiddenFill xmlns="" xmlns:a14="http://schemas.microsoft.com/office/drawing/2010/main">
+              <a14:hiddenFill xmlns:a14="http://schemas.microsoft.com/office/drawing/2010/main" xmlns="">
                 <a:solidFill>
                   <a:srgbClr val="FFFFFF"/>
                 </a:solidFill>
@@ -9085,7 +9440,7 @@
               </a:ln>
               <a:extLst>
                 <a:ext uri="{91240B29-F687-4f45-9708-019B960494DF}">
-                  <a14:hiddenLine xmlns="" xmlns:a14="http://schemas.microsoft.com/office/drawing/2010/main" w="9525">
+                  <a14:hiddenLine xmlns:a14="http://schemas.microsoft.com/office/drawing/2010/main" xmlns="" w="9525">
                     <a:solidFill>
                       <a:srgbClr val="000000"/>
                     </a:solidFill>
@@ -9175,7 +9530,7 @@
               </a:ln>
               <a:extLst>
                 <a:ext uri="{91240B29-F687-4f45-9708-019B960494DF}">
-                  <a14:hiddenLine xmlns="" xmlns:a14="http://schemas.microsoft.com/office/drawing/2010/main" w="9525">
+                  <a14:hiddenLine xmlns:a14="http://schemas.microsoft.com/office/drawing/2010/main" xmlns="" w="9525">
                     <a:solidFill>
                       <a:srgbClr val="000000"/>
                     </a:solidFill>
@@ -9265,7 +9620,7 @@
               </a:ln>
               <a:extLst>
                 <a:ext uri="{91240B29-F687-4f45-9708-019B960494DF}">
-                  <a14:hiddenLine xmlns="" xmlns:a14="http://schemas.microsoft.com/office/drawing/2010/main" w="9525">
+                  <a14:hiddenLine xmlns:a14="http://schemas.microsoft.com/office/drawing/2010/main" xmlns="" w="9525">
                     <a:solidFill>
                       <a:srgbClr val="000000"/>
                     </a:solidFill>
@@ -9327,7 +9682,7 @@
               </a:ln>
               <a:extLst>
                 <a:ext uri="{91240B29-F687-4f45-9708-019B960494DF}">
-                  <a14:hiddenLine xmlns="" xmlns:a14="http://schemas.microsoft.com/office/drawing/2010/main" w="9525">
+                  <a14:hiddenLine xmlns:a14="http://schemas.microsoft.com/office/drawing/2010/main" xmlns="" w="9525">
                     <a:solidFill>
                       <a:srgbClr val="000000"/>
                     </a:solidFill>
@@ -9417,7 +9772,7 @@
               </a:ln>
               <a:extLst>
                 <a:ext uri="{91240B29-F687-4f45-9708-019B960494DF}">
-                  <a14:hiddenLine xmlns="" xmlns:a14="http://schemas.microsoft.com/office/drawing/2010/main" w="9525">
+                  <a14:hiddenLine xmlns:a14="http://schemas.microsoft.com/office/drawing/2010/main" xmlns="" w="9525">
                     <a:solidFill>
                       <a:srgbClr val="000000"/>
                     </a:solidFill>
@@ -9479,7 +9834,7 @@
               </a:ln>
               <a:extLst>
                 <a:ext uri="{91240B29-F687-4f45-9708-019B960494DF}">
-                  <a14:hiddenLine xmlns="" xmlns:a14="http://schemas.microsoft.com/office/drawing/2010/main" w="9525">
+                  <a14:hiddenLine xmlns:a14="http://schemas.microsoft.com/office/drawing/2010/main" xmlns="" w="9525">
                     <a:solidFill>
                       <a:srgbClr val="000000"/>
                     </a:solidFill>
@@ -9541,7 +9896,7 @@
               </a:ln>
               <a:extLst>
                 <a:ext uri="{91240B29-F687-4f45-9708-019B960494DF}">
-                  <a14:hiddenLine xmlns="" xmlns:a14="http://schemas.microsoft.com/office/drawing/2010/main" w="9525">
+                  <a14:hiddenLine xmlns:a14="http://schemas.microsoft.com/office/drawing/2010/main" xmlns="" w="9525">
                     <a:solidFill>
                       <a:srgbClr val="000000"/>
                     </a:solidFill>
@@ -9631,7 +9986,7 @@
               </a:ln>
               <a:extLst>
                 <a:ext uri="{91240B29-F687-4f45-9708-019B960494DF}">
-                  <a14:hiddenLine xmlns="" xmlns:a14="http://schemas.microsoft.com/office/drawing/2010/main" w="9525">
+                  <a14:hiddenLine xmlns:a14="http://schemas.microsoft.com/office/drawing/2010/main" xmlns="" w="9525">
                     <a:solidFill>
                       <a:srgbClr val="000000"/>
                     </a:solidFill>
@@ -9721,7 +10076,7 @@
               </a:ln>
               <a:extLst>
                 <a:ext uri="{91240B29-F687-4f45-9708-019B960494DF}">
-                  <a14:hiddenLine xmlns="" xmlns:a14="http://schemas.microsoft.com/office/drawing/2010/main" w="9525">
+                  <a14:hiddenLine xmlns:a14="http://schemas.microsoft.com/office/drawing/2010/main" xmlns="" w="9525">
                     <a:solidFill>
                       <a:srgbClr val="000000"/>
                     </a:solidFill>
@@ -9783,7 +10138,7 @@
               </a:ln>
               <a:extLst>
                 <a:ext uri="{91240B29-F687-4f45-9708-019B960494DF}">
-                  <a14:hiddenLine xmlns="" xmlns:a14="http://schemas.microsoft.com/office/drawing/2010/main" w="9525">
+                  <a14:hiddenLine xmlns:a14="http://schemas.microsoft.com/office/drawing/2010/main" xmlns="" w="9525">
                     <a:solidFill>
                       <a:srgbClr val="000000"/>
                     </a:solidFill>
@@ -9893,7 +10248,7 @@
               </a:ln>
               <a:extLst>
                 <a:ext uri="{91240B29-F687-4f45-9708-019B960494DF}">
-                  <a14:hiddenLine xmlns="" xmlns:a14="http://schemas.microsoft.com/office/drawing/2010/main" w="9525">
+                  <a14:hiddenLine xmlns:a14="http://schemas.microsoft.com/office/drawing/2010/main" xmlns="" w="9525">
                     <a:solidFill>
                       <a:srgbClr val="000000"/>
                     </a:solidFill>
@@ -9977,7 +10332,7 @@
               </a:ln>
               <a:extLst>
                 <a:ext uri="{91240B29-F687-4f45-9708-019B960494DF}">
-                  <a14:hiddenLine xmlns="" xmlns:a14="http://schemas.microsoft.com/office/drawing/2010/main" w="9525">
+                  <a14:hiddenLine xmlns:a14="http://schemas.microsoft.com/office/drawing/2010/main" xmlns="" w="9525">
                     <a:solidFill>
                       <a:srgbClr val="000000"/>
                     </a:solidFill>
@@ -10039,7 +10394,7 @@
               </a:ln>
               <a:extLst>
                 <a:ext uri="{91240B29-F687-4f45-9708-019B960494DF}">
-                  <a14:hiddenLine xmlns="" xmlns:a14="http://schemas.microsoft.com/office/drawing/2010/main" w="9525">
+                  <a14:hiddenLine xmlns:a14="http://schemas.microsoft.com/office/drawing/2010/main" xmlns="" w="9525">
                     <a:solidFill>
                       <a:srgbClr val="000000"/>
                     </a:solidFill>
@@ -10101,7 +10456,7 @@
               </a:ln>
               <a:extLst>
                 <a:ext uri="{91240B29-F687-4f45-9708-019B960494DF}">
-                  <a14:hiddenLine xmlns="" xmlns:a14="http://schemas.microsoft.com/office/drawing/2010/main" w="9525">
+                  <a14:hiddenLine xmlns:a14="http://schemas.microsoft.com/office/drawing/2010/main" xmlns="" w="9525">
                     <a:solidFill>
                       <a:srgbClr val="000000"/>
                     </a:solidFill>
@@ -10191,7 +10546,7 @@
               </a:ln>
               <a:extLst>
                 <a:ext uri="{91240B29-F687-4f45-9708-019B960494DF}">
-                  <a14:hiddenLine xmlns="" xmlns:a14="http://schemas.microsoft.com/office/drawing/2010/main" w="9525">
+                  <a14:hiddenLine xmlns:a14="http://schemas.microsoft.com/office/drawing/2010/main" xmlns="" w="9525">
                     <a:solidFill>
                       <a:srgbClr val="000000"/>
                     </a:solidFill>
@@ -10225,7 +10580,7 @@
               </a:ln>
               <a:extLst>
                 <a:ext uri="{91240B29-F687-4f45-9708-019B960494DF}">
-                  <a14:hiddenLine xmlns="" xmlns:a14="http://schemas.microsoft.com/office/drawing/2010/main" w="9525">
+                  <a14:hiddenLine xmlns:a14="http://schemas.microsoft.com/office/drawing/2010/main" xmlns="" w="9525">
                     <a:solidFill>
                       <a:srgbClr val="000000"/>
                     </a:solidFill>
@@ -10290,7 +10645,7 @@
               </a:ln>
               <a:extLst>
                 <a:ext uri="{91240B29-F687-4f45-9708-019B960494DF}">
-                  <a14:hiddenLine xmlns="" xmlns:a14="http://schemas.microsoft.com/office/drawing/2010/main" w="9525">
+                  <a14:hiddenLine xmlns:a14="http://schemas.microsoft.com/office/drawing/2010/main" xmlns="" w="9525">
                     <a:solidFill>
                       <a:srgbClr val="000000"/>
                     </a:solidFill>
@@ -10380,7 +10735,7 @@
               </a:ln>
               <a:extLst>
                 <a:ext uri="{91240B29-F687-4f45-9708-019B960494DF}">
-                  <a14:hiddenLine xmlns="" xmlns:a14="http://schemas.microsoft.com/office/drawing/2010/main" w="9525">
+                  <a14:hiddenLine xmlns:a14="http://schemas.microsoft.com/office/drawing/2010/main" xmlns="" w="9525">
                     <a:solidFill>
                       <a:srgbClr val="000000"/>
                     </a:solidFill>
@@ -10442,7 +10797,7 @@
               </a:ln>
               <a:extLst>
                 <a:ext uri="{91240B29-F687-4f45-9708-019B960494DF}">
-                  <a14:hiddenLine xmlns="" xmlns:a14="http://schemas.microsoft.com/office/drawing/2010/main" w="9525">
+                  <a14:hiddenLine xmlns:a14="http://schemas.microsoft.com/office/drawing/2010/main" xmlns="" w="9525">
                     <a:solidFill>
                       <a:srgbClr val="000000"/>
                     </a:solidFill>
@@ -10532,7 +10887,7 @@
               </a:ln>
               <a:extLst>
                 <a:ext uri="{91240B29-F687-4f45-9708-019B960494DF}">
-                  <a14:hiddenLine xmlns="" xmlns:a14="http://schemas.microsoft.com/office/drawing/2010/main" w="9525">
+                  <a14:hiddenLine xmlns:a14="http://schemas.microsoft.com/office/drawing/2010/main" xmlns="" w="9525">
                     <a:solidFill>
                       <a:srgbClr val="000000"/>
                     </a:solidFill>
@@ -10597,7 +10952,7 @@
               </a:ln>
               <a:extLst>
                 <a:ext uri="{91240B29-F687-4f45-9708-019B960494DF}">
-                  <a14:hiddenLine xmlns="" xmlns:a14="http://schemas.microsoft.com/office/drawing/2010/main" w="9525">
+                  <a14:hiddenLine xmlns:a14="http://schemas.microsoft.com/office/drawing/2010/main" xmlns="" w="9525">
                     <a:solidFill>
                       <a:srgbClr val="000000"/>
                     </a:solidFill>
@@ -10659,7 +11014,7 @@
               </a:ln>
               <a:extLst>
                 <a:ext uri="{91240B29-F687-4f45-9708-019B960494DF}">
-                  <a14:hiddenLine xmlns="" xmlns:a14="http://schemas.microsoft.com/office/drawing/2010/main" w="9525">
+                  <a14:hiddenLine xmlns:a14="http://schemas.microsoft.com/office/drawing/2010/main" xmlns="" w="9525">
                     <a:solidFill>
                       <a:srgbClr val="000000"/>
                     </a:solidFill>
@@ -10749,7 +11104,7 @@
               </a:ln>
               <a:extLst>
                 <a:ext uri="{91240B29-F687-4f45-9708-019B960494DF}">
-                  <a14:hiddenLine xmlns="" xmlns:a14="http://schemas.microsoft.com/office/drawing/2010/main" w="9525">
+                  <a14:hiddenLine xmlns:a14="http://schemas.microsoft.com/office/drawing/2010/main" xmlns="" w="9525">
                     <a:solidFill>
                       <a:srgbClr val="000000"/>
                     </a:solidFill>
@@ -10839,7 +11194,7 @@
               </a:ln>
               <a:extLst>
                 <a:ext uri="{91240B29-F687-4f45-9708-019B960494DF}">
-                  <a14:hiddenLine xmlns="" xmlns:a14="http://schemas.microsoft.com/office/drawing/2010/main" w="9525">
+                  <a14:hiddenLine xmlns:a14="http://schemas.microsoft.com/office/drawing/2010/main" xmlns="" w="9525">
                     <a:solidFill>
                       <a:srgbClr val="000000"/>
                     </a:solidFill>
@@ -10904,7 +11259,7 @@
               </a:ln>
               <a:extLst>
                 <a:ext uri="{91240B29-F687-4f45-9708-019B960494DF}">
-                  <a14:hiddenLine xmlns="" xmlns:a14="http://schemas.microsoft.com/office/drawing/2010/main" w="9525">
+                  <a14:hiddenLine xmlns:a14="http://schemas.microsoft.com/office/drawing/2010/main" xmlns="" w="9525">
                     <a:solidFill>
                       <a:srgbClr val="000000"/>
                     </a:solidFill>
@@ -11024,7 +11379,7 @@
               </a:ln>
               <a:extLst>
                 <a:ext uri="{91240B29-F687-4f45-9708-019B960494DF}">
-                  <a14:hiddenLine xmlns="" xmlns:a14="http://schemas.microsoft.com/office/drawing/2010/main" w="9525">
+                  <a14:hiddenLine xmlns:a14="http://schemas.microsoft.com/office/drawing/2010/main" xmlns="" w="9525">
                     <a:solidFill>
                       <a:srgbClr val="000000"/>
                     </a:solidFill>
@@ -11122,7 +11477,7 @@
               </a:ln>
               <a:extLst>
                 <a:ext uri="{91240B29-F687-4f45-9708-019B960494DF}">
-                  <a14:hiddenLine xmlns="" xmlns:a14="http://schemas.microsoft.com/office/drawing/2010/main" w="9525">
+                  <a14:hiddenLine xmlns:a14="http://schemas.microsoft.com/office/drawing/2010/main" xmlns="" w="9525">
                     <a:solidFill>
                       <a:srgbClr val="000000"/>
                     </a:solidFill>
@@ -11237,7 +11592,7 @@
               </a:ln>
               <a:extLst>
                 <a:ext uri="{91240B29-F687-4f45-9708-019B960494DF}">
-                  <a14:hiddenLine xmlns="" xmlns:a14="http://schemas.microsoft.com/office/drawing/2010/main" w="9525">
+                  <a14:hiddenLine xmlns:a14="http://schemas.microsoft.com/office/drawing/2010/main" xmlns="" w="9525">
                     <a:solidFill>
                       <a:srgbClr val="000000"/>
                     </a:solidFill>
@@ -11327,7 +11682,7 @@
               </a:ln>
               <a:extLst>
                 <a:ext uri="{91240B29-F687-4f45-9708-019B960494DF}">
-                  <a14:hiddenLine xmlns="" xmlns:a14="http://schemas.microsoft.com/office/drawing/2010/main" w="9525">
+                  <a14:hiddenLine xmlns:a14="http://schemas.microsoft.com/office/drawing/2010/main" xmlns="" w="9525">
                     <a:solidFill>
                       <a:srgbClr val="000000"/>
                     </a:solidFill>
@@ -11392,7 +11747,7 @@
               </a:ln>
               <a:extLst>
                 <a:ext uri="{91240B29-F687-4f45-9708-019B960494DF}">
-                  <a14:hiddenLine xmlns="" xmlns:a14="http://schemas.microsoft.com/office/drawing/2010/main" w="9525">
+                  <a14:hiddenLine xmlns:a14="http://schemas.microsoft.com/office/drawing/2010/main" xmlns="" w="9525">
                     <a:solidFill>
                       <a:srgbClr val="000000"/>
                     </a:solidFill>
@@ -11482,7 +11837,7 @@
               </a:ln>
               <a:extLst>
                 <a:ext uri="{91240B29-F687-4f45-9708-019B960494DF}">
-                  <a14:hiddenLine xmlns="" xmlns:a14="http://schemas.microsoft.com/office/drawing/2010/main" w="9525">
+                  <a14:hiddenLine xmlns:a14="http://schemas.microsoft.com/office/drawing/2010/main" xmlns="" w="9525">
                     <a:solidFill>
                       <a:srgbClr val="000000"/>
                     </a:solidFill>
@@ -11550,7 +11905,7 @@
               </a:ln>
               <a:extLst>
                 <a:ext uri="{91240B29-F687-4f45-9708-019B960494DF}">
-                  <a14:hiddenLine xmlns="" xmlns:a14="http://schemas.microsoft.com/office/drawing/2010/main" w="9525">
+                  <a14:hiddenLine xmlns:a14="http://schemas.microsoft.com/office/drawing/2010/main" xmlns="" w="9525">
                     <a:solidFill>
                       <a:srgbClr val="000000"/>
                     </a:solidFill>
@@ -11640,7 +11995,7 @@
               </a:ln>
               <a:extLst>
                 <a:ext uri="{91240B29-F687-4f45-9708-019B960494DF}">
-                  <a14:hiddenLine xmlns="" xmlns:a14="http://schemas.microsoft.com/office/drawing/2010/main" w="9525">
+                  <a14:hiddenLine xmlns:a14="http://schemas.microsoft.com/office/drawing/2010/main" xmlns="" w="9525">
                     <a:solidFill>
                       <a:srgbClr val="000000"/>
                     </a:solidFill>
@@ -11708,7 +12063,7 @@
               </a:ln>
               <a:extLst>
                 <a:ext uri="{91240B29-F687-4f45-9708-019B960494DF}">
-                  <a14:hiddenLine xmlns="" xmlns:a14="http://schemas.microsoft.com/office/drawing/2010/main" w="9525">
+                  <a14:hiddenLine xmlns:a14="http://schemas.microsoft.com/office/drawing/2010/main" xmlns="" w="9525">
                     <a:solidFill>
                       <a:srgbClr val="000000"/>
                     </a:solidFill>
@@ -11798,7 +12153,7 @@
               </a:ln>
               <a:extLst>
                 <a:ext uri="{91240B29-F687-4f45-9708-019B960494DF}">
-                  <a14:hiddenLine xmlns="" xmlns:a14="http://schemas.microsoft.com/office/drawing/2010/main" w="9525">
+                  <a14:hiddenLine xmlns:a14="http://schemas.microsoft.com/office/drawing/2010/main" xmlns="" w="9525">
                     <a:solidFill>
                       <a:srgbClr val="000000"/>
                     </a:solidFill>
@@ -11832,7 +12187,7 @@
               </a:ln>
               <a:extLst>
                 <a:ext uri="{91240B29-F687-4f45-9708-019B960494DF}">
-                  <a14:hiddenLine xmlns="" xmlns:a14="http://schemas.microsoft.com/office/drawing/2010/main" w="9525">
+                  <a14:hiddenLine xmlns:a14="http://schemas.microsoft.com/office/drawing/2010/main" xmlns="" w="9525">
                     <a:solidFill>
                       <a:srgbClr val="000000"/>
                     </a:solidFill>
@@ -11970,9 +12325,8 @@
             </a:lvl1pPr>
           </a:lstStyle>
           <a:p>
-            <a:fld id="{48A87A34-81AB-432B-8DAE-1953F412C126}" type="datetimeFigureOut">
-              <a:rPr lang="en-US" dirty="0"/>
-              <a:pPr/>
+            <a:fld id="{B08E032C-E9B4-400F-8610-EE0BF813F7C2}" type="datetime1">
+              <a:rPr lang="en-US" smtClean="0"/>
               <a:t>4/14/2018</a:t>
             </a:fld>
             <a:endParaRPr lang="en-US" dirty="0"/>
@@ -12080,6 +12434,7 @@
     <p:sldLayoutId id="2147483658" r:id="rId16"/>
     <p:sldLayoutId id="2147483659" r:id="rId17"/>
   </p:sldLayoutIdLst>
+  <p:hf hdr="0" ftr="0" dt="0"/>
   <p:txStyles>
     <p:titleStyle>
       <a:lvl1pPr algn="l" defTabSz="914400" rtl="0" eaLnBrk="1" latinLnBrk="0" hangingPunct="1">
@@ -12696,6 +13051,35 @@
           </a:prstGeom>
         </p:spPr>
       </p:pic>
+      <p:sp>
+        <p:nvSpPr>
+          <p:cNvPr id="5" name="Espace réservé du numéro de diapositive 4">
+            <a:extLst>
+              <a:ext uri="{FF2B5EF4-FFF2-40B4-BE49-F238E27FC236}">
+                <a16:creationId xmlns:a16="http://schemas.microsoft.com/office/drawing/2014/main" id="{1F1CD20F-7BAC-4191-843A-F4681A130470}"/>
+              </a:ext>
+            </a:extLst>
+          </p:cNvPr>
+          <p:cNvSpPr>
+            <a:spLocks noGrp="1"/>
+          </p:cNvSpPr>
+          <p:nvPr>
+            <p:ph type="sldNum" sz="quarter" idx="12"/>
+          </p:nvPr>
+        </p:nvSpPr>
+        <p:spPr/>
+        <p:txBody>
+          <a:bodyPr/>
+          <a:lstStyle/>
+          <a:p>
+            <a:fld id="{6D22F896-40B5-4ADD-8801-0D06FADFA095}" type="slidenum">
+              <a:rPr lang="en-US" smtClean="0"/>
+              <a:t>10</a:t>
+            </a:fld>
+            <a:endParaRPr lang="en-US" dirty="0"/>
+          </a:p>
+        </p:txBody>
+      </p:sp>
     </p:spTree>
     <p:extLst>
       <p:ext uri="{BB962C8B-B14F-4D97-AF65-F5344CB8AC3E}">
@@ -12868,6 +13252,35 @@
           </a:p>
         </p:txBody>
       </p:sp>
+      <p:sp>
+        <p:nvSpPr>
+          <p:cNvPr id="5" name="Espace réservé du numéro de diapositive 4">
+            <a:extLst>
+              <a:ext uri="{FF2B5EF4-FFF2-40B4-BE49-F238E27FC236}">
+                <a16:creationId xmlns:a16="http://schemas.microsoft.com/office/drawing/2014/main" id="{FD7E456D-D0FF-414F-BF70-4F6E2D25DAD1}"/>
+              </a:ext>
+            </a:extLst>
+          </p:cNvPr>
+          <p:cNvSpPr>
+            <a:spLocks noGrp="1"/>
+          </p:cNvSpPr>
+          <p:nvPr>
+            <p:ph type="sldNum" sz="quarter" idx="12"/>
+          </p:nvPr>
+        </p:nvSpPr>
+        <p:spPr/>
+        <p:txBody>
+          <a:bodyPr/>
+          <a:lstStyle/>
+          <a:p>
+            <a:fld id="{6D22F896-40B5-4ADD-8801-0D06FADFA095}" type="slidenum">
+              <a:rPr lang="en-US" smtClean="0"/>
+              <a:t>2</a:t>
+            </a:fld>
+            <a:endParaRPr lang="en-US" dirty="0"/>
+          </a:p>
+        </p:txBody>
+      </p:sp>
     </p:spTree>
     <p:extLst>
       <p:ext uri="{BB962C8B-B14F-4D97-AF65-F5344CB8AC3E}">
@@ -13038,6 +13451,35 @@
           </a:prstGeom>
         </p:spPr>
       </p:pic>
+      <p:sp>
+        <p:nvSpPr>
+          <p:cNvPr id="6" name="Espace réservé du numéro de diapositive 5">
+            <a:extLst>
+              <a:ext uri="{FF2B5EF4-FFF2-40B4-BE49-F238E27FC236}">
+                <a16:creationId xmlns:a16="http://schemas.microsoft.com/office/drawing/2014/main" id="{2147B56B-77E7-48DB-B8B5-E2890AA5E460}"/>
+              </a:ext>
+            </a:extLst>
+          </p:cNvPr>
+          <p:cNvSpPr>
+            <a:spLocks noGrp="1"/>
+          </p:cNvSpPr>
+          <p:nvPr>
+            <p:ph type="sldNum" sz="quarter" idx="12"/>
+          </p:nvPr>
+        </p:nvSpPr>
+        <p:spPr/>
+        <p:txBody>
+          <a:bodyPr/>
+          <a:lstStyle/>
+          <a:p>
+            <a:fld id="{6D22F896-40B5-4ADD-8801-0D06FADFA095}" type="slidenum">
+              <a:rPr lang="en-US" smtClean="0"/>
+              <a:t>3</a:t>
+            </a:fld>
+            <a:endParaRPr lang="en-US" dirty="0"/>
+          </a:p>
+        </p:txBody>
+      </p:sp>
     </p:spTree>
     <p:extLst>
       <p:ext uri="{BB962C8B-B14F-4D97-AF65-F5344CB8AC3E}">
@@ -13287,6 +13729,35 @@
           </a:prstGeom>
         </p:spPr>
       </p:pic>
+      <p:sp>
+        <p:nvSpPr>
+          <p:cNvPr id="7" name="Espace réservé du numéro de diapositive 6">
+            <a:extLst>
+              <a:ext uri="{FF2B5EF4-FFF2-40B4-BE49-F238E27FC236}">
+                <a16:creationId xmlns:a16="http://schemas.microsoft.com/office/drawing/2014/main" id="{1301D48C-4D08-491D-9547-A0A71E3A065B}"/>
+              </a:ext>
+            </a:extLst>
+          </p:cNvPr>
+          <p:cNvSpPr>
+            <a:spLocks noGrp="1"/>
+          </p:cNvSpPr>
+          <p:nvPr>
+            <p:ph type="sldNum" sz="quarter" idx="12"/>
+          </p:nvPr>
+        </p:nvSpPr>
+        <p:spPr/>
+        <p:txBody>
+          <a:bodyPr/>
+          <a:lstStyle/>
+          <a:p>
+            <a:fld id="{6D22F896-40B5-4ADD-8801-0D06FADFA095}" type="slidenum">
+              <a:rPr lang="en-US" smtClean="0"/>
+              <a:t>4</a:t>
+            </a:fld>
+            <a:endParaRPr lang="en-US" dirty="0"/>
+          </a:p>
+        </p:txBody>
+      </p:sp>
     </p:spTree>
     <p:extLst>
       <p:ext uri="{BB962C8B-B14F-4D97-AF65-F5344CB8AC3E}">
@@ -13531,6 +14002,35 @@
           </a:prstGeom>
         </p:spPr>
       </p:pic>
+      <p:sp>
+        <p:nvSpPr>
+          <p:cNvPr id="4" name="Espace réservé du numéro de diapositive 3">
+            <a:extLst>
+              <a:ext uri="{FF2B5EF4-FFF2-40B4-BE49-F238E27FC236}">
+                <a16:creationId xmlns:a16="http://schemas.microsoft.com/office/drawing/2014/main" id="{0F19F77D-3E02-4D09-B898-6383D6BBF90F}"/>
+              </a:ext>
+            </a:extLst>
+          </p:cNvPr>
+          <p:cNvSpPr>
+            <a:spLocks noGrp="1"/>
+          </p:cNvSpPr>
+          <p:nvPr>
+            <p:ph type="sldNum" sz="quarter" idx="12"/>
+          </p:nvPr>
+        </p:nvSpPr>
+        <p:spPr/>
+        <p:txBody>
+          <a:bodyPr/>
+          <a:lstStyle/>
+          <a:p>
+            <a:fld id="{6D22F896-40B5-4ADD-8801-0D06FADFA095}" type="slidenum">
+              <a:rPr lang="en-US" smtClean="0"/>
+              <a:t>5</a:t>
+            </a:fld>
+            <a:endParaRPr lang="en-US" dirty="0"/>
+          </a:p>
+        </p:txBody>
+      </p:sp>
     </p:spTree>
     <p:extLst>
       <p:ext uri="{BB962C8B-B14F-4D97-AF65-F5344CB8AC3E}">
@@ -13612,6 +14112,35 @@
           <a:lstStyle/>
           <a:p>
             <a:endParaRPr lang="fr-FR" dirty="0"/>
+          </a:p>
+        </p:txBody>
+      </p:sp>
+      <p:sp>
+        <p:nvSpPr>
+          <p:cNvPr id="5" name="Espace réservé du numéro de diapositive 4">
+            <a:extLst>
+              <a:ext uri="{FF2B5EF4-FFF2-40B4-BE49-F238E27FC236}">
+                <a16:creationId xmlns:a16="http://schemas.microsoft.com/office/drawing/2014/main" id="{7EF44669-6FCF-4E16-9D00-9435A806CED9}"/>
+              </a:ext>
+            </a:extLst>
+          </p:cNvPr>
+          <p:cNvSpPr>
+            <a:spLocks noGrp="1"/>
+          </p:cNvSpPr>
+          <p:nvPr>
+            <p:ph type="sldNum" sz="quarter" idx="12"/>
+          </p:nvPr>
+        </p:nvSpPr>
+        <p:spPr/>
+        <p:txBody>
+          <a:bodyPr/>
+          <a:lstStyle/>
+          <a:p>
+            <a:fld id="{6D22F896-40B5-4ADD-8801-0D06FADFA095}" type="slidenum">
+              <a:rPr lang="en-US" smtClean="0"/>
+              <a:t>6</a:t>
+            </a:fld>
+            <a:endParaRPr lang="en-US" dirty="0"/>
           </a:p>
         </p:txBody>
       </p:sp>
@@ -13840,6 +14369,35 @@
           </a:prstGeom>
         </p:spPr>
       </p:pic>
+      <p:sp>
+        <p:nvSpPr>
+          <p:cNvPr id="5" name="Espace réservé du numéro de diapositive 4">
+            <a:extLst>
+              <a:ext uri="{FF2B5EF4-FFF2-40B4-BE49-F238E27FC236}">
+                <a16:creationId xmlns:a16="http://schemas.microsoft.com/office/drawing/2014/main" id="{DAD15F6A-948F-4598-9DB2-FA1D38C7D6BF}"/>
+              </a:ext>
+            </a:extLst>
+          </p:cNvPr>
+          <p:cNvSpPr>
+            <a:spLocks noGrp="1"/>
+          </p:cNvSpPr>
+          <p:nvPr>
+            <p:ph type="sldNum" sz="quarter" idx="12"/>
+          </p:nvPr>
+        </p:nvSpPr>
+        <p:spPr/>
+        <p:txBody>
+          <a:bodyPr/>
+          <a:lstStyle/>
+          <a:p>
+            <a:fld id="{6D22F896-40B5-4ADD-8801-0D06FADFA095}" type="slidenum">
+              <a:rPr lang="en-US" smtClean="0"/>
+              <a:t>7</a:t>
+            </a:fld>
+            <a:endParaRPr lang="en-US" dirty="0"/>
+          </a:p>
+        </p:txBody>
+      </p:sp>
     </p:spTree>
     <p:extLst>
       <p:ext uri="{BB962C8B-B14F-4D97-AF65-F5344CB8AC3E}">
@@ -14089,6 +14647,35 @@
           </a:prstGeom>
         </p:spPr>
       </p:pic>
+      <p:sp>
+        <p:nvSpPr>
+          <p:cNvPr id="6" name="Espace réservé du numéro de diapositive 5">
+            <a:extLst>
+              <a:ext uri="{FF2B5EF4-FFF2-40B4-BE49-F238E27FC236}">
+                <a16:creationId xmlns:a16="http://schemas.microsoft.com/office/drawing/2014/main" id="{902D3676-BE36-4841-82C3-694501A47BA3}"/>
+              </a:ext>
+            </a:extLst>
+          </p:cNvPr>
+          <p:cNvSpPr>
+            <a:spLocks noGrp="1"/>
+          </p:cNvSpPr>
+          <p:nvPr>
+            <p:ph type="sldNum" sz="quarter" idx="12"/>
+          </p:nvPr>
+        </p:nvSpPr>
+        <p:spPr/>
+        <p:txBody>
+          <a:bodyPr/>
+          <a:lstStyle/>
+          <a:p>
+            <a:fld id="{6D22F896-40B5-4ADD-8801-0D06FADFA095}" type="slidenum">
+              <a:rPr lang="en-US" smtClean="0"/>
+              <a:t>8</a:t>
+            </a:fld>
+            <a:endParaRPr lang="en-US" dirty="0"/>
+          </a:p>
+        </p:txBody>
+      </p:sp>
     </p:spTree>
     <p:extLst>
       <p:ext uri="{BB962C8B-B14F-4D97-AF65-F5344CB8AC3E}">
@@ -14207,6 +14794,35 @@
               <a:rPr lang="fr-FR" dirty="0"/>
               <a:t>Utilisation de machine virtuelle si plus de temps</a:t>
             </a:r>
+          </a:p>
+        </p:txBody>
+      </p:sp>
+      <p:sp>
+        <p:nvSpPr>
+          <p:cNvPr id="5" name="Espace réservé du numéro de diapositive 4">
+            <a:extLst>
+              <a:ext uri="{FF2B5EF4-FFF2-40B4-BE49-F238E27FC236}">
+                <a16:creationId xmlns:a16="http://schemas.microsoft.com/office/drawing/2014/main" id="{C10FAB02-C8DE-4D96-A8FB-E42335A3E12A}"/>
+              </a:ext>
+            </a:extLst>
+          </p:cNvPr>
+          <p:cNvSpPr>
+            <a:spLocks noGrp="1"/>
+          </p:cNvSpPr>
+          <p:nvPr>
+            <p:ph type="sldNum" sz="quarter" idx="12"/>
+          </p:nvPr>
+        </p:nvSpPr>
+        <p:spPr/>
+        <p:txBody>
+          <a:bodyPr/>
+          <a:lstStyle/>
+          <a:p>
+            <a:fld id="{6D22F896-40B5-4ADD-8801-0D06FADFA095}" type="slidenum">
+              <a:rPr lang="en-US" smtClean="0"/>
+              <a:t>9</a:t>
+            </a:fld>
+            <a:endParaRPr lang="en-US" dirty="0"/>
           </a:p>
         </p:txBody>
       </p:sp>
@@ -14472,4 +15088,299 @@
     </a:ext>
   </a:extLst>
 </a:theme>
+</file>
+
+<file path=ppt/theme/theme2.xml><?xml version="1.0" encoding="utf-8"?>
+<a:theme xmlns:a="http://schemas.openxmlformats.org/drawingml/2006/main" name="Thème Office">
+  <a:themeElements>
+    <a:clrScheme name="Office">
+      <a:dk1>
+        <a:sysClr val="windowText" lastClr="000000"/>
+      </a:dk1>
+      <a:lt1>
+        <a:sysClr val="window" lastClr="FFFFFF"/>
+      </a:lt1>
+      <a:dk2>
+        <a:srgbClr val="44546A"/>
+      </a:dk2>
+      <a:lt2>
+        <a:srgbClr val="E7E6E6"/>
+      </a:lt2>
+      <a:accent1>
+        <a:srgbClr val="4472C4"/>
+      </a:accent1>
+      <a:accent2>
+        <a:srgbClr val="ED7D31"/>
+      </a:accent2>
+      <a:accent3>
+        <a:srgbClr val="A5A5A5"/>
+      </a:accent3>
+      <a:accent4>
+        <a:srgbClr val="FFC000"/>
+      </a:accent4>
+      <a:accent5>
+        <a:srgbClr val="5B9BD5"/>
+      </a:accent5>
+      <a:accent6>
+        <a:srgbClr val="70AD47"/>
+      </a:accent6>
+      <a:hlink>
+        <a:srgbClr val="0563C1"/>
+      </a:hlink>
+      <a:folHlink>
+        <a:srgbClr val="954F72"/>
+      </a:folHlink>
+    </a:clrScheme>
+    <a:fontScheme name="Office">
+      <a:majorFont>
+        <a:latin typeface="Calibri Light" panose="020F0302020204030204"/>
+        <a:ea typeface=""/>
+        <a:cs typeface=""/>
+        <a:font script="Jpan" typeface="游ゴシック Light"/>
+        <a:font script="Hang" typeface="맑은 고딕"/>
+        <a:font script="Hans" typeface="等线 Light"/>
+        <a:font script="Hant" typeface="新細明體"/>
+        <a:font script="Arab" typeface="Times New Roman"/>
+        <a:font script="Hebr" typeface="Times New Roman"/>
+        <a:font script="Thai" typeface="Angsana New"/>
+        <a:font script="Ethi" typeface="Nyala"/>
+        <a:font script="Beng" typeface="Vrinda"/>
+        <a:font script="Gujr" typeface="Shruti"/>
+        <a:font script="Khmr" typeface="MoolBoran"/>
+        <a:font script="Knda" typeface="Tunga"/>
+        <a:font script="Guru" typeface="Raavi"/>
+        <a:font script="Cans" typeface="Euphemia"/>
+        <a:font script="Cher" typeface="Plantagenet Cherokee"/>
+        <a:font script="Yiii" typeface="Microsoft Yi Baiti"/>
+        <a:font script="Tibt" typeface="Microsoft Himalaya"/>
+        <a:font script="Thaa" typeface="MV Boli"/>
+        <a:font script="Deva" typeface="Mangal"/>
+        <a:font script="Telu" typeface="Gautami"/>
+        <a:font script="Taml" typeface="Latha"/>
+        <a:font script="Syrc" typeface="Estrangelo Edessa"/>
+        <a:font script="Orya" typeface="Kalinga"/>
+        <a:font script="Mlym" typeface="Kartika"/>
+        <a:font script="Laoo" typeface="DokChampa"/>
+        <a:font script="Sinh" typeface="Iskoola Pota"/>
+        <a:font script="Mong" typeface="Mongolian Baiti"/>
+        <a:font script="Viet" typeface="Times New Roman"/>
+        <a:font script="Uigh" typeface="Microsoft Uighur"/>
+        <a:font script="Geor" typeface="Sylfaen"/>
+        <a:font script="Armn" typeface="Arial"/>
+        <a:font script="Bugi" typeface="Leelawadee UI"/>
+        <a:font script="Bopo" typeface="Microsoft JhengHei"/>
+        <a:font script="Java" typeface="Javanese Text"/>
+        <a:font script="Lisu" typeface="Segoe UI"/>
+        <a:font script="Mymr" typeface="Myanmar Text"/>
+        <a:font script="Nkoo" typeface="Ebrima"/>
+        <a:font script="Olck" typeface="Nirmala UI"/>
+        <a:font script="Osma" typeface="Ebrima"/>
+        <a:font script="Phag" typeface="Phagspa"/>
+        <a:font script="Syrn" typeface="Estrangelo Edessa"/>
+        <a:font script="Syrj" typeface="Estrangelo Edessa"/>
+        <a:font script="Syre" typeface="Estrangelo Edessa"/>
+        <a:font script="Sora" typeface="Nirmala UI"/>
+        <a:font script="Tale" typeface="Microsoft Tai Le"/>
+        <a:font script="Talu" typeface="Microsoft New Tai Lue"/>
+        <a:font script="Tfng" typeface="Ebrima"/>
+      </a:majorFont>
+      <a:minorFont>
+        <a:latin typeface="Calibri" panose="020F0502020204030204"/>
+        <a:ea typeface=""/>
+        <a:cs typeface=""/>
+        <a:font script="Jpan" typeface="游ゴシック"/>
+        <a:font script="Hang" typeface="맑은 고딕"/>
+        <a:font script="Hans" typeface="等线"/>
+        <a:font script="Hant" typeface="新細明體"/>
+        <a:font script="Arab" typeface="Arial"/>
+        <a:font script="Hebr" typeface="Arial"/>
+        <a:font script="Thai" typeface="Cordia New"/>
+        <a:font script="Ethi" typeface="Nyala"/>
+        <a:font script="Beng" typeface="Vrinda"/>
+        <a:font script="Gujr" typeface="Shruti"/>
+        <a:font script="Khmr" typeface="DaunPenh"/>
+        <a:font script="Knda" typeface="Tunga"/>
+        <a:font script="Guru" typeface="Raavi"/>
+        <a:font script="Cans" typeface="Euphemia"/>
+        <a:font script="Cher" typeface="Plantagenet Cherokee"/>
+        <a:font script="Yiii" typeface="Microsoft Yi Baiti"/>
+        <a:font script="Tibt" typeface="Microsoft Himalaya"/>
+        <a:font script="Thaa" typeface="MV Boli"/>
+        <a:font script="Deva" typeface="Mangal"/>
+        <a:font script="Telu" typeface="Gautami"/>
+        <a:font script="Taml" typeface="Latha"/>
+        <a:font script="Syrc" typeface="Estrangelo Edessa"/>
+        <a:font script="Orya" typeface="Kalinga"/>
+        <a:font script="Mlym" typeface="Kartika"/>
+        <a:font script="Laoo" typeface="DokChampa"/>
+        <a:font script="Sinh" typeface="Iskoola Pota"/>
+        <a:font script="Mong" typeface="Mongolian Baiti"/>
+        <a:font script="Viet" typeface="Arial"/>
+        <a:font script="Uigh" typeface="Microsoft Uighur"/>
+        <a:font script="Geor" typeface="Sylfaen"/>
+        <a:font script="Armn" typeface="Arial"/>
+        <a:font script="Bugi" typeface="Leelawadee UI"/>
+        <a:font script="Bopo" typeface="Microsoft JhengHei"/>
+        <a:font script="Java" typeface="Javanese Text"/>
+        <a:font script="Lisu" typeface="Segoe UI"/>
+        <a:font script="Mymr" typeface="Myanmar Text"/>
+        <a:font script="Nkoo" typeface="Ebrima"/>
+        <a:font script="Olck" typeface="Nirmala UI"/>
+        <a:font script="Osma" typeface="Ebrima"/>
+        <a:font script="Phag" typeface="Phagspa"/>
+        <a:font script="Syrn" typeface="Estrangelo Edessa"/>
+        <a:font script="Syrj" typeface="Estrangelo Edessa"/>
+        <a:font script="Syre" typeface="Estrangelo Edessa"/>
+        <a:font script="Sora" typeface="Nirmala UI"/>
+        <a:font script="Tale" typeface="Microsoft Tai Le"/>
+        <a:font script="Talu" typeface="Microsoft New Tai Lue"/>
+        <a:font script="Tfng" typeface="Ebrima"/>
+      </a:minorFont>
+    </a:fontScheme>
+    <a:fmtScheme name="Office">
+      <a:fillStyleLst>
+        <a:solidFill>
+          <a:schemeClr val="phClr"/>
+        </a:solidFill>
+        <a:gradFill rotWithShape="1">
+          <a:gsLst>
+            <a:gs pos="0">
+              <a:schemeClr val="phClr">
+                <a:lumMod val="110000"/>
+                <a:satMod val="105000"/>
+                <a:tint val="67000"/>
+              </a:schemeClr>
+            </a:gs>
+            <a:gs pos="50000">
+              <a:schemeClr val="phClr">
+                <a:lumMod val="105000"/>
+                <a:satMod val="103000"/>
+                <a:tint val="73000"/>
+              </a:schemeClr>
+            </a:gs>
+            <a:gs pos="100000">
+              <a:schemeClr val="phClr">
+                <a:lumMod val="105000"/>
+                <a:satMod val="109000"/>
+                <a:tint val="81000"/>
+              </a:schemeClr>
+            </a:gs>
+          </a:gsLst>
+          <a:lin ang="5400000" scaled="0"/>
+        </a:gradFill>
+        <a:gradFill rotWithShape="1">
+          <a:gsLst>
+            <a:gs pos="0">
+              <a:schemeClr val="phClr">
+                <a:satMod val="103000"/>
+                <a:lumMod val="102000"/>
+                <a:tint val="94000"/>
+              </a:schemeClr>
+            </a:gs>
+            <a:gs pos="50000">
+              <a:schemeClr val="phClr">
+                <a:satMod val="110000"/>
+                <a:lumMod val="100000"/>
+                <a:shade val="100000"/>
+              </a:schemeClr>
+            </a:gs>
+            <a:gs pos="100000">
+              <a:schemeClr val="phClr">
+                <a:lumMod val="99000"/>
+                <a:satMod val="120000"/>
+                <a:shade val="78000"/>
+              </a:schemeClr>
+            </a:gs>
+          </a:gsLst>
+          <a:lin ang="5400000" scaled="0"/>
+        </a:gradFill>
+      </a:fillStyleLst>
+      <a:lnStyleLst>
+        <a:ln w="6350" cap="flat" cmpd="sng" algn="ctr">
+          <a:solidFill>
+            <a:schemeClr val="phClr"/>
+          </a:solidFill>
+          <a:prstDash val="solid"/>
+          <a:miter lim="800000"/>
+        </a:ln>
+        <a:ln w="12700" cap="flat" cmpd="sng" algn="ctr">
+          <a:solidFill>
+            <a:schemeClr val="phClr"/>
+          </a:solidFill>
+          <a:prstDash val="solid"/>
+          <a:miter lim="800000"/>
+        </a:ln>
+        <a:ln w="19050" cap="flat" cmpd="sng" algn="ctr">
+          <a:solidFill>
+            <a:schemeClr val="phClr"/>
+          </a:solidFill>
+          <a:prstDash val="solid"/>
+          <a:miter lim="800000"/>
+        </a:ln>
+      </a:lnStyleLst>
+      <a:effectStyleLst>
+        <a:effectStyle>
+          <a:effectLst/>
+        </a:effectStyle>
+        <a:effectStyle>
+          <a:effectLst/>
+        </a:effectStyle>
+        <a:effectStyle>
+          <a:effectLst>
+            <a:outerShdw blurRad="57150" dist="19050" dir="5400000" algn="ctr" rotWithShape="0">
+              <a:srgbClr val="000000">
+                <a:alpha val="63000"/>
+              </a:srgbClr>
+            </a:outerShdw>
+          </a:effectLst>
+        </a:effectStyle>
+      </a:effectStyleLst>
+      <a:bgFillStyleLst>
+        <a:solidFill>
+          <a:schemeClr val="phClr"/>
+        </a:solidFill>
+        <a:solidFill>
+          <a:schemeClr val="phClr">
+            <a:tint val="95000"/>
+            <a:satMod val="170000"/>
+          </a:schemeClr>
+        </a:solidFill>
+        <a:gradFill rotWithShape="1">
+          <a:gsLst>
+            <a:gs pos="0">
+              <a:schemeClr val="phClr">
+                <a:tint val="93000"/>
+                <a:satMod val="150000"/>
+                <a:shade val="98000"/>
+                <a:lumMod val="102000"/>
+              </a:schemeClr>
+            </a:gs>
+            <a:gs pos="50000">
+              <a:schemeClr val="phClr">
+                <a:tint val="98000"/>
+                <a:satMod val="130000"/>
+                <a:shade val="90000"/>
+                <a:lumMod val="103000"/>
+              </a:schemeClr>
+            </a:gs>
+            <a:gs pos="100000">
+              <a:schemeClr val="phClr">
+                <a:shade val="63000"/>
+                <a:satMod val="120000"/>
+              </a:schemeClr>
+            </a:gs>
+          </a:gsLst>
+          <a:lin ang="5400000" scaled="0"/>
+        </a:gradFill>
+      </a:bgFillStyleLst>
+    </a:fmtScheme>
+  </a:themeElements>
+  <a:objectDefaults/>
+  <a:extraClrSchemeLst/>
+  <a:extLst>
+    <a:ext uri="{05A4C25C-085E-4340-85A3-A5531E510DB2}">
+      <thm15:themeFamily xmlns:thm15="http://schemas.microsoft.com/office/thememl/2012/main" name="Office Theme" id="{62F939B6-93AF-4DB8-9C6B-D6C7DFDC589F}" vid="{4A3C46E8-61CC-4603-A589-7422A47A8E4A}"/>
+    </a:ext>
+  </a:extLst>
+</a:theme>
 </file>
--- a/Le_Bon_Potager.pptx
+++ b/Le_Bon_Potager.pptx
@@ -224,7 +224,7 @@
           <a:p>
             <a:fld id="{B37074D2-1154-4E21-849D-9DCC1A8677AB}" type="datetimeFigureOut">
               <a:rPr lang="fr-FR" smtClean="0"/>
-              <a:t>14/04/2018</a:t>
+              <a:t>15/04/2018</a:t>
             </a:fld>
             <a:endParaRPr lang="fr-FR"/>
           </a:p>
@@ -548,7 +548,7 @@
           <a:noFill/>
           <a:extLst>
             <a:ext uri="{909E8E84-426E-40dd-AFC4-6F175D3DCCD1}">
-              <a14:hiddenFill xmlns:a14="http://schemas.microsoft.com/office/drawing/2010/main" xmlns="">
+              <a14:hiddenFill xmlns="" xmlns:a14="http://schemas.microsoft.com/office/drawing/2010/main">
                 <a:solidFill>
                   <a:srgbClr val="FFFFFF"/>
                 </a:solidFill>
@@ -608,7 +608,7 @@
             </a:ln>
             <a:extLst>
               <a:ext uri="{91240B29-F687-4f45-9708-019B960494DF}">
-                <a14:hiddenLine xmlns:a14="http://schemas.microsoft.com/office/drawing/2010/main" xmlns="" w="9525">
+                <a14:hiddenLine xmlns="" xmlns:a14="http://schemas.microsoft.com/office/drawing/2010/main" w="9525">
                   <a:solidFill>
                     <a:srgbClr val="000000"/>
                   </a:solidFill>
@@ -698,7 +698,7 @@
             </a:ln>
             <a:extLst>
               <a:ext uri="{91240B29-F687-4f45-9708-019B960494DF}">
-                <a14:hiddenLine xmlns:a14="http://schemas.microsoft.com/office/drawing/2010/main" xmlns="" w="9525">
+                <a14:hiddenLine xmlns="" xmlns:a14="http://schemas.microsoft.com/office/drawing/2010/main" w="9525">
                   <a:solidFill>
                     <a:srgbClr val="000000"/>
                   </a:solidFill>
@@ -788,7 +788,7 @@
             </a:ln>
             <a:extLst>
               <a:ext uri="{91240B29-F687-4f45-9708-019B960494DF}">
-                <a14:hiddenLine xmlns:a14="http://schemas.microsoft.com/office/drawing/2010/main" xmlns="" w="9525">
+                <a14:hiddenLine xmlns="" xmlns:a14="http://schemas.microsoft.com/office/drawing/2010/main" w="9525">
                   <a:solidFill>
                     <a:srgbClr val="000000"/>
                   </a:solidFill>
@@ -822,7 +822,7 @@
             </a:ln>
             <a:extLst>
               <a:ext uri="{91240B29-F687-4f45-9708-019B960494DF}">
-                <a14:hiddenLine xmlns:a14="http://schemas.microsoft.com/office/drawing/2010/main" xmlns="" w="9525">
+                <a14:hiddenLine xmlns="" xmlns:a14="http://schemas.microsoft.com/office/drawing/2010/main" w="9525">
                   <a:solidFill>
                     <a:srgbClr val="000000"/>
                   </a:solidFill>
@@ -912,7 +912,7 @@
             </a:ln>
             <a:extLst>
               <a:ext uri="{91240B29-F687-4f45-9708-019B960494DF}">
-                <a14:hiddenLine xmlns:a14="http://schemas.microsoft.com/office/drawing/2010/main" xmlns="" w="9525">
+                <a14:hiddenLine xmlns="" xmlns:a14="http://schemas.microsoft.com/office/drawing/2010/main" w="9525">
                   <a:solidFill>
                     <a:srgbClr val="000000"/>
                   </a:solidFill>
@@ -974,7 +974,7 @@
             </a:ln>
             <a:extLst>
               <a:ext uri="{91240B29-F687-4f45-9708-019B960494DF}">
-                <a14:hiddenLine xmlns:a14="http://schemas.microsoft.com/office/drawing/2010/main" xmlns="" w="9525">
+                <a14:hiddenLine xmlns="" xmlns:a14="http://schemas.microsoft.com/office/drawing/2010/main" w="9525">
                   <a:solidFill>
                     <a:srgbClr val="000000"/>
                   </a:solidFill>
@@ -1036,7 +1036,7 @@
             </a:ln>
             <a:extLst>
               <a:ext uri="{91240B29-F687-4f45-9708-019B960494DF}">
-                <a14:hiddenLine xmlns:a14="http://schemas.microsoft.com/office/drawing/2010/main" xmlns="" w="9525">
+                <a14:hiddenLine xmlns="" xmlns:a14="http://schemas.microsoft.com/office/drawing/2010/main" w="9525">
                   <a:solidFill>
                     <a:srgbClr val="000000"/>
                   </a:solidFill>
@@ -1126,7 +1126,7 @@
             </a:ln>
             <a:extLst>
               <a:ext uri="{91240B29-F687-4f45-9708-019B960494DF}">
-                <a14:hiddenLine xmlns:a14="http://schemas.microsoft.com/office/drawing/2010/main" xmlns="" w="9525">
+                <a14:hiddenLine xmlns="" xmlns:a14="http://schemas.microsoft.com/office/drawing/2010/main" w="9525">
                   <a:solidFill>
                     <a:srgbClr val="000000"/>
                   </a:solidFill>
@@ -1188,7 +1188,7 @@
             </a:ln>
             <a:extLst>
               <a:ext uri="{91240B29-F687-4f45-9708-019B960494DF}">
-                <a14:hiddenLine xmlns:a14="http://schemas.microsoft.com/office/drawing/2010/main" xmlns="" w="9525">
+                <a14:hiddenLine xmlns="" xmlns:a14="http://schemas.microsoft.com/office/drawing/2010/main" w="9525">
                   <a:solidFill>
                     <a:srgbClr val="000000"/>
                   </a:solidFill>
@@ -1250,7 +1250,7 @@
             </a:ln>
             <a:extLst>
               <a:ext uri="{91240B29-F687-4f45-9708-019B960494DF}">
-                <a14:hiddenLine xmlns:a14="http://schemas.microsoft.com/office/drawing/2010/main" xmlns="" w="9525">
+                <a14:hiddenLine xmlns="" xmlns:a14="http://schemas.microsoft.com/office/drawing/2010/main" w="9525">
                   <a:solidFill>
                     <a:srgbClr val="000000"/>
                   </a:solidFill>
@@ -1340,7 +1340,7 @@
             </a:ln>
             <a:extLst>
               <a:ext uri="{91240B29-F687-4f45-9708-019B960494DF}">
-                <a14:hiddenLine xmlns:a14="http://schemas.microsoft.com/office/drawing/2010/main" xmlns="" w="9525">
+                <a14:hiddenLine xmlns="" xmlns:a14="http://schemas.microsoft.com/office/drawing/2010/main" w="9525">
                   <a:solidFill>
                     <a:srgbClr val="000000"/>
                   </a:solidFill>
@@ -1430,7 +1430,7 @@
             </a:ln>
             <a:extLst>
               <a:ext uri="{91240B29-F687-4f45-9708-019B960494DF}">
-                <a14:hiddenLine xmlns:a14="http://schemas.microsoft.com/office/drawing/2010/main" xmlns="" w="9525">
+                <a14:hiddenLine xmlns="" xmlns:a14="http://schemas.microsoft.com/office/drawing/2010/main" w="9525">
                   <a:solidFill>
                     <a:srgbClr val="000000"/>
                   </a:solidFill>
@@ -1492,7 +1492,7 @@
             </a:ln>
             <a:extLst>
               <a:ext uri="{91240B29-F687-4f45-9708-019B960494DF}">
-                <a14:hiddenLine xmlns:a14="http://schemas.microsoft.com/office/drawing/2010/main" xmlns="" w="9525">
+                <a14:hiddenLine xmlns="" xmlns:a14="http://schemas.microsoft.com/office/drawing/2010/main" w="9525">
                   <a:solidFill>
                     <a:srgbClr val="000000"/>
                   </a:solidFill>
@@ -1602,7 +1602,7 @@
             </a:ln>
             <a:extLst>
               <a:ext uri="{91240B29-F687-4f45-9708-019B960494DF}">
-                <a14:hiddenLine xmlns:a14="http://schemas.microsoft.com/office/drawing/2010/main" xmlns="" w="9525">
+                <a14:hiddenLine xmlns="" xmlns:a14="http://schemas.microsoft.com/office/drawing/2010/main" w="9525">
                   <a:solidFill>
                     <a:srgbClr val="000000"/>
                   </a:solidFill>
@@ -1664,7 +1664,7 @@
             </a:ln>
             <a:extLst>
               <a:ext uri="{91240B29-F687-4f45-9708-019B960494DF}">
-                <a14:hiddenLine xmlns:a14="http://schemas.microsoft.com/office/drawing/2010/main" xmlns="" w="9525">
+                <a14:hiddenLine xmlns="" xmlns:a14="http://schemas.microsoft.com/office/drawing/2010/main" w="9525">
                   <a:solidFill>
                     <a:srgbClr val="000000"/>
                   </a:solidFill>
@@ -1754,7 +1754,7 @@
             </a:ln>
             <a:extLst>
               <a:ext uri="{91240B29-F687-4f45-9708-019B960494DF}">
-                <a14:hiddenLine xmlns:a14="http://schemas.microsoft.com/office/drawing/2010/main" xmlns="" w="9525">
+                <a14:hiddenLine xmlns="" xmlns:a14="http://schemas.microsoft.com/office/drawing/2010/main" w="9525">
                   <a:solidFill>
                     <a:srgbClr val="000000"/>
                   </a:solidFill>
@@ -1844,7 +1844,7 @@
             </a:ln>
             <a:extLst>
               <a:ext uri="{91240B29-F687-4f45-9708-019B960494DF}">
-                <a14:hiddenLine xmlns:a14="http://schemas.microsoft.com/office/drawing/2010/main" xmlns="" w="9525">
+                <a14:hiddenLine xmlns="" xmlns:a14="http://schemas.microsoft.com/office/drawing/2010/main" w="9525">
                   <a:solidFill>
                     <a:srgbClr val="000000"/>
                   </a:solidFill>
@@ -1906,7 +1906,7 @@
             </a:ln>
             <a:extLst>
               <a:ext uri="{91240B29-F687-4f45-9708-019B960494DF}">
-                <a14:hiddenLine xmlns:a14="http://schemas.microsoft.com/office/drawing/2010/main" xmlns="" w="9525">
+                <a14:hiddenLine xmlns="" xmlns:a14="http://schemas.microsoft.com/office/drawing/2010/main" w="9525">
                   <a:solidFill>
                     <a:srgbClr val="000000"/>
                   </a:solidFill>
@@ -1996,7 +1996,7 @@
             </a:ln>
             <a:extLst>
               <a:ext uri="{91240B29-F687-4f45-9708-019B960494DF}">
-                <a14:hiddenLine xmlns:a14="http://schemas.microsoft.com/office/drawing/2010/main" xmlns="" w="9525">
+                <a14:hiddenLine xmlns="" xmlns:a14="http://schemas.microsoft.com/office/drawing/2010/main" w="9525">
                   <a:solidFill>
                     <a:srgbClr val="000000"/>
                   </a:solidFill>
@@ -2086,7 +2086,7 @@
             </a:ln>
             <a:extLst>
               <a:ext uri="{91240B29-F687-4f45-9708-019B960494DF}">
-                <a14:hiddenLine xmlns:a14="http://schemas.microsoft.com/office/drawing/2010/main" xmlns="" w="9525">
+                <a14:hiddenLine xmlns="" xmlns:a14="http://schemas.microsoft.com/office/drawing/2010/main" w="9525">
                   <a:solidFill>
                     <a:srgbClr val="000000"/>
                   </a:solidFill>
@@ -2142,7 +2142,7 @@
             </a:ln>
             <a:extLst>
               <a:ext uri="{91240B29-F687-4f45-9708-019B960494DF}">
-                <a14:hiddenLine xmlns:a14="http://schemas.microsoft.com/office/drawing/2010/main" xmlns="" w="9525">
+                <a14:hiddenLine xmlns="" xmlns:a14="http://schemas.microsoft.com/office/drawing/2010/main" w="9525">
                   <a:solidFill>
                     <a:srgbClr val="000000"/>
                   </a:solidFill>
@@ -2232,7 +2232,7 @@
             </a:ln>
             <a:extLst>
               <a:ext uri="{91240B29-F687-4f45-9708-019B960494DF}">
-                <a14:hiddenLine xmlns:a14="http://schemas.microsoft.com/office/drawing/2010/main" xmlns="" w="9525">
+                <a14:hiddenLine xmlns="" xmlns:a14="http://schemas.microsoft.com/office/drawing/2010/main" w="9525">
                   <a:solidFill>
                     <a:srgbClr val="000000"/>
                   </a:solidFill>
@@ -2288,7 +2288,7 @@
             </a:ln>
             <a:extLst>
               <a:ext uri="{91240B29-F687-4f45-9708-019B960494DF}">
-                <a14:hiddenLine xmlns:a14="http://schemas.microsoft.com/office/drawing/2010/main" xmlns="" w="9525">
+                <a14:hiddenLine xmlns="" xmlns:a14="http://schemas.microsoft.com/office/drawing/2010/main" w="9525">
                   <a:solidFill>
                     <a:srgbClr val="000000"/>
                   </a:solidFill>
@@ -2378,7 +2378,7 @@
             </a:ln>
             <a:extLst>
               <a:ext uri="{91240B29-F687-4f45-9708-019B960494DF}">
-                <a14:hiddenLine xmlns:a14="http://schemas.microsoft.com/office/drawing/2010/main" xmlns="" w="9525">
+                <a14:hiddenLine xmlns="" xmlns:a14="http://schemas.microsoft.com/office/drawing/2010/main" w="9525">
                   <a:solidFill>
                     <a:srgbClr val="000000"/>
                   </a:solidFill>
@@ -2446,7 +2446,7 @@
             </a:ln>
             <a:extLst>
               <a:ext uri="{91240B29-F687-4f45-9708-019B960494DF}">
-                <a14:hiddenLine xmlns:a14="http://schemas.microsoft.com/office/drawing/2010/main" xmlns="" w="9525">
+                <a14:hiddenLine xmlns="" xmlns:a14="http://schemas.microsoft.com/office/drawing/2010/main" w="9525">
                   <a:solidFill>
                     <a:srgbClr val="000000"/>
                   </a:solidFill>
@@ -2536,7 +2536,7 @@
             </a:ln>
             <a:extLst>
               <a:ext uri="{91240B29-F687-4f45-9708-019B960494DF}">
-                <a14:hiddenLine xmlns:a14="http://schemas.microsoft.com/office/drawing/2010/main" xmlns="" w="9525">
+                <a14:hiddenLine xmlns="" xmlns:a14="http://schemas.microsoft.com/office/drawing/2010/main" w="9525">
                   <a:solidFill>
                     <a:srgbClr val="000000"/>
                   </a:solidFill>
@@ -2604,7 +2604,7 @@
             </a:ln>
             <a:extLst>
               <a:ext uri="{91240B29-F687-4f45-9708-019B960494DF}">
-                <a14:hiddenLine xmlns:a14="http://schemas.microsoft.com/office/drawing/2010/main" xmlns="" w="9525">
+                <a14:hiddenLine xmlns="" xmlns:a14="http://schemas.microsoft.com/office/drawing/2010/main" w="9525">
                   <a:solidFill>
                     <a:srgbClr val="000000"/>
                   </a:solidFill>
@@ -2694,7 +2694,7 @@
             </a:ln>
             <a:extLst>
               <a:ext uri="{91240B29-F687-4f45-9708-019B960494DF}">
-                <a14:hiddenLine xmlns:a14="http://schemas.microsoft.com/office/drawing/2010/main" xmlns="" w="9525">
+                <a14:hiddenLine xmlns="" xmlns:a14="http://schemas.microsoft.com/office/drawing/2010/main" w="9525">
                   <a:solidFill>
                     <a:srgbClr val="000000"/>
                   </a:solidFill>
@@ -2728,7 +2728,7 @@
             </a:ln>
             <a:extLst>
               <a:ext uri="{91240B29-F687-4f45-9708-019B960494DF}">
-                <a14:hiddenLine xmlns:a14="http://schemas.microsoft.com/office/drawing/2010/main" xmlns="" w="9525">
+                <a14:hiddenLine xmlns="" xmlns:a14="http://schemas.microsoft.com/office/drawing/2010/main" w="9525">
                   <a:solidFill>
                     <a:srgbClr val="000000"/>
                   </a:solidFill>
@@ -2818,7 +2818,7 @@
             </a:ln>
             <a:extLst>
               <a:ext uri="{91240B29-F687-4f45-9708-019B960494DF}">
-                <a14:hiddenLine xmlns:a14="http://schemas.microsoft.com/office/drawing/2010/main" xmlns="" w="9525">
+                <a14:hiddenLine xmlns="" xmlns:a14="http://schemas.microsoft.com/office/drawing/2010/main" w="9525">
                   <a:solidFill>
                     <a:srgbClr val="000000"/>
                   </a:solidFill>
@@ -2880,7 +2880,7 @@
             </a:ln>
             <a:extLst>
               <a:ext uri="{91240B29-F687-4f45-9708-019B960494DF}">
-                <a14:hiddenLine xmlns:a14="http://schemas.microsoft.com/office/drawing/2010/main" xmlns="" w="9525">
+                <a14:hiddenLine xmlns="" xmlns:a14="http://schemas.microsoft.com/office/drawing/2010/main" w="9525">
                   <a:solidFill>
                     <a:srgbClr val="000000"/>
                   </a:solidFill>
@@ -2942,7 +2942,7 @@
             </a:ln>
             <a:extLst>
               <a:ext uri="{91240B29-F687-4f45-9708-019B960494DF}">
-                <a14:hiddenLine xmlns:a14="http://schemas.microsoft.com/office/drawing/2010/main" xmlns="" w="9525">
+                <a14:hiddenLine xmlns="" xmlns:a14="http://schemas.microsoft.com/office/drawing/2010/main" w="9525">
                   <a:solidFill>
                     <a:srgbClr val="000000"/>
                   </a:solidFill>
@@ -3032,7 +3032,7 @@
             </a:ln>
             <a:extLst>
               <a:ext uri="{91240B29-F687-4f45-9708-019B960494DF}">
-                <a14:hiddenLine xmlns:a14="http://schemas.microsoft.com/office/drawing/2010/main" xmlns="" w="9525">
+                <a14:hiddenLine xmlns="" xmlns:a14="http://schemas.microsoft.com/office/drawing/2010/main" w="9525">
                   <a:solidFill>
                     <a:srgbClr val="000000"/>
                   </a:solidFill>
@@ -3100,7 +3100,7 @@
             </a:ln>
             <a:extLst>
               <a:ext uri="{91240B29-F687-4f45-9708-019B960494DF}">
-                <a14:hiddenLine xmlns:a14="http://schemas.microsoft.com/office/drawing/2010/main" xmlns="" w="9525">
+                <a14:hiddenLine xmlns="" xmlns:a14="http://schemas.microsoft.com/office/drawing/2010/main" w="9525">
                   <a:solidFill>
                     <a:srgbClr val="000000"/>
                   </a:solidFill>
@@ -3162,7 +3162,7 @@
             </a:ln>
             <a:extLst>
               <a:ext uri="{91240B29-F687-4f45-9708-019B960494DF}">
-                <a14:hiddenLine xmlns:a14="http://schemas.microsoft.com/office/drawing/2010/main" xmlns="" w="9525">
+                <a14:hiddenLine xmlns="" xmlns:a14="http://schemas.microsoft.com/office/drawing/2010/main" w="9525">
                   <a:solidFill>
                     <a:srgbClr val="000000"/>
                   </a:solidFill>
@@ -3252,7 +3252,7 @@
             </a:ln>
             <a:extLst>
               <a:ext uri="{91240B29-F687-4f45-9708-019B960494DF}">
-                <a14:hiddenLine xmlns:a14="http://schemas.microsoft.com/office/drawing/2010/main" xmlns="" w="9525">
+                <a14:hiddenLine xmlns="" xmlns:a14="http://schemas.microsoft.com/office/drawing/2010/main" w="9525">
                   <a:solidFill>
                     <a:srgbClr val="000000"/>
                   </a:solidFill>
@@ -3314,7 +3314,7 @@
             </a:ln>
             <a:extLst>
               <a:ext uri="{91240B29-F687-4f45-9708-019B960494DF}">
-                <a14:hiddenLine xmlns:a14="http://schemas.microsoft.com/office/drawing/2010/main" xmlns="" w="9525">
+                <a14:hiddenLine xmlns="" xmlns:a14="http://schemas.microsoft.com/office/drawing/2010/main" w="9525">
                   <a:solidFill>
                     <a:srgbClr val="000000"/>
                   </a:solidFill>
@@ -3404,7 +3404,7 @@
             </a:ln>
             <a:extLst>
               <a:ext uri="{91240B29-F687-4f45-9708-019B960494DF}">
-                <a14:hiddenLine xmlns:a14="http://schemas.microsoft.com/office/drawing/2010/main" xmlns="" w="9525">
+                <a14:hiddenLine xmlns="" xmlns:a14="http://schemas.microsoft.com/office/drawing/2010/main" w="9525">
                   <a:solidFill>
                     <a:srgbClr val="000000"/>
                   </a:solidFill>
@@ -3466,7 +3466,7 @@
             </a:ln>
             <a:extLst>
               <a:ext uri="{91240B29-F687-4f45-9708-019B960494DF}">
-                <a14:hiddenLine xmlns:a14="http://schemas.microsoft.com/office/drawing/2010/main" xmlns="" w="9525">
+                <a14:hiddenLine xmlns="" xmlns:a14="http://schemas.microsoft.com/office/drawing/2010/main" w="9525">
                   <a:solidFill>
                     <a:srgbClr val="000000"/>
                   </a:solidFill>
@@ -3556,7 +3556,7 @@
             </a:ln>
             <a:extLst>
               <a:ext uri="{91240B29-F687-4f45-9708-019B960494DF}">
-                <a14:hiddenLine xmlns:a14="http://schemas.microsoft.com/office/drawing/2010/main" xmlns="" w="9525">
+                <a14:hiddenLine xmlns="" xmlns:a14="http://schemas.microsoft.com/office/drawing/2010/main" w="9525">
                   <a:solidFill>
                     <a:srgbClr val="000000"/>
                   </a:solidFill>
@@ -3590,7 +3590,7 @@
             </a:ln>
             <a:extLst>
               <a:ext uri="{91240B29-F687-4f45-9708-019B960494DF}">
-                <a14:hiddenLine xmlns:a14="http://schemas.microsoft.com/office/drawing/2010/main" xmlns="" w="9525">
+                <a14:hiddenLine xmlns="" xmlns:a14="http://schemas.microsoft.com/office/drawing/2010/main" w="9525">
                   <a:solidFill>
                     <a:srgbClr val="000000"/>
                   </a:solidFill>
@@ -3655,7 +3655,7 @@
             </a:ln>
             <a:extLst>
               <a:ext uri="{91240B29-F687-4f45-9708-019B960494DF}">
-                <a14:hiddenLine xmlns:a14="http://schemas.microsoft.com/office/drawing/2010/main" xmlns="" w="9525">
+                <a14:hiddenLine xmlns="" xmlns:a14="http://schemas.microsoft.com/office/drawing/2010/main" w="9525">
                   <a:solidFill>
                     <a:srgbClr val="000000"/>
                   </a:solidFill>
@@ -3745,7 +3745,7 @@
             </a:ln>
             <a:extLst>
               <a:ext uri="{91240B29-F687-4f45-9708-019B960494DF}">
-                <a14:hiddenLine xmlns:a14="http://schemas.microsoft.com/office/drawing/2010/main" xmlns="" w="9525">
+                <a14:hiddenLine xmlns="" xmlns:a14="http://schemas.microsoft.com/office/drawing/2010/main" w="9525">
                   <a:solidFill>
                     <a:srgbClr val="000000"/>
                   </a:solidFill>
@@ -3807,7 +3807,7 @@
             </a:ln>
             <a:extLst>
               <a:ext uri="{91240B29-F687-4f45-9708-019B960494DF}">
-                <a14:hiddenLine xmlns:a14="http://schemas.microsoft.com/office/drawing/2010/main" xmlns="" w="9525">
+                <a14:hiddenLine xmlns="" xmlns:a14="http://schemas.microsoft.com/office/drawing/2010/main" w="9525">
                   <a:solidFill>
                     <a:srgbClr val="000000"/>
                   </a:solidFill>
@@ -3897,7 +3897,7 @@
             </a:ln>
             <a:extLst>
               <a:ext uri="{91240B29-F687-4f45-9708-019B960494DF}">
-                <a14:hiddenLine xmlns:a14="http://schemas.microsoft.com/office/drawing/2010/main" xmlns="" w="9525">
+                <a14:hiddenLine xmlns="" xmlns:a14="http://schemas.microsoft.com/office/drawing/2010/main" w="9525">
                   <a:solidFill>
                     <a:srgbClr val="000000"/>
                   </a:solidFill>
@@ -3987,7 +3987,7 @@
             </a:ln>
             <a:extLst>
               <a:ext uri="{91240B29-F687-4f45-9708-019B960494DF}">
-                <a14:hiddenLine xmlns:a14="http://schemas.microsoft.com/office/drawing/2010/main" xmlns="" w="9525">
+                <a14:hiddenLine xmlns="" xmlns:a14="http://schemas.microsoft.com/office/drawing/2010/main" w="9525">
                   <a:solidFill>
                     <a:srgbClr val="000000"/>
                   </a:solidFill>
@@ -4052,7 +4052,7 @@
             </a:ln>
             <a:extLst>
               <a:ext uri="{91240B29-F687-4f45-9708-019B960494DF}">
-                <a14:hiddenLine xmlns:a14="http://schemas.microsoft.com/office/drawing/2010/main" xmlns="" w="9525">
+                <a14:hiddenLine xmlns="" xmlns:a14="http://schemas.microsoft.com/office/drawing/2010/main" w="9525">
                   <a:solidFill>
                     <a:srgbClr val="000000"/>
                   </a:solidFill>
@@ -4114,7 +4114,7 @@
             </a:ln>
             <a:extLst>
               <a:ext uri="{91240B29-F687-4f45-9708-019B960494DF}">
-                <a14:hiddenLine xmlns:a14="http://schemas.microsoft.com/office/drawing/2010/main" xmlns="" w="9525">
+                <a14:hiddenLine xmlns="" xmlns:a14="http://schemas.microsoft.com/office/drawing/2010/main" w="9525">
                   <a:solidFill>
                     <a:srgbClr val="000000"/>
                   </a:solidFill>
@@ -4204,7 +4204,7 @@
             </a:ln>
             <a:extLst>
               <a:ext uri="{91240B29-F687-4f45-9708-019B960494DF}">
-                <a14:hiddenLine xmlns:a14="http://schemas.microsoft.com/office/drawing/2010/main" xmlns="" w="9525">
+                <a14:hiddenLine xmlns="" xmlns:a14="http://schemas.microsoft.com/office/drawing/2010/main" w="9525">
                   <a:solidFill>
                     <a:srgbClr val="000000"/>
                   </a:solidFill>
@@ -4294,7 +4294,7 @@
             </a:ln>
             <a:extLst>
               <a:ext uri="{91240B29-F687-4f45-9708-019B960494DF}">
-                <a14:hiddenLine xmlns:a14="http://schemas.microsoft.com/office/drawing/2010/main" xmlns="" w="9525">
+                <a14:hiddenLine xmlns="" xmlns:a14="http://schemas.microsoft.com/office/drawing/2010/main" w="9525">
                   <a:solidFill>
                     <a:srgbClr val="000000"/>
                   </a:solidFill>
@@ -4356,7 +4356,7 @@
             </a:ln>
             <a:extLst>
               <a:ext uri="{91240B29-F687-4f45-9708-019B960494DF}">
-                <a14:hiddenLine xmlns:a14="http://schemas.microsoft.com/office/drawing/2010/main" xmlns="" w="9525">
+                <a14:hiddenLine xmlns="" xmlns:a14="http://schemas.microsoft.com/office/drawing/2010/main" w="9525">
                   <a:solidFill>
                     <a:srgbClr val="000000"/>
                   </a:solidFill>
@@ -4476,7 +4476,7 @@
             </a:ln>
             <a:extLst>
               <a:ext uri="{91240B29-F687-4f45-9708-019B960494DF}">
-                <a14:hiddenLine xmlns:a14="http://schemas.microsoft.com/office/drawing/2010/main" xmlns="" w="9525">
+                <a14:hiddenLine xmlns="" xmlns:a14="http://schemas.microsoft.com/office/drawing/2010/main" w="9525">
                   <a:solidFill>
                     <a:srgbClr val="000000"/>
                   </a:solidFill>
@@ -4544,7 +4544,7 @@
             </a:ln>
             <a:extLst>
               <a:ext uri="{91240B29-F687-4f45-9708-019B960494DF}">
-                <a14:hiddenLine xmlns:a14="http://schemas.microsoft.com/office/drawing/2010/main" xmlns="" w="9525">
+                <a14:hiddenLine xmlns="" xmlns:a14="http://schemas.microsoft.com/office/drawing/2010/main" w="9525">
                   <a:solidFill>
                     <a:srgbClr val="000000"/>
                   </a:solidFill>
@@ -4634,7 +4634,7 @@
             </a:ln>
             <a:extLst>
               <a:ext uri="{91240B29-F687-4f45-9708-019B960494DF}">
-                <a14:hiddenLine xmlns:a14="http://schemas.microsoft.com/office/drawing/2010/main" xmlns="" w="9525">
+                <a14:hiddenLine xmlns="" xmlns:a14="http://schemas.microsoft.com/office/drawing/2010/main" w="9525">
                   <a:solidFill>
                     <a:srgbClr val="000000"/>
                   </a:solidFill>
@@ -4774,7 +4774,7 @@
           <a:p>
             <a:fld id="{123D93BF-0E48-4806-ACDA-050F86EFFD02}" type="datetime1">
               <a:rPr lang="en-US" smtClean="0"/>
-              <a:t>4/14/2018</a:t>
+              <a:t>4/15/2018</a:t>
             </a:fld>
             <a:endParaRPr lang="en-US" dirty="0"/>
           </a:p>
@@ -5039,7 +5039,7 @@
           <a:p>
             <a:fld id="{E4D2E2F6-8FD2-4780-BF7C-448A004F96D2}" type="datetime1">
               <a:rPr lang="en-US" smtClean="0"/>
-              <a:t>4/14/2018</a:t>
+              <a:t>4/15/2018</a:t>
             </a:fld>
             <a:endParaRPr lang="en-US" dirty="0"/>
           </a:p>
@@ -5230,7 +5230,7 @@
           <a:p>
             <a:fld id="{4C33D9B3-CB9E-496F-9EAB-05FC982CBF68}" type="datetime1">
               <a:rPr lang="en-US" smtClean="0"/>
-              <a:t>4/14/2018</a:t>
+              <a:t>4/15/2018</a:t>
             </a:fld>
             <a:endParaRPr lang="en-US" dirty="0"/>
           </a:p>
@@ -5488,7 +5488,7 @@
           <a:p>
             <a:fld id="{3C50C79D-60FB-42D8-82E8-35BEE5823E12}" type="datetime1">
               <a:rPr lang="en-US" smtClean="0"/>
-              <a:t>4/14/2018</a:t>
+              <a:t>4/15/2018</a:t>
             </a:fld>
             <a:endParaRPr lang="en-US" dirty="0"/>
           </a:p>
@@ -5917,7 +5917,7 @@
           <a:p>
             <a:fld id="{F6622CDF-2677-4F9C-94FC-74E623BB587E}" type="datetime1">
               <a:rPr lang="en-US" smtClean="0"/>
-              <a:t>4/14/2018</a:t>
+              <a:t>4/15/2018</a:t>
             </a:fld>
             <a:endParaRPr lang="en-US" dirty="0"/>
           </a:p>
@@ -6458,7 +6458,7 @@
           <a:p>
             <a:fld id="{703AC204-77FA-45D5-99E4-1E572BDA2EF7}" type="datetime1">
               <a:rPr lang="en-US" smtClean="0"/>
-              <a:t>4/14/2018</a:t>
+              <a:t>4/15/2018</a:t>
             </a:fld>
             <a:endParaRPr lang="en-US" dirty="0"/>
           </a:p>
@@ -7173,7 +7173,7 @@
           <a:p>
             <a:fld id="{6B0B2836-F623-482F-8D9B-9268FECDA1F0}" type="datetime1">
               <a:rPr lang="en-US" smtClean="0"/>
-              <a:t>4/14/2018</a:t>
+              <a:t>4/15/2018</a:t>
             </a:fld>
             <a:endParaRPr lang="en-US" dirty="0"/>
           </a:p>
@@ -7338,7 +7338,7 @@
           <a:p>
             <a:fld id="{93CA96EA-5FEF-44DD-9242-B2C16548D4B7}" type="datetime1">
               <a:rPr lang="en-US" smtClean="0"/>
-              <a:t>4/14/2018</a:t>
+              <a:t>4/15/2018</a:t>
             </a:fld>
             <a:endParaRPr lang="en-US" dirty="0"/>
           </a:p>
@@ -7513,7 +7513,7 @@
           <a:p>
             <a:fld id="{064F3615-BA9C-44EC-ACF3-1101EC8E8C17}" type="datetime1">
               <a:rPr lang="en-US" smtClean="0"/>
-              <a:t>4/14/2018</a:t>
+              <a:t>4/15/2018</a:t>
             </a:fld>
             <a:endParaRPr lang="en-US" dirty="0"/>
           </a:p>
@@ -7678,7 +7678,7 @@
           <a:p>
             <a:fld id="{3E2D90C1-56A7-41FB-A8D0-E500925E43F2}" type="datetime1">
               <a:rPr lang="en-US" smtClean="0"/>
-              <a:t>4/14/2018</a:t>
+              <a:t>4/15/2018</a:t>
             </a:fld>
             <a:endParaRPr lang="en-US" dirty="0"/>
           </a:p>
@@ -7923,7 +7923,7 @@
           <a:p>
             <a:fld id="{9F1D243F-124E-4E30-8A16-93F0DB8A81C1}" type="datetime1">
               <a:rPr lang="en-US" smtClean="0"/>
-              <a:t>4/14/2018</a:t>
+              <a:t>4/15/2018</a:t>
             </a:fld>
             <a:endParaRPr lang="en-US" dirty="0"/>
           </a:p>
@@ -8150,7 +8150,7 @@
           <a:p>
             <a:fld id="{741F534B-592F-49E2-98C3-F771841B2568}" type="datetime1">
               <a:rPr lang="en-US" smtClean="0"/>
-              <a:t>4/14/2018</a:t>
+              <a:t>4/15/2018</a:t>
             </a:fld>
             <a:endParaRPr lang="en-US" dirty="0"/>
           </a:p>
@@ -8526,7 +8526,7 @@
           <a:p>
             <a:fld id="{24D0D35C-D667-4151-B64A-39AD5875BB3C}" type="datetime1">
               <a:rPr lang="en-US" smtClean="0"/>
-              <a:t>4/14/2018</a:t>
+              <a:t>4/15/2018</a:t>
             </a:fld>
             <a:endParaRPr lang="en-US" dirty="0"/>
           </a:p>
@@ -8639,7 +8639,7 @@
           <a:p>
             <a:fld id="{03C9ED46-37CD-441C-8FE1-2C042A964BD0}" type="datetime1">
               <a:rPr lang="en-US" smtClean="0"/>
-              <a:t>4/14/2018</a:t>
+              <a:t>4/15/2018</a:t>
             </a:fld>
             <a:endParaRPr lang="en-US" dirty="0"/>
           </a:p>
@@ -8729,7 +8729,7 @@
           <a:p>
             <a:fld id="{914D2B08-2345-4A0F-91EF-7583E9FBEDC8}" type="datetime1">
               <a:rPr lang="en-US" smtClean="0"/>
-              <a:t>4/14/2018</a:t>
+              <a:t>4/15/2018</a:t>
             </a:fld>
             <a:endParaRPr lang="en-US" dirty="0"/>
           </a:p>
@@ -8973,7 +8973,7 @@
           <a:p>
             <a:fld id="{5DBFF6E4-9C00-40E0-8888-0111B2450E24}" type="datetime1">
               <a:rPr lang="en-US" smtClean="0"/>
-              <a:t>4/14/2018</a:t>
+              <a:t>4/15/2018</a:t>
             </a:fld>
             <a:endParaRPr lang="en-US" dirty="0"/>
           </a:p>
@@ -9248,7 +9248,7 @@
           <a:p>
             <a:fld id="{817C564B-6585-4248-ABEB-B271FF2627E2}" type="datetime1">
               <a:rPr lang="en-US" smtClean="0"/>
-              <a:t>4/14/2018</a:t>
+              <a:t>4/15/2018</a:t>
             </a:fld>
             <a:endParaRPr lang="en-US" dirty="0"/>
           </a:p>
@@ -9366,7 +9366,7 @@
           <a:noFill/>
           <a:extLst>
             <a:ext uri="{909E8E84-426E-40dd-AFC4-6F175D3DCCD1}">
-              <a14:hiddenFill xmlns:a14="http://schemas.microsoft.com/office/drawing/2010/main" xmlns="">
+              <a14:hiddenFill xmlns="" xmlns:a14="http://schemas.microsoft.com/office/drawing/2010/main">
                 <a:solidFill>
                   <a:srgbClr val="FFFFFF"/>
                 </a:solidFill>
@@ -9440,7 +9440,7 @@
               </a:ln>
               <a:extLst>
                 <a:ext uri="{91240B29-F687-4f45-9708-019B960494DF}">
-                  <a14:hiddenLine xmlns:a14="http://schemas.microsoft.com/office/drawing/2010/main" xmlns="" w="9525">
+                  <a14:hiddenLine xmlns="" xmlns:a14="http://schemas.microsoft.com/office/drawing/2010/main" w="9525">
                     <a:solidFill>
                       <a:srgbClr val="000000"/>
                     </a:solidFill>
@@ -9530,7 +9530,7 @@
               </a:ln>
               <a:extLst>
                 <a:ext uri="{91240B29-F687-4f45-9708-019B960494DF}">
-                  <a14:hiddenLine xmlns:a14="http://schemas.microsoft.com/office/drawing/2010/main" xmlns="" w="9525">
+                  <a14:hiddenLine xmlns="" xmlns:a14="http://schemas.microsoft.com/office/drawing/2010/main" w="9525">
                     <a:solidFill>
                       <a:srgbClr val="000000"/>
                     </a:solidFill>
@@ -9620,7 +9620,7 @@
               </a:ln>
               <a:extLst>
                 <a:ext uri="{91240B29-F687-4f45-9708-019B960494DF}">
-                  <a14:hiddenLine xmlns:a14="http://schemas.microsoft.com/office/drawing/2010/main" xmlns="" w="9525">
+                  <a14:hiddenLine xmlns="" xmlns:a14="http://schemas.microsoft.com/office/drawing/2010/main" w="9525">
                     <a:solidFill>
                       <a:srgbClr val="000000"/>
                     </a:solidFill>
@@ -9682,7 +9682,7 @@
               </a:ln>
               <a:extLst>
                 <a:ext uri="{91240B29-F687-4f45-9708-019B960494DF}">
-                  <a14:hiddenLine xmlns:a14="http://schemas.microsoft.com/office/drawing/2010/main" xmlns="" w="9525">
+                  <a14:hiddenLine xmlns="" xmlns:a14="http://schemas.microsoft.com/office/drawing/2010/main" w="9525">
                     <a:solidFill>
                       <a:srgbClr val="000000"/>
                     </a:solidFill>
@@ -9772,7 +9772,7 @@
               </a:ln>
               <a:extLst>
                 <a:ext uri="{91240B29-F687-4f45-9708-019B960494DF}">
-                  <a14:hiddenLine xmlns:a14="http://schemas.microsoft.com/office/drawing/2010/main" xmlns="" w="9525">
+                  <a14:hiddenLine xmlns="" xmlns:a14="http://schemas.microsoft.com/office/drawing/2010/main" w="9525">
                     <a:solidFill>
                       <a:srgbClr val="000000"/>
                     </a:solidFill>
@@ -9834,7 +9834,7 @@
               </a:ln>
               <a:extLst>
                 <a:ext uri="{91240B29-F687-4f45-9708-019B960494DF}">
-                  <a14:hiddenLine xmlns:a14="http://schemas.microsoft.com/office/drawing/2010/main" xmlns="" w="9525">
+                  <a14:hiddenLine xmlns="" xmlns:a14="http://schemas.microsoft.com/office/drawing/2010/main" w="9525">
                     <a:solidFill>
                       <a:srgbClr val="000000"/>
                     </a:solidFill>
@@ -9896,7 +9896,7 @@
               </a:ln>
               <a:extLst>
                 <a:ext uri="{91240B29-F687-4f45-9708-019B960494DF}">
-                  <a14:hiddenLine xmlns:a14="http://schemas.microsoft.com/office/drawing/2010/main" xmlns="" w="9525">
+                  <a14:hiddenLine xmlns="" xmlns:a14="http://schemas.microsoft.com/office/drawing/2010/main" w="9525">
                     <a:solidFill>
                       <a:srgbClr val="000000"/>
                     </a:solidFill>
@@ -9986,7 +9986,7 @@
               </a:ln>
               <a:extLst>
                 <a:ext uri="{91240B29-F687-4f45-9708-019B960494DF}">
-                  <a14:hiddenLine xmlns:a14="http://schemas.microsoft.com/office/drawing/2010/main" xmlns="" w="9525">
+                  <a14:hiddenLine xmlns="" xmlns:a14="http://schemas.microsoft.com/office/drawing/2010/main" w="9525">
                     <a:solidFill>
                       <a:srgbClr val="000000"/>
                     </a:solidFill>
@@ -10076,7 +10076,7 @@
               </a:ln>
               <a:extLst>
                 <a:ext uri="{91240B29-F687-4f45-9708-019B960494DF}">
-                  <a14:hiddenLine xmlns:a14="http://schemas.microsoft.com/office/drawing/2010/main" xmlns="" w="9525">
+                  <a14:hiddenLine xmlns="" xmlns:a14="http://schemas.microsoft.com/office/drawing/2010/main" w="9525">
                     <a:solidFill>
                       <a:srgbClr val="000000"/>
                     </a:solidFill>
@@ -10138,7 +10138,7 @@
               </a:ln>
               <a:extLst>
                 <a:ext uri="{91240B29-F687-4f45-9708-019B960494DF}">
-                  <a14:hiddenLine xmlns:a14="http://schemas.microsoft.com/office/drawing/2010/main" xmlns="" w="9525">
+                  <a14:hiddenLine xmlns="" xmlns:a14="http://schemas.microsoft.com/office/drawing/2010/main" w="9525">
                     <a:solidFill>
                       <a:srgbClr val="000000"/>
                     </a:solidFill>
@@ -10248,7 +10248,7 @@
               </a:ln>
               <a:extLst>
                 <a:ext uri="{91240B29-F687-4f45-9708-019B960494DF}">
-                  <a14:hiddenLine xmlns:a14="http://schemas.microsoft.com/office/drawing/2010/main" xmlns="" w="9525">
+                  <a14:hiddenLine xmlns="" xmlns:a14="http://schemas.microsoft.com/office/drawing/2010/main" w="9525">
                     <a:solidFill>
                       <a:srgbClr val="000000"/>
                     </a:solidFill>
@@ -10332,7 +10332,7 @@
               </a:ln>
               <a:extLst>
                 <a:ext uri="{91240B29-F687-4f45-9708-019B960494DF}">
-                  <a14:hiddenLine xmlns:a14="http://schemas.microsoft.com/office/drawing/2010/main" xmlns="" w="9525">
+                  <a14:hiddenLine xmlns="" xmlns:a14="http://schemas.microsoft.com/office/drawing/2010/main" w="9525">
                     <a:solidFill>
                       <a:srgbClr val="000000"/>
                     </a:solidFill>
@@ -10394,7 +10394,7 @@
               </a:ln>
               <a:extLst>
                 <a:ext uri="{91240B29-F687-4f45-9708-019B960494DF}">
-                  <a14:hiddenLine xmlns:a14="http://schemas.microsoft.com/office/drawing/2010/main" xmlns="" w="9525">
+                  <a14:hiddenLine xmlns="" xmlns:a14="http://schemas.microsoft.com/office/drawing/2010/main" w="9525">
                     <a:solidFill>
                       <a:srgbClr val="000000"/>
                     </a:solidFill>
@@ -10456,7 +10456,7 @@
               </a:ln>
               <a:extLst>
                 <a:ext uri="{91240B29-F687-4f45-9708-019B960494DF}">
-                  <a14:hiddenLine xmlns:a14="http://schemas.microsoft.com/office/drawing/2010/main" xmlns="" w="9525">
+                  <a14:hiddenLine xmlns="" xmlns:a14="http://schemas.microsoft.com/office/drawing/2010/main" w="9525">
                     <a:solidFill>
                       <a:srgbClr val="000000"/>
                     </a:solidFill>
@@ -10546,7 +10546,7 @@
               </a:ln>
               <a:extLst>
                 <a:ext uri="{91240B29-F687-4f45-9708-019B960494DF}">
-                  <a14:hiddenLine xmlns:a14="http://schemas.microsoft.com/office/drawing/2010/main" xmlns="" w="9525">
+                  <a14:hiddenLine xmlns="" xmlns:a14="http://schemas.microsoft.com/office/drawing/2010/main" w="9525">
                     <a:solidFill>
                       <a:srgbClr val="000000"/>
                     </a:solidFill>
@@ -10580,7 +10580,7 @@
               </a:ln>
               <a:extLst>
                 <a:ext uri="{91240B29-F687-4f45-9708-019B960494DF}">
-                  <a14:hiddenLine xmlns:a14="http://schemas.microsoft.com/office/drawing/2010/main" xmlns="" w="9525">
+                  <a14:hiddenLine xmlns="" xmlns:a14="http://schemas.microsoft.com/office/drawing/2010/main" w="9525">
                     <a:solidFill>
                       <a:srgbClr val="000000"/>
                     </a:solidFill>
@@ -10645,7 +10645,7 @@
               </a:ln>
               <a:extLst>
                 <a:ext uri="{91240B29-F687-4f45-9708-019B960494DF}">
-                  <a14:hiddenLine xmlns:a14="http://schemas.microsoft.com/office/drawing/2010/main" xmlns="" w="9525">
+                  <a14:hiddenLine xmlns="" xmlns:a14="http://schemas.microsoft.com/office/drawing/2010/main" w="9525">
                     <a:solidFill>
                       <a:srgbClr val="000000"/>
                     </a:solidFill>
@@ -10735,7 +10735,7 @@
               </a:ln>
               <a:extLst>
                 <a:ext uri="{91240B29-F687-4f45-9708-019B960494DF}">
-                  <a14:hiddenLine xmlns:a14="http://schemas.microsoft.com/office/drawing/2010/main" xmlns="" w="9525">
+                  <a14:hiddenLine xmlns="" xmlns:a14="http://schemas.microsoft.com/office/drawing/2010/main" w="9525">
                     <a:solidFill>
                       <a:srgbClr val="000000"/>
                     </a:solidFill>
@@ -10797,7 +10797,7 @@
               </a:ln>
               <a:extLst>
                 <a:ext uri="{91240B29-F687-4f45-9708-019B960494DF}">
-                  <a14:hiddenLine xmlns:a14="http://schemas.microsoft.com/office/drawing/2010/main" xmlns="" w="9525">
+                  <a14:hiddenLine xmlns="" xmlns:a14="http://schemas.microsoft.com/office/drawing/2010/main" w="9525">
                     <a:solidFill>
                       <a:srgbClr val="000000"/>
                     </a:solidFill>
@@ -10887,7 +10887,7 @@
               </a:ln>
               <a:extLst>
                 <a:ext uri="{91240B29-F687-4f45-9708-019B960494DF}">
-                  <a14:hiddenLine xmlns:a14="http://schemas.microsoft.com/office/drawing/2010/main" xmlns="" w="9525">
+                  <a14:hiddenLine xmlns="" xmlns:a14="http://schemas.microsoft.com/office/drawing/2010/main" w="9525">
                     <a:solidFill>
                       <a:srgbClr val="000000"/>
                     </a:solidFill>
@@ -10952,7 +10952,7 @@
               </a:ln>
               <a:extLst>
                 <a:ext uri="{91240B29-F687-4f45-9708-019B960494DF}">
-                  <a14:hiddenLine xmlns:a14="http://schemas.microsoft.com/office/drawing/2010/main" xmlns="" w="9525">
+                  <a14:hiddenLine xmlns="" xmlns:a14="http://schemas.microsoft.com/office/drawing/2010/main" w="9525">
                     <a:solidFill>
                       <a:srgbClr val="000000"/>
                     </a:solidFill>
@@ -11014,7 +11014,7 @@
               </a:ln>
               <a:extLst>
                 <a:ext uri="{91240B29-F687-4f45-9708-019B960494DF}">
-                  <a14:hiddenLine xmlns:a14="http://schemas.microsoft.com/office/drawing/2010/main" xmlns="" w="9525">
+                  <a14:hiddenLine xmlns="" xmlns:a14="http://schemas.microsoft.com/office/drawing/2010/main" w="9525">
                     <a:solidFill>
                       <a:srgbClr val="000000"/>
                     </a:solidFill>
@@ -11104,7 +11104,7 @@
               </a:ln>
               <a:extLst>
                 <a:ext uri="{91240B29-F687-4f45-9708-019B960494DF}">
-                  <a14:hiddenLine xmlns:a14="http://schemas.microsoft.com/office/drawing/2010/main" xmlns="" w="9525">
+                  <a14:hiddenLine xmlns="" xmlns:a14="http://schemas.microsoft.com/office/drawing/2010/main" w="9525">
                     <a:solidFill>
                       <a:srgbClr val="000000"/>
                     </a:solidFill>
@@ -11194,7 +11194,7 @@
               </a:ln>
               <a:extLst>
                 <a:ext uri="{91240B29-F687-4f45-9708-019B960494DF}">
-                  <a14:hiddenLine xmlns:a14="http://schemas.microsoft.com/office/drawing/2010/main" xmlns="" w="9525">
+                  <a14:hiddenLine xmlns="" xmlns:a14="http://schemas.microsoft.com/office/drawing/2010/main" w="9525">
                     <a:solidFill>
                       <a:srgbClr val="000000"/>
                     </a:solidFill>
@@ -11259,7 +11259,7 @@
               </a:ln>
               <a:extLst>
                 <a:ext uri="{91240B29-F687-4f45-9708-019B960494DF}">
-                  <a14:hiddenLine xmlns:a14="http://schemas.microsoft.com/office/drawing/2010/main" xmlns="" w="9525">
+                  <a14:hiddenLine xmlns="" xmlns:a14="http://schemas.microsoft.com/office/drawing/2010/main" w="9525">
                     <a:solidFill>
                       <a:srgbClr val="000000"/>
                     </a:solidFill>
@@ -11379,7 +11379,7 @@
               </a:ln>
               <a:extLst>
                 <a:ext uri="{91240B29-F687-4f45-9708-019B960494DF}">
-                  <a14:hiddenLine xmlns:a14="http://schemas.microsoft.com/office/drawing/2010/main" xmlns="" w="9525">
+                  <a14:hiddenLine xmlns="" xmlns:a14="http://schemas.microsoft.com/office/drawing/2010/main" w="9525">
                     <a:solidFill>
                       <a:srgbClr val="000000"/>
                     </a:solidFill>
@@ -11477,7 +11477,7 @@
               </a:ln>
               <a:extLst>
                 <a:ext uri="{91240B29-F687-4f45-9708-019B960494DF}">
-                  <a14:hiddenLine xmlns:a14="http://schemas.microsoft.com/office/drawing/2010/main" xmlns="" w="9525">
+                  <a14:hiddenLine xmlns="" xmlns:a14="http://schemas.microsoft.com/office/drawing/2010/main" w="9525">
                     <a:solidFill>
                       <a:srgbClr val="000000"/>
                     </a:solidFill>
@@ -11592,7 +11592,7 @@
               </a:ln>
               <a:extLst>
                 <a:ext uri="{91240B29-F687-4f45-9708-019B960494DF}">
-                  <a14:hiddenLine xmlns:a14="http://schemas.microsoft.com/office/drawing/2010/main" xmlns="" w="9525">
+                  <a14:hiddenLine xmlns="" xmlns:a14="http://schemas.microsoft.com/office/drawing/2010/main" w="9525">
                     <a:solidFill>
                       <a:srgbClr val="000000"/>
                     </a:solidFill>
@@ -11682,7 +11682,7 @@
               </a:ln>
               <a:extLst>
                 <a:ext uri="{91240B29-F687-4f45-9708-019B960494DF}">
-                  <a14:hiddenLine xmlns:a14="http://schemas.microsoft.com/office/drawing/2010/main" xmlns="" w="9525">
+                  <a14:hiddenLine xmlns="" xmlns:a14="http://schemas.microsoft.com/office/drawing/2010/main" w="9525">
                     <a:solidFill>
                       <a:srgbClr val="000000"/>
                     </a:solidFill>
@@ -11747,7 +11747,7 @@
               </a:ln>
               <a:extLst>
                 <a:ext uri="{91240B29-F687-4f45-9708-019B960494DF}">
-                  <a14:hiddenLine xmlns:a14="http://schemas.microsoft.com/office/drawing/2010/main" xmlns="" w="9525">
+                  <a14:hiddenLine xmlns="" xmlns:a14="http://schemas.microsoft.com/office/drawing/2010/main" w="9525">
                     <a:solidFill>
                       <a:srgbClr val="000000"/>
                     </a:solidFill>
@@ -11837,7 +11837,7 @@
               </a:ln>
               <a:extLst>
                 <a:ext uri="{91240B29-F687-4f45-9708-019B960494DF}">
-                  <a14:hiddenLine xmlns:a14="http://schemas.microsoft.com/office/drawing/2010/main" xmlns="" w="9525">
+                  <a14:hiddenLine xmlns="" xmlns:a14="http://schemas.microsoft.com/office/drawing/2010/main" w="9525">
                     <a:solidFill>
                       <a:srgbClr val="000000"/>
                     </a:solidFill>
@@ -11905,7 +11905,7 @@
               </a:ln>
               <a:extLst>
                 <a:ext uri="{91240B29-F687-4f45-9708-019B960494DF}">
-                  <a14:hiddenLine xmlns:a14="http://schemas.microsoft.com/office/drawing/2010/main" xmlns="" w="9525">
+                  <a14:hiddenLine xmlns="" xmlns:a14="http://schemas.microsoft.com/office/drawing/2010/main" w="9525">
                     <a:solidFill>
                       <a:srgbClr val="000000"/>
                     </a:solidFill>
@@ -11995,7 +11995,7 @@
               </a:ln>
               <a:extLst>
                 <a:ext uri="{91240B29-F687-4f45-9708-019B960494DF}">
-                  <a14:hiddenLine xmlns:a14="http://schemas.microsoft.com/office/drawing/2010/main" xmlns="" w="9525">
+                  <a14:hiddenLine xmlns="" xmlns:a14="http://schemas.microsoft.com/office/drawing/2010/main" w="9525">
                     <a:solidFill>
                       <a:srgbClr val="000000"/>
                     </a:solidFill>
@@ -12063,7 +12063,7 @@
               </a:ln>
               <a:extLst>
                 <a:ext uri="{91240B29-F687-4f45-9708-019B960494DF}">
-                  <a14:hiddenLine xmlns:a14="http://schemas.microsoft.com/office/drawing/2010/main" xmlns="" w="9525">
+                  <a14:hiddenLine xmlns="" xmlns:a14="http://schemas.microsoft.com/office/drawing/2010/main" w="9525">
                     <a:solidFill>
                       <a:srgbClr val="000000"/>
                     </a:solidFill>
@@ -12153,7 +12153,7 @@
               </a:ln>
               <a:extLst>
                 <a:ext uri="{91240B29-F687-4f45-9708-019B960494DF}">
-                  <a14:hiddenLine xmlns:a14="http://schemas.microsoft.com/office/drawing/2010/main" xmlns="" w="9525">
+                  <a14:hiddenLine xmlns="" xmlns:a14="http://schemas.microsoft.com/office/drawing/2010/main" w="9525">
                     <a:solidFill>
                       <a:srgbClr val="000000"/>
                     </a:solidFill>
@@ -12187,7 +12187,7 @@
               </a:ln>
               <a:extLst>
                 <a:ext uri="{91240B29-F687-4f45-9708-019B960494DF}">
-                  <a14:hiddenLine xmlns:a14="http://schemas.microsoft.com/office/drawing/2010/main" xmlns="" w="9525">
+                  <a14:hiddenLine xmlns="" xmlns:a14="http://schemas.microsoft.com/office/drawing/2010/main" w="9525">
                     <a:solidFill>
                       <a:srgbClr val="000000"/>
                     </a:solidFill>
@@ -12327,7 +12327,7 @@
           <a:p>
             <a:fld id="{B08E032C-E9B4-400F-8610-EE0BF813F7C2}" type="datetime1">
               <a:rPr lang="en-US" smtClean="0"/>
-              <a:t>4/14/2018</a:t>
+              <a:t>4/15/2018</a:t>
             </a:fld>
             <a:endParaRPr lang="en-US" dirty="0"/>
           </a:p>
@@ -14566,7 +14566,15 @@
             </a:r>
             <a:r>
               <a:rPr lang="fr-FR" sz="2200" dirty="0"/>
-              <a:t>pour ajouter des annonces</a:t>
+              <a:t>pour ajouter des annonces (</a:t>
+            </a:r>
+            <a:r>
+              <a:rPr lang="fr-FR" sz="2200" dirty="0" err="1"/>
+              <a:t>PhpSpreadsheet</a:t>
+            </a:r>
+            <a:r>
+              <a:rPr lang="fr-FR" sz="2200" dirty="0"/>
+              <a:t>)</a:t>
             </a:r>
           </a:p>
           <a:p>
